--- a/Presentations/Oral defence 07-01-2021.pptx
+++ b/Presentations/Oral defence 07-01-2021.pptx
@@ -5,10 +5,10 @@
     <p:sldMasterId id="2147483662" r:id="rId7"/>
   </p:sldMasterIdLst>
   <p:notesMasterIdLst>
-    <p:notesMasterId r:id="rId17"/>
+    <p:notesMasterId r:id="rId21"/>
   </p:notesMasterIdLst>
   <p:handoutMasterIdLst>
-    <p:handoutMasterId r:id="rId18"/>
+    <p:handoutMasterId r:id="rId22"/>
   </p:handoutMasterIdLst>
   <p:sldIdLst>
     <p:sldId id="256" r:id="rId8"/>
@@ -16,15 +16,19 @@
     <p:sldId id="265" r:id="rId10"/>
     <p:sldId id="261" r:id="rId11"/>
     <p:sldId id="267" r:id="rId12"/>
-    <p:sldId id="262" r:id="rId13"/>
-    <p:sldId id="263" r:id="rId14"/>
-    <p:sldId id="264" r:id="rId15"/>
-    <p:sldId id="266" r:id="rId16"/>
+    <p:sldId id="268" r:id="rId13"/>
+    <p:sldId id="272" r:id="rId14"/>
+    <p:sldId id="271" r:id="rId15"/>
+    <p:sldId id="270" r:id="rId16"/>
+    <p:sldId id="262" r:id="rId17"/>
+    <p:sldId id="263" r:id="rId18"/>
+    <p:sldId id="264" r:id="rId19"/>
+    <p:sldId id="266" r:id="rId20"/>
   </p:sldIdLst>
   <p:sldSz cx="12190413" cy="6858000"/>
   <p:notesSz cx="6858000" cy="9144000"/>
   <p:custDataLst>
-    <p:tags r:id="rId19"/>
+    <p:tags r:id="rId23"/>
   </p:custDataLst>
   <p:defaultTextStyle>
     <a:defPPr>
@@ -160,6 +164,643 @@
     </p:ext>
   </p:extLst>
 </p:presentation>
+</file>
+
+<file path=ppt/revisionInfo.xml><?xml version="1.0" encoding="utf-8"?>
+<p1510:revInfo xmlns:a="http://schemas.openxmlformats.org/drawingml/2006/main" xmlns:r="http://schemas.openxmlformats.org/officeDocument/2006/relationships" xmlns:p1510="http://schemas.microsoft.com/office/powerpoint/2015/10/main">
+  <p1510:revLst>
+    <p1510:client id="{977C598A-4D9E-41F6-86F7-5D81D4506CA8}" v="219" dt="2021-01-04T18:14:17.947"/>
+  </p1510:revLst>
+</p1510:revInfo>
+</file>
+
+<file path=ppt/changesInfos/changesInfo1.xml><?xml version="1.0" encoding="utf-8"?>
+<pc:chgInfo xmlns:a="http://schemas.openxmlformats.org/drawingml/2006/main" xmlns:r="http://schemas.openxmlformats.org/officeDocument/2006/relationships" xmlns:ac="http://schemas.microsoft.com/office/drawing/2013/main/command" xmlns:pc="http://schemas.microsoft.com/office/powerpoint/2013/main/command">
+  <pc:docChgLst>
+    <pc:chgData name="benjamin Skjold" userId="c95198f139ad621b" providerId="LiveId" clId="{977C598A-4D9E-41F6-86F7-5D81D4506CA8}"/>
+    <pc:docChg chg="undo custSel addSld delSld modSld sldOrd">
+      <pc:chgData name="benjamin Skjold" userId="c95198f139ad621b" providerId="LiveId" clId="{977C598A-4D9E-41F6-86F7-5D81D4506CA8}" dt="2021-01-04T18:14:17.947" v="1192"/>
+      <pc:docMkLst>
+        <pc:docMk/>
+      </pc:docMkLst>
+      <pc:sldChg chg="modSp">
+        <pc:chgData name="benjamin Skjold" userId="c95198f139ad621b" providerId="LiveId" clId="{977C598A-4D9E-41F6-86F7-5D81D4506CA8}" dt="2021-01-04T16:44:09.290" v="272" actId="20577"/>
+        <pc:sldMkLst>
+          <pc:docMk/>
+          <pc:sldMk cId="4043678621" sldId="261"/>
+        </pc:sldMkLst>
+        <pc:spChg chg="mod">
+          <ac:chgData name="benjamin Skjold" userId="c95198f139ad621b" providerId="LiveId" clId="{977C598A-4D9E-41F6-86F7-5D81D4506CA8}" dt="2021-01-04T16:44:09.290" v="272" actId="20577"/>
+          <ac:spMkLst>
+            <pc:docMk/>
+            <pc:sldMk cId="4043678621" sldId="261"/>
+            <ac:spMk id="5" creationId="{4C595112-B773-4F2D-8C73-E10D8651FC8B}"/>
+          </ac:spMkLst>
+        </pc:spChg>
+      </pc:sldChg>
+      <pc:sldChg chg="addSp modSp">
+        <pc:chgData name="benjamin Skjold" userId="c95198f139ad621b" providerId="LiveId" clId="{977C598A-4D9E-41F6-86F7-5D81D4506CA8}" dt="2021-01-04T18:00:34.271" v="868" actId="20577"/>
+        <pc:sldMkLst>
+          <pc:docMk/>
+          <pc:sldMk cId="3737717230" sldId="262"/>
+        </pc:sldMkLst>
+        <pc:spChg chg="add mod">
+          <ac:chgData name="benjamin Skjold" userId="c95198f139ad621b" providerId="LiveId" clId="{977C598A-4D9E-41F6-86F7-5D81D4506CA8}" dt="2021-01-04T18:00:34.271" v="868" actId="20577"/>
+          <ac:spMkLst>
+            <pc:docMk/>
+            <pc:sldMk cId="3737717230" sldId="262"/>
+            <ac:spMk id="5" creationId="{D771433F-129F-4BEA-919F-AF8CD069B65D}"/>
+          </ac:spMkLst>
+        </pc:spChg>
+      </pc:sldChg>
+      <pc:sldChg chg="modSp modAnim">
+        <pc:chgData name="benjamin Skjold" userId="c95198f139ad621b" providerId="LiveId" clId="{977C598A-4D9E-41F6-86F7-5D81D4506CA8}" dt="2021-01-04T17:59:24.623" v="764" actId="20577"/>
+        <pc:sldMkLst>
+          <pc:docMk/>
+          <pc:sldMk cId="2844950335" sldId="265"/>
+        </pc:sldMkLst>
+        <pc:spChg chg="mod">
+          <ac:chgData name="benjamin Skjold" userId="c95198f139ad621b" providerId="LiveId" clId="{977C598A-4D9E-41F6-86F7-5D81D4506CA8}" dt="2021-01-04T17:59:24.623" v="764" actId="20577"/>
+          <ac:spMkLst>
+            <pc:docMk/>
+            <pc:sldMk cId="2844950335" sldId="265"/>
+            <ac:spMk id="3" creationId="{9F64E2CF-4722-477A-865C-2F5DC3EB1D15}"/>
+          </ac:spMkLst>
+        </pc:spChg>
+      </pc:sldChg>
+      <pc:sldChg chg="addSp delSp modSp delAnim modAnim">
+        <pc:chgData name="benjamin Skjold" userId="c95198f139ad621b" providerId="LiveId" clId="{977C598A-4D9E-41F6-86F7-5D81D4506CA8}" dt="2021-01-04T16:43:33.299" v="253"/>
+        <pc:sldMkLst>
+          <pc:docMk/>
+          <pc:sldMk cId="2139668013" sldId="267"/>
+        </pc:sldMkLst>
+        <pc:spChg chg="add del mod">
+          <ac:chgData name="benjamin Skjold" userId="c95198f139ad621b" providerId="LiveId" clId="{977C598A-4D9E-41F6-86F7-5D81D4506CA8}" dt="2021-01-04T16:37:29.473" v="133" actId="478"/>
+          <ac:spMkLst>
+            <pc:docMk/>
+            <pc:sldMk cId="2139668013" sldId="267"/>
+            <ac:spMk id="7" creationId="{90C3B42F-BFFA-4F36-B7FF-7C26A90ADD06}"/>
+          </ac:spMkLst>
+        </pc:spChg>
+        <pc:spChg chg="add del mod">
+          <ac:chgData name="benjamin Skjold" userId="c95198f139ad621b" providerId="LiveId" clId="{977C598A-4D9E-41F6-86F7-5D81D4506CA8}" dt="2021-01-04T16:39:25.182" v="154" actId="478"/>
+          <ac:spMkLst>
+            <pc:docMk/>
+            <pc:sldMk cId="2139668013" sldId="267"/>
+            <ac:spMk id="8" creationId="{9276C7C9-0F8A-438C-95A2-67C5F050C137}"/>
+          </ac:spMkLst>
+        </pc:spChg>
+        <pc:spChg chg="add del mod">
+          <ac:chgData name="benjamin Skjold" userId="c95198f139ad621b" providerId="LiveId" clId="{977C598A-4D9E-41F6-86F7-5D81D4506CA8}" dt="2021-01-04T16:39:25.721" v="155" actId="478"/>
+          <ac:spMkLst>
+            <pc:docMk/>
+            <pc:sldMk cId="2139668013" sldId="267"/>
+            <ac:spMk id="9" creationId="{29AEC9D2-DCC8-4365-A013-A3BA94370C04}"/>
+          </ac:spMkLst>
+        </pc:spChg>
+        <pc:spChg chg="add mod">
+          <ac:chgData name="benjamin Skjold" userId="c95198f139ad621b" providerId="LiveId" clId="{977C598A-4D9E-41F6-86F7-5D81D4506CA8}" dt="2021-01-04T16:39:57.658" v="163" actId="1076"/>
+          <ac:spMkLst>
+            <pc:docMk/>
+            <pc:sldMk cId="2139668013" sldId="267"/>
+            <ac:spMk id="10" creationId="{8F857EAB-EED5-49CB-8089-9EECDF489358}"/>
+          </ac:spMkLst>
+        </pc:spChg>
+        <pc:spChg chg="add mod">
+          <ac:chgData name="benjamin Skjold" userId="c95198f139ad621b" providerId="LiveId" clId="{977C598A-4D9E-41F6-86F7-5D81D4506CA8}" dt="2021-01-04T16:40:09.531" v="166" actId="1076"/>
+          <ac:spMkLst>
+            <pc:docMk/>
+            <pc:sldMk cId="2139668013" sldId="267"/>
+            <ac:spMk id="11" creationId="{5EC9AD17-8C88-45C3-95C7-3E005965134A}"/>
+          </ac:spMkLst>
+        </pc:spChg>
+        <pc:spChg chg="add mod">
+          <ac:chgData name="benjamin Skjold" userId="c95198f139ad621b" providerId="LiveId" clId="{977C598A-4D9E-41F6-86F7-5D81D4506CA8}" dt="2021-01-04T16:41:21.844" v="184" actId="14100"/>
+          <ac:spMkLst>
+            <pc:docMk/>
+            <pc:sldMk cId="2139668013" sldId="267"/>
+            <ac:spMk id="12" creationId="{CBE8D8B6-30A4-4FFC-B369-3CFE96D064C8}"/>
+          </ac:spMkLst>
+        </pc:spChg>
+        <pc:spChg chg="add mod">
+          <ac:chgData name="benjamin Skjold" userId="c95198f139ad621b" providerId="LiveId" clId="{977C598A-4D9E-41F6-86F7-5D81D4506CA8}" dt="2021-01-04T16:41:30.483" v="241" actId="1037"/>
+          <ac:spMkLst>
+            <pc:docMk/>
+            <pc:sldMk cId="2139668013" sldId="267"/>
+            <ac:spMk id="13" creationId="{F7C1ACD4-03E2-49F3-85D5-2953DB7781BE}"/>
+          </ac:spMkLst>
+        </pc:spChg>
+        <pc:picChg chg="add mod">
+          <ac:chgData name="benjamin Skjold" userId="c95198f139ad621b" providerId="LiveId" clId="{977C598A-4D9E-41F6-86F7-5D81D4506CA8}" dt="2021-01-04T16:33:22.826" v="37" actId="1076"/>
+          <ac:picMkLst>
+            <pc:docMk/>
+            <pc:sldMk cId="2139668013" sldId="267"/>
+            <ac:picMk id="5" creationId="{CBD33CB1-5C9E-4AB5-AA0C-25A4B80D63BF}"/>
+          </ac:picMkLst>
+        </pc:picChg>
+        <pc:picChg chg="add mod ord">
+          <ac:chgData name="benjamin Skjold" userId="c95198f139ad621b" providerId="LiveId" clId="{977C598A-4D9E-41F6-86F7-5D81D4506CA8}" dt="2021-01-04T16:34:42.578" v="118" actId="1036"/>
+          <ac:picMkLst>
+            <pc:docMk/>
+            <pc:sldMk cId="2139668013" sldId="267"/>
+            <ac:picMk id="6" creationId="{9CEE73F4-0114-4AD3-A247-2AEF0C5998FE}"/>
+          </ac:picMkLst>
+        </pc:picChg>
+      </pc:sldChg>
+      <pc:sldChg chg="addSp delSp modSp add ord delAnim modAnim">
+        <pc:chgData name="benjamin Skjold" userId="c95198f139ad621b" providerId="LiveId" clId="{977C598A-4D9E-41F6-86F7-5D81D4506CA8}" dt="2021-01-04T17:53:32.162" v="710" actId="1076"/>
+        <pc:sldMkLst>
+          <pc:docMk/>
+          <pc:sldMk cId="2633857991" sldId="268"/>
+        </pc:sldMkLst>
+        <pc:spChg chg="mod">
+          <ac:chgData name="benjamin Skjold" userId="c95198f139ad621b" providerId="LiveId" clId="{977C598A-4D9E-41F6-86F7-5D81D4506CA8}" dt="2021-01-04T16:45:21.891" v="312" actId="20577"/>
+          <ac:spMkLst>
+            <pc:docMk/>
+            <pc:sldMk cId="2633857991" sldId="268"/>
+            <ac:spMk id="2" creationId="{B6BEEC1C-6AC4-4F38-ABBD-C8BFDF603A72}"/>
+          </ac:spMkLst>
+        </pc:spChg>
+        <pc:spChg chg="add del">
+          <ac:chgData name="benjamin Skjold" userId="c95198f139ad621b" providerId="LiveId" clId="{977C598A-4D9E-41F6-86F7-5D81D4506CA8}" dt="2021-01-04T17:41:00.281" v="516"/>
+          <ac:spMkLst>
+            <pc:docMk/>
+            <pc:sldMk cId="2633857991" sldId="268"/>
+            <ac:spMk id="8" creationId="{D3D6C2FA-9B50-405E-A683-31930069F809}"/>
+          </ac:spMkLst>
+        </pc:spChg>
+        <pc:spChg chg="del">
+          <ac:chgData name="benjamin Skjold" userId="c95198f139ad621b" providerId="LiveId" clId="{977C598A-4D9E-41F6-86F7-5D81D4506CA8}" dt="2021-01-04T16:44:42.249" v="274" actId="478"/>
+          <ac:spMkLst>
+            <pc:docMk/>
+            <pc:sldMk cId="2633857991" sldId="268"/>
+            <ac:spMk id="10" creationId="{8F857EAB-EED5-49CB-8089-9EECDF489358}"/>
+          </ac:spMkLst>
+        </pc:spChg>
+        <pc:spChg chg="del">
+          <ac:chgData name="benjamin Skjold" userId="c95198f139ad621b" providerId="LiveId" clId="{977C598A-4D9E-41F6-86F7-5D81D4506CA8}" dt="2021-01-04T16:44:42.249" v="274" actId="478"/>
+          <ac:spMkLst>
+            <pc:docMk/>
+            <pc:sldMk cId="2633857991" sldId="268"/>
+            <ac:spMk id="11" creationId="{5EC9AD17-8C88-45C3-95C7-3E005965134A}"/>
+          </ac:spMkLst>
+        </pc:spChg>
+        <pc:spChg chg="del">
+          <ac:chgData name="benjamin Skjold" userId="c95198f139ad621b" providerId="LiveId" clId="{977C598A-4D9E-41F6-86F7-5D81D4506CA8}" dt="2021-01-04T16:44:42.249" v="274" actId="478"/>
+          <ac:spMkLst>
+            <pc:docMk/>
+            <pc:sldMk cId="2633857991" sldId="268"/>
+            <ac:spMk id="12" creationId="{CBE8D8B6-30A4-4FFC-B369-3CFE96D064C8}"/>
+          </ac:spMkLst>
+        </pc:spChg>
+        <pc:spChg chg="del">
+          <ac:chgData name="benjamin Skjold" userId="c95198f139ad621b" providerId="LiveId" clId="{977C598A-4D9E-41F6-86F7-5D81D4506CA8}" dt="2021-01-04T16:44:42.249" v="274" actId="478"/>
+          <ac:spMkLst>
+            <pc:docMk/>
+            <pc:sldMk cId="2633857991" sldId="268"/>
+            <ac:spMk id="13" creationId="{F7C1ACD4-03E2-49F3-85D5-2953DB7781BE}"/>
+          </ac:spMkLst>
+        </pc:spChg>
+        <pc:spChg chg="mod topLvl">
+          <ac:chgData name="benjamin Skjold" userId="c95198f139ad621b" providerId="LiveId" clId="{977C598A-4D9E-41F6-86F7-5D81D4506CA8}" dt="2021-01-04T16:48:54.497" v="360" actId="165"/>
+          <ac:spMkLst>
+            <pc:docMk/>
+            <pc:sldMk cId="2633857991" sldId="268"/>
+            <ac:spMk id="17" creationId="{73619DE4-4517-4B0F-82C8-23F2749D751D}"/>
+          </ac:spMkLst>
+        </pc:spChg>
+        <pc:spChg chg="mod topLvl">
+          <ac:chgData name="benjamin Skjold" userId="c95198f139ad621b" providerId="LiveId" clId="{977C598A-4D9E-41F6-86F7-5D81D4506CA8}" dt="2021-01-04T16:48:54.497" v="360" actId="165"/>
+          <ac:spMkLst>
+            <pc:docMk/>
+            <pc:sldMk cId="2633857991" sldId="268"/>
+            <ac:spMk id="18" creationId="{485A567A-90A2-40FB-AA5C-99CBAB227365}"/>
+          </ac:spMkLst>
+        </pc:spChg>
+        <pc:spChg chg="mod topLvl">
+          <ac:chgData name="benjamin Skjold" userId="c95198f139ad621b" providerId="LiveId" clId="{977C598A-4D9E-41F6-86F7-5D81D4506CA8}" dt="2021-01-04T16:48:54.497" v="360" actId="165"/>
+          <ac:spMkLst>
+            <pc:docMk/>
+            <pc:sldMk cId="2633857991" sldId="268"/>
+            <ac:spMk id="19" creationId="{2A4E3A7E-2ED9-4C18-BE55-F4B1666899EC}"/>
+          </ac:spMkLst>
+        </pc:spChg>
+        <pc:spChg chg="mod topLvl">
+          <ac:chgData name="benjamin Skjold" userId="c95198f139ad621b" providerId="LiveId" clId="{977C598A-4D9E-41F6-86F7-5D81D4506CA8}" dt="2021-01-04T16:48:54.497" v="360" actId="165"/>
+          <ac:spMkLst>
+            <pc:docMk/>
+            <pc:sldMk cId="2633857991" sldId="268"/>
+            <ac:spMk id="20" creationId="{9C4B5331-1794-483E-82D5-136067D75ED9}"/>
+          </ac:spMkLst>
+        </pc:spChg>
+        <pc:spChg chg="add mod">
+          <ac:chgData name="benjamin Skjold" userId="c95198f139ad621b" providerId="LiveId" clId="{977C598A-4D9E-41F6-86F7-5D81D4506CA8}" dt="2021-01-04T16:47:48.254" v="355" actId="115"/>
+          <ac:spMkLst>
+            <pc:docMk/>
+            <pc:sldMk cId="2633857991" sldId="268"/>
+            <ac:spMk id="21" creationId="{B538C869-42D1-4232-8FDB-335F112A9942}"/>
+          </ac:spMkLst>
+        </pc:spChg>
+        <pc:spChg chg="add del mod">
+          <ac:chgData name="benjamin Skjold" userId="c95198f139ad621b" providerId="LiveId" clId="{977C598A-4D9E-41F6-86F7-5D81D4506CA8}" dt="2021-01-04T17:47:23.921" v="643" actId="478"/>
+          <ac:spMkLst>
+            <pc:docMk/>
+            <pc:sldMk cId="2633857991" sldId="268"/>
+            <ac:spMk id="28" creationId="{EF28B928-0007-484F-80E5-54AEC86E88ED}"/>
+          </ac:spMkLst>
+        </pc:spChg>
+        <pc:spChg chg="add del mod">
+          <ac:chgData name="benjamin Skjold" userId="c95198f139ad621b" providerId="LiveId" clId="{977C598A-4D9E-41F6-86F7-5D81D4506CA8}" dt="2021-01-04T17:47:58.463" v="648" actId="478"/>
+          <ac:spMkLst>
+            <pc:docMk/>
+            <pc:sldMk cId="2633857991" sldId="268"/>
+            <ac:spMk id="29" creationId="{FE81BF54-CB85-49E5-8823-6A0F6039F3E6}"/>
+          </ac:spMkLst>
+        </pc:spChg>
+        <pc:spChg chg="add del mod">
+          <ac:chgData name="benjamin Skjold" userId="c95198f139ad621b" providerId="LiveId" clId="{977C598A-4D9E-41F6-86F7-5D81D4506CA8}" dt="2021-01-04T17:48:18.167" v="650" actId="478"/>
+          <ac:spMkLst>
+            <pc:docMk/>
+            <pc:sldMk cId="2633857991" sldId="268"/>
+            <ac:spMk id="30" creationId="{30975C68-F96D-4A05-A5C1-E95297C48BA3}"/>
+          </ac:spMkLst>
+        </pc:spChg>
+        <pc:spChg chg="add mod">
+          <ac:chgData name="benjamin Skjold" userId="c95198f139ad621b" providerId="LiveId" clId="{977C598A-4D9E-41F6-86F7-5D81D4506CA8}" dt="2021-01-04T17:53:32.162" v="710" actId="1076"/>
+          <ac:spMkLst>
+            <pc:docMk/>
+            <pc:sldMk cId="2633857991" sldId="268"/>
+            <ac:spMk id="33" creationId="{E8204BAA-D5CA-40C6-A4F2-E82A0E7A71E1}"/>
+          </ac:spMkLst>
+        </pc:spChg>
+        <pc:spChg chg="add mod">
+          <ac:chgData name="benjamin Skjold" userId="c95198f139ad621b" providerId="LiveId" clId="{977C598A-4D9E-41F6-86F7-5D81D4506CA8}" dt="2021-01-04T17:52:43.325" v="708" actId="164"/>
+          <ac:spMkLst>
+            <pc:docMk/>
+            <pc:sldMk cId="2633857991" sldId="268"/>
+            <ac:spMk id="34" creationId="{9623E994-71BD-4143-9E3E-2C3A3F6F22EB}"/>
+          </ac:spMkLst>
+        </pc:spChg>
+        <pc:grpChg chg="add del mod">
+          <ac:chgData name="benjamin Skjold" userId="c95198f139ad621b" providerId="LiveId" clId="{977C598A-4D9E-41F6-86F7-5D81D4506CA8}" dt="2021-01-04T16:48:54.497" v="360" actId="165"/>
+          <ac:grpSpMkLst>
+            <pc:docMk/>
+            <pc:sldMk cId="2633857991" sldId="268"/>
+            <ac:grpSpMk id="7" creationId="{948793FF-3BDB-415E-8338-592BE44A4648}"/>
+          </ac:grpSpMkLst>
+        </pc:grpChg>
+        <pc:grpChg chg="add del mod">
+          <ac:chgData name="benjamin Skjold" userId="c95198f139ad621b" providerId="LiveId" clId="{977C598A-4D9E-41F6-86F7-5D81D4506CA8}" dt="2021-01-04T16:46:22.009" v="315" actId="165"/>
+          <ac:grpSpMkLst>
+            <pc:docMk/>
+            <pc:sldMk cId="2633857991" sldId="268"/>
+            <ac:grpSpMk id="14" creationId="{04EB4E5D-4A50-4F10-A6F9-B8CA9C379EB4}"/>
+          </ac:grpSpMkLst>
+        </pc:grpChg>
+        <pc:grpChg chg="add mod">
+          <ac:chgData name="benjamin Skjold" userId="c95198f139ad621b" providerId="LiveId" clId="{977C598A-4D9E-41F6-86F7-5D81D4506CA8}" dt="2021-01-04T17:52:43.325" v="708" actId="164"/>
+          <ac:grpSpMkLst>
+            <pc:docMk/>
+            <pc:sldMk cId="2633857991" sldId="268"/>
+            <ac:grpSpMk id="35" creationId="{10080DF5-5855-4A89-BC7F-8D08175BBB9C}"/>
+          </ac:grpSpMkLst>
+        </pc:grpChg>
+        <pc:grpChg chg="add mod">
+          <ac:chgData name="benjamin Skjold" userId="c95198f139ad621b" providerId="LiveId" clId="{977C598A-4D9E-41F6-86F7-5D81D4506CA8}" dt="2021-01-04T17:52:43.325" v="708" actId="164"/>
+          <ac:grpSpMkLst>
+            <pc:docMk/>
+            <pc:sldMk cId="2633857991" sldId="268"/>
+            <ac:grpSpMk id="36" creationId="{F5882294-9625-4E15-B96B-629C06BB5A9A}"/>
+          </ac:grpSpMkLst>
+        </pc:grpChg>
+        <pc:picChg chg="del">
+          <ac:chgData name="benjamin Skjold" userId="c95198f139ad621b" providerId="LiveId" clId="{977C598A-4D9E-41F6-86F7-5D81D4506CA8}" dt="2021-01-04T16:44:42.249" v="274" actId="478"/>
+          <ac:picMkLst>
+            <pc:docMk/>
+            <pc:sldMk cId="2633857991" sldId="268"/>
+            <ac:picMk id="5" creationId="{CBD33CB1-5C9E-4AB5-AA0C-25A4B80D63BF}"/>
+          </ac:picMkLst>
+        </pc:picChg>
+        <pc:picChg chg="del">
+          <ac:chgData name="benjamin Skjold" userId="c95198f139ad621b" providerId="LiveId" clId="{977C598A-4D9E-41F6-86F7-5D81D4506CA8}" dt="2021-01-04T16:44:42.249" v="274" actId="478"/>
+          <ac:picMkLst>
+            <pc:docMk/>
+            <pc:sldMk cId="2633857991" sldId="268"/>
+            <ac:picMk id="6" creationId="{9CEE73F4-0114-4AD3-A247-2AEF0C5998FE}"/>
+          </ac:picMkLst>
+        </pc:picChg>
+        <pc:picChg chg="del mod topLvl">
+          <ac:chgData name="benjamin Skjold" userId="c95198f139ad621b" providerId="LiveId" clId="{977C598A-4D9E-41F6-86F7-5D81D4506CA8}" dt="2021-01-04T17:40:57.660" v="514" actId="478"/>
+          <ac:picMkLst>
+            <pc:docMk/>
+            <pc:sldMk cId="2633857991" sldId="268"/>
+            <ac:picMk id="15" creationId="{82EE1AFF-AB30-45E3-B09F-8D5D2D72F508}"/>
+          </ac:picMkLst>
+        </pc:picChg>
+        <pc:picChg chg="mod topLvl">
+          <ac:chgData name="benjamin Skjold" userId="c95198f139ad621b" providerId="LiveId" clId="{977C598A-4D9E-41F6-86F7-5D81D4506CA8}" dt="2021-01-04T16:48:54.497" v="360" actId="165"/>
+          <ac:picMkLst>
+            <pc:docMk/>
+            <pc:sldMk cId="2633857991" sldId="268"/>
+            <ac:picMk id="16" creationId="{8939C1D4-23A7-4BC7-A600-8E353FFF9DC1}"/>
+          </ac:picMkLst>
+        </pc:picChg>
+        <pc:picChg chg="add mod">
+          <ac:chgData name="benjamin Skjold" userId="c95198f139ad621b" providerId="LiveId" clId="{977C598A-4D9E-41F6-86F7-5D81D4506CA8}" dt="2021-01-04T17:52:20.934" v="706" actId="164"/>
+          <ac:picMkLst>
+            <pc:docMk/>
+            <pc:sldMk cId="2633857991" sldId="268"/>
+            <ac:picMk id="22" creationId="{EA5C2779-E4BD-49E2-B799-63FC43F7BCAF}"/>
+          </ac:picMkLst>
+        </pc:picChg>
+        <pc:picChg chg="add mod">
+          <ac:chgData name="benjamin Skjold" userId="c95198f139ad621b" providerId="LiveId" clId="{977C598A-4D9E-41F6-86F7-5D81D4506CA8}" dt="2021-01-04T17:52:20.934" v="706" actId="164"/>
+          <ac:picMkLst>
+            <pc:docMk/>
+            <pc:sldMk cId="2633857991" sldId="268"/>
+            <ac:picMk id="32" creationId="{B7382B39-CCD7-4D1A-9A0B-DAA2DECCFFB0}"/>
+          </ac:picMkLst>
+        </pc:picChg>
+        <pc:cxnChg chg="add mod">
+          <ac:chgData name="benjamin Skjold" userId="c95198f139ad621b" providerId="LiveId" clId="{977C598A-4D9E-41F6-86F7-5D81D4506CA8}" dt="2021-01-04T17:52:20.934" v="706" actId="164"/>
+          <ac:cxnSpMkLst>
+            <pc:docMk/>
+            <pc:sldMk cId="2633857991" sldId="268"/>
+            <ac:cxnSpMk id="24" creationId="{44B98FF8-E19D-4B56-9628-6809E8982F03}"/>
+          </ac:cxnSpMkLst>
+        </pc:cxnChg>
+        <pc:cxnChg chg="add mod">
+          <ac:chgData name="benjamin Skjold" userId="c95198f139ad621b" providerId="LiveId" clId="{977C598A-4D9E-41F6-86F7-5D81D4506CA8}" dt="2021-01-04T17:52:20.934" v="706" actId="164"/>
+          <ac:cxnSpMkLst>
+            <pc:docMk/>
+            <pc:sldMk cId="2633857991" sldId="268"/>
+            <ac:cxnSpMk id="26" creationId="{1A7BF5ED-2D57-4A1F-9E82-C15D61FB6A60}"/>
+          </ac:cxnSpMkLst>
+        </pc:cxnChg>
+      </pc:sldChg>
+      <pc:sldChg chg="addSp delSp modSp add del delAnim">
+        <pc:chgData name="benjamin Skjold" userId="c95198f139ad621b" providerId="LiveId" clId="{977C598A-4D9E-41F6-86F7-5D81D4506CA8}" dt="2021-01-04T16:57:58.225" v="429" actId="2696"/>
+        <pc:sldMkLst>
+          <pc:docMk/>
+          <pc:sldMk cId="899349536" sldId="269"/>
+        </pc:sldMkLst>
+        <pc:spChg chg="del">
+          <ac:chgData name="benjamin Skjold" userId="c95198f139ad621b" providerId="LiveId" clId="{977C598A-4D9E-41F6-86F7-5D81D4506CA8}" dt="2021-01-04T16:54:30.294" v="385" actId="478"/>
+          <ac:spMkLst>
+            <pc:docMk/>
+            <pc:sldMk cId="899349536" sldId="269"/>
+            <ac:spMk id="10" creationId="{8F857EAB-EED5-49CB-8089-9EECDF489358}"/>
+          </ac:spMkLst>
+        </pc:spChg>
+        <pc:spChg chg="del">
+          <ac:chgData name="benjamin Skjold" userId="c95198f139ad621b" providerId="LiveId" clId="{977C598A-4D9E-41F6-86F7-5D81D4506CA8}" dt="2021-01-04T16:54:30.294" v="385" actId="478"/>
+          <ac:spMkLst>
+            <pc:docMk/>
+            <pc:sldMk cId="899349536" sldId="269"/>
+            <ac:spMk id="11" creationId="{5EC9AD17-8C88-45C3-95C7-3E005965134A}"/>
+          </ac:spMkLst>
+        </pc:spChg>
+        <pc:spChg chg="del">
+          <ac:chgData name="benjamin Skjold" userId="c95198f139ad621b" providerId="LiveId" clId="{977C598A-4D9E-41F6-86F7-5D81D4506CA8}" dt="2021-01-04T16:54:30.294" v="385" actId="478"/>
+          <ac:spMkLst>
+            <pc:docMk/>
+            <pc:sldMk cId="899349536" sldId="269"/>
+            <ac:spMk id="12" creationId="{CBE8D8B6-30A4-4FFC-B369-3CFE96D064C8}"/>
+          </ac:spMkLst>
+        </pc:spChg>
+        <pc:spChg chg="del">
+          <ac:chgData name="benjamin Skjold" userId="c95198f139ad621b" providerId="LiveId" clId="{977C598A-4D9E-41F6-86F7-5D81D4506CA8}" dt="2021-01-04T16:54:30.294" v="385" actId="478"/>
+          <ac:spMkLst>
+            <pc:docMk/>
+            <pc:sldMk cId="899349536" sldId="269"/>
+            <ac:spMk id="13" creationId="{F7C1ACD4-03E2-49F3-85D5-2953DB7781BE}"/>
+          </ac:spMkLst>
+        </pc:spChg>
+        <pc:picChg chg="del">
+          <ac:chgData name="benjamin Skjold" userId="c95198f139ad621b" providerId="LiveId" clId="{977C598A-4D9E-41F6-86F7-5D81D4506CA8}" dt="2021-01-04T16:54:30.294" v="385" actId="478"/>
+          <ac:picMkLst>
+            <pc:docMk/>
+            <pc:sldMk cId="899349536" sldId="269"/>
+            <ac:picMk id="5" creationId="{CBD33CB1-5C9E-4AB5-AA0C-25A4B80D63BF}"/>
+          </ac:picMkLst>
+        </pc:picChg>
+        <pc:picChg chg="del">
+          <ac:chgData name="benjamin Skjold" userId="c95198f139ad621b" providerId="LiveId" clId="{977C598A-4D9E-41F6-86F7-5D81D4506CA8}" dt="2021-01-04T16:54:30.294" v="385" actId="478"/>
+          <ac:picMkLst>
+            <pc:docMk/>
+            <pc:sldMk cId="899349536" sldId="269"/>
+            <ac:picMk id="6" creationId="{9CEE73F4-0114-4AD3-A247-2AEF0C5998FE}"/>
+          </ac:picMkLst>
+        </pc:picChg>
+        <pc:picChg chg="add mod">
+          <ac:chgData name="benjamin Skjold" userId="c95198f139ad621b" providerId="LiveId" clId="{977C598A-4D9E-41F6-86F7-5D81D4506CA8}" dt="2021-01-04T16:54:55.761" v="397" actId="1035"/>
+          <ac:picMkLst>
+            <pc:docMk/>
+            <pc:sldMk cId="899349536" sldId="269"/>
+            <ac:picMk id="8" creationId="{BD7E2FC1-0A36-4568-823E-C489C96E7568}"/>
+          </ac:picMkLst>
+        </pc:picChg>
+      </pc:sldChg>
+      <pc:sldChg chg="addSp delSp modSp add modAnim">
+        <pc:chgData name="benjamin Skjold" userId="c95198f139ad621b" providerId="LiveId" clId="{977C598A-4D9E-41F6-86F7-5D81D4506CA8}" dt="2021-01-04T18:14:17.947" v="1192"/>
+        <pc:sldMkLst>
+          <pc:docMk/>
+          <pc:sldMk cId="2357556229" sldId="270"/>
+        </pc:sldMkLst>
+        <pc:spChg chg="mod">
+          <ac:chgData name="benjamin Skjold" userId="c95198f139ad621b" providerId="LiveId" clId="{977C598A-4D9E-41F6-86F7-5D81D4506CA8}" dt="2021-01-04T16:56:06.129" v="426" actId="20577"/>
+          <ac:spMkLst>
+            <pc:docMk/>
+            <pc:sldMk cId="2357556229" sldId="270"/>
+            <ac:spMk id="2" creationId="{B6BEEC1C-6AC4-4F38-ABBD-C8BFDF603A72}"/>
+          </ac:spMkLst>
+        </pc:spChg>
+        <pc:spChg chg="add mod">
+          <ac:chgData name="benjamin Skjold" userId="c95198f139ad621b" providerId="LiveId" clId="{977C598A-4D9E-41F6-86F7-5D81D4506CA8}" dt="2021-01-04T18:12:26.716" v="1182" actId="1035"/>
+          <ac:spMkLst>
+            <pc:docMk/>
+            <pc:sldMk cId="2357556229" sldId="270"/>
+            <ac:spMk id="5" creationId="{51288516-DD80-42BB-96AA-C0E5EEC4EBA5}"/>
+          </ac:spMkLst>
+        </pc:spChg>
+        <pc:picChg chg="del">
+          <ac:chgData name="benjamin Skjold" userId="c95198f139ad621b" providerId="LiveId" clId="{977C598A-4D9E-41F6-86F7-5D81D4506CA8}" dt="2021-01-04T16:55:37.875" v="399" actId="478"/>
+          <ac:picMkLst>
+            <pc:docMk/>
+            <pc:sldMk cId="2357556229" sldId="270"/>
+            <ac:picMk id="8" creationId="{BD7E2FC1-0A36-4568-823E-C489C96E7568}"/>
+          </ac:picMkLst>
+        </pc:picChg>
+      </pc:sldChg>
+      <pc:sldChg chg="add">
+        <pc:chgData name="benjamin Skjold" userId="c95198f139ad621b" providerId="LiveId" clId="{977C598A-4D9E-41F6-86F7-5D81D4506CA8}" dt="2021-01-04T16:57:49.820" v="428"/>
+        <pc:sldMkLst>
+          <pc:docMk/>
+          <pc:sldMk cId="1603380883" sldId="271"/>
+        </pc:sldMkLst>
+      </pc:sldChg>
+      <pc:sldChg chg="addSp delSp modSp add delAnim modAnim">
+        <pc:chgData name="benjamin Skjold" userId="c95198f139ad621b" providerId="LiveId" clId="{977C598A-4D9E-41F6-86F7-5D81D4506CA8}" dt="2021-01-04T17:58:24.511" v="719"/>
+        <pc:sldMkLst>
+          <pc:docMk/>
+          <pc:sldMk cId="1070172807" sldId="272"/>
+        </pc:sldMkLst>
+        <pc:spChg chg="add mod">
+          <ac:chgData name="benjamin Skjold" userId="c95198f139ad621b" providerId="LiveId" clId="{977C598A-4D9E-41F6-86F7-5D81D4506CA8}" dt="2021-01-04T16:59:05.682" v="483" actId="1037"/>
+          <ac:spMkLst>
+            <pc:docMk/>
+            <pc:sldMk cId="1070172807" sldId="272"/>
+            <ac:spMk id="12" creationId="{BB224B1F-D000-456D-909F-1DA77464A98E}"/>
+          </ac:spMkLst>
+        </pc:spChg>
+        <pc:spChg chg="del">
+          <ac:chgData name="benjamin Skjold" userId="c95198f139ad621b" providerId="LiveId" clId="{977C598A-4D9E-41F6-86F7-5D81D4506CA8}" dt="2021-01-04T16:58:16.870" v="434" actId="478"/>
+          <ac:spMkLst>
+            <pc:docMk/>
+            <pc:sldMk cId="1070172807" sldId="272"/>
+            <ac:spMk id="17" creationId="{73619DE4-4517-4B0F-82C8-23F2749D751D}"/>
+          </ac:spMkLst>
+        </pc:spChg>
+        <pc:spChg chg="del">
+          <ac:chgData name="benjamin Skjold" userId="c95198f139ad621b" providerId="LiveId" clId="{977C598A-4D9E-41F6-86F7-5D81D4506CA8}" dt="2021-01-04T16:58:15.794" v="433" actId="478"/>
+          <ac:spMkLst>
+            <pc:docMk/>
+            <pc:sldMk cId="1070172807" sldId="272"/>
+            <ac:spMk id="18" creationId="{485A567A-90A2-40FB-AA5C-99CBAB227365}"/>
+          </ac:spMkLst>
+        </pc:spChg>
+        <pc:spChg chg="del">
+          <ac:chgData name="benjamin Skjold" userId="c95198f139ad621b" providerId="LiveId" clId="{977C598A-4D9E-41F6-86F7-5D81D4506CA8}" dt="2021-01-04T16:58:11.273" v="431" actId="478"/>
+          <ac:spMkLst>
+            <pc:docMk/>
+            <pc:sldMk cId="1070172807" sldId="272"/>
+            <ac:spMk id="19" creationId="{2A4E3A7E-2ED9-4C18-BE55-F4B1666899EC}"/>
+          </ac:spMkLst>
+        </pc:spChg>
+        <pc:spChg chg="del">
+          <ac:chgData name="benjamin Skjold" userId="c95198f139ad621b" providerId="LiveId" clId="{977C598A-4D9E-41F6-86F7-5D81D4506CA8}" dt="2021-01-04T16:58:11.273" v="431" actId="478"/>
+          <ac:spMkLst>
+            <pc:docMk/>
+            <pc:sldMk cId="1070172807" sldId="272"/>
+            <ac:spMk id="20" creationId="{9C4B5331-1794-483E-82D5-136067D75ED9}"/>
+          </ac:spMkLst>
+        </pc:spChg>
+        <pc:spChg chg="mod">
+          <ac:chgData name="benjamin Skjold" userId="c95198f139ad621b" providerId="LiveId" clId="{977C598A-4D9E-41F6-86F7-5D81D4506CA8}" dt="2021-01-04T16:58:21.026" v="444" actId="20577"/>
+          <ac:spMkLst>
+            <pc:docMk/>
+            <pc:sldMk cId="1070172807" sldId="272"/>
+            <ac:spMk id="21" creationId="{B538C869-42D1-4232-8FDB-335F112A9942}"/>
+          </ac:spMkLst>
+        </pc:spChg>
+        <pc:spChg chg="add mod">
+          <ac:chgData name="benjamin Skjold" userId="c95198f139ad621b" providerId="LiveId" clId="{977C598A-4D9E-41F6-86F7-5D81D4506CA8}" dt="2021-01-04T17:00:15.282" v="513" actId="14100"/>
+          <ac:spMkLst>
+            <pc:docMk/>
+            <pc:sldMk cId="1070172807" sldId="272"/>
+            <ac:spMk id="24" creationId="{AE8C707C-DDB5-4BAD-AB2B-A9BB025EA25B}"/>
+          </ac:spMkLst>
+        </pc:spChg>
+        <pc:spChg chg="del">
+          <ac:chgData name="benjamin Skjold" userId="c95198f139ad621b" providerId="LiveId" clId="{977C598A-4D9E-41F6-86F7-5D81D4506CA8}" dt="2021-01-04T17:54:12.454" v="717" actId="478"/>
+          <ac:spMkLst>
+            <pc:docMk/>
+            <pc:sldMk cId="1070172807" sldId="272"/>
+            <ac:spMk id="27" creationId="{D5D21F61-8451-4357-BFE1-7FBE2B33AED2}"/>
+          </ac:spMkLst>
+        </pc:spChg>
+        <pc:spChg chg="del topLvl">
+          <ac:chgData name="benjamin Skjold" userId="c95198f139ad621b" providerId="LiveId" clId="{977C598A-4D9E-41F6-86F7-5D81D4506CA8}" dt="2021-01-04T17:54:16.103" v="718" actId="478"/>
+          <ac:spMkLst>
+            <pc:docMk/>
+            <pc:sldMk cId="1070172807" sldId="272"/>
+            <ac:spMk id="28" creationId="{16D2D972-8C2C-4B8B-A943-E31728EA2A6B}"/>
+          </ac:spMkLst>
+        </pc:spChg>
+        <pc:grpChg chg="add mod">
+          <ac:chgData name="benjamin Skjold" userId="c95198f139ad621b" providerId="LiveId" clId="{977C598A-4D9E-41F6-86F7-5D81D4506CA8}" dt="2021-01-04T16:59:23.491" v="509" actId="1035"/>
+          <ac:grpSpMkLst>
+            <pc:docMk/>
+            <pc:sldMk cId="1070172807" sldId="272"/>
+            <ac:grpSpMk id="13" creationId="{8510F2EE-6837-4F8A-9972-1663F5819B43}"/>
+          </ac:grpSpMkLst>
+        </pc:grpChg>
+        <pc:grpChg chg="add del mod">
+          <ac:chgData name="benjamin Skjold" userId="c95198f139ad621b" providerId="LiveId" clId="{977C598A-4D9E-41F6-86F7-5D81D4506CA8}" dt="2021-01-04T17:54:16.103" v="718" actId="478"/>
+          <ac:grpSpMkLst>
+            <pc:docMk/>
+            <pc:sldMk cId="1070172807" sldId="272"/>
+            <ac:grpSpMk id="25" creationId="{BEDC62D6-46AA-44F6-9710-ACA98BCF13AB}"/>
+          </ac:grpSpMkLst>
+        </pc:grpChg>
+        <pc:grpChg chg="mod topLvl">
+          <ac:chgData name="benjamin Skjold" userId="c95198f139ad621b" providerId="LiveId" clId="{977C598A-4D9E-41F6-86F7-5D81D4506CA8}" dt="2021-01-04T17:54:16.103" v="718" actId="478"/>
+          <ac:grpSpMkLst>
+            <pc:docMk/>
+            <pc:sldMk cId="1070172807" sldId="272"/>
+            <ac:grpSpMk id="26" creationId="{DDDE5DEF-EDC3-4503-A8C4-F33A6B57C555}"/>
+          </ac:grpSpMkLst>
+        </pc:grpChg>
+        <pc:picChg chg="del">
+          <ac:chgData name="benjamin Skjold" userId="c95198f139ad621b" providerId="LiveId" clId="{977C598A-4D9E-41F6-86F7-5D81D4506CA8}" dt="2021-01-04T16:58:14.155" v="432" actId="478"/>
+          <ac:picMkLst>
+            <pc:docMk/>
+            <pc:sldMk cId="1070172807" sldId="272"/>
+            <ac:picMk id="15" creationId="{82EE1AFF-AB30-45E3-B09F-8D5D2D72F508}"/>
+          </ac:picMkLst>
+        </pc:picChg>
+        <pc:picChg chg="del">
+          <ac:chgData name="benjamin Skjold" userId="c95198f139ad621b" providerId="LiveId" clId="{977C598A-4D9E-41F6-86F7-5D81D4506CA8}" dt="2021-01-04T16:58:11.273" v="431" actId="478"/>
+          <ac:picMkLst>
+            <pc:docMk/>
+            <pc:sldMk cId="1070172807" sldId="272"/>
+            <ac:picMk id="16" creationId="{8939C1D4-23A7-4BC7-A600-8E353FFF9DC1}"/>
+          </ac:picMkLst>
+        </pc:picChg>
+        <pc:picChg chg="add del">
+          <ac:chgData name="benjamin Skjold" userId="c95198f139ad621b" providerId="LiveId" clId="{977C598A-4D9E-41F6-86F7-5D81D4506CA8}" dt="2021-01-04T17:53:43.033" v="712" actId="478"/>
+          <ac:picMkLst>
+            <pc:docMk/>
+            <pc:sldMk cId="1070172807" sldId="272"/>
+            <ac:picMk id="23" creationId="{21908659-65B2-4E60-9F47-5777110AFA3D}"/>
+          </ac:picMkLst>
+        </pc:picChg>
+        <pc:picChg chg="mod">
+          <ac:chgData name="benjamin Skjold" userId="c95198f139ad621b" providerId="LiveId" clId="{977C598A-4D9E-41F6-86F7-5D81D4506CA8}" dt="2021-01-04T17:53:52.284" v="713" actId="14826"/>
+          <ac:picMkLst>
+            <pc:docMk/>
+            <pc:sldMk cId="1070172807" sldId="272"/>
+            <ac:picMk id="29" creationId="{CBFB3146-19CB-4722-BC81-0EF5870921ED}"/>
+          </ac:picMkLst>
+        </pc:picChg>
+        <pc:picChg chg="mod">
+          <ac:chgData name="benjamin Skjold" userId="c95198f139ad621b" providerId="LiveId" clId="{977C598A-4D9E-41F6-86F7-5D81D4506CA8}" dt="2021-01-04T17:54:05.712" v="715" actId="1076"/>
+          <ac:picMkLst>
+            <pc:docMk/>
+            <pc:sldMk cId="1070172807" sldId="272"/>
+            <ac:picMk id="32" creationId="{764FBCB0-C907-43D2-BF05-03531B939794}"/>
+          </ac:picMkLst>
+        </pc:picChg>
+        <pc:cxnChg chg="mod">
+          <ac:chgData name="benjamin Skjold" userId="c95198f139ad621b" providerId="LiveId" clId="{977C598A-4D9E-41F6-86F7-5D81D4506CA8}" dt="2021-01-04T17:54:00.589" v="714" actId="14100"/>
+          <ac:cxnSpMkLst>
+            <pc:docMk/>
+            <pc:sldMk cId="1070172807" sldId="272"/>
+            <ac:cxnSpMk id="30" creationId="{9F627314-48EB-45CF-AE9D-42214F6E1411}"/>
+          </ac:cxnSpMkLst>
+        </pc:cxnChg>
+        <pc:cxnChg chg="mod">
+          <ac:chgData name="benjamin Skjold" userId="c95198f139ad621b" providerId="LiveId" clId="{977C598A-4D9E-41F6-86F7-5D81D4506CA8}" dt="2021-01-04T17:54:10.091" v="716" actId="1076"/>
+          <ac:cxnSpMkLst>
+            <pc:docMk/>
+            <pc:sldMk cId="1070172807" sldId="272"/>
+            <ac:cxnSpMk id="31" creationId="{8AB6C679-5F5B-4626-A6BF-781F98A24CC8}"/>
+          </ac:cxnSpMkLst>
+        </pc:cxnChg>
+      </pc:sldChg>
+    </pc:docChg>
+  </pc:docChgLst>
+</pc:chgInfo>
 </file>
 
 <file path=ppt/handoutMasters/handoutMaster1.xml><?xml version="1.0" encoding="utf-8"?>
@@ -8922,6 +9563,643 @@
 </p:sld>
 </file>
 
+<file path=ppt/slides/slide10.xml><?xml version="1.0" encoding="utf-8"?>
+<p:sld xmlns:a="http://schemas.openxmlformats.org/drawingml/2006/main" xmlns:r="http://schemas.openxmlformats.org/officeDocument/2006/relationships" xmlns:p="http://schemas.openxmlformats.org/presentationml/2006/main">
+  <p:cSld>
+    <p:spTree>
+      <p:nvGrpSpPr>
+        <p:cNvPr id="1" name=""/>
+        <p:cNvGrpSpPr/>
+        <p:nvPr/>
+      </p:nvGrpSpPr>
+      <p:grpSpPr>
+        <a:xfrm>
+          <a:off x="0" y="0"/>
+          <a:ext cx="0" cy="0"/>
+          <a:chOff x="0" y="0"/>
+          <a:chExt cx="0" cy="0"/>
+        </a:xfrm>
+      </p:grpSpPr>
+      <p:sp>
+        <p:nvSpPr>
+          <p:cNvPr id="2" name="Titel 1">
+            <a:extLst>
+              <a:ext uri="{FF2B5EF4-FFF2-40B4-BE49-F238E27FC236}">
+                <a16:creationId xmlns:a16="http://schemas.microsoft.com/office/drawing/2014/main" id="{38447CF7-4D72-4BEF-A7E8-299A608236A9}"/>
+              </a:ext>
+            </a:extLst>
+          </p:cNvPr>
+          <p:cNvSpPr>
+            <a:spLocks noGrp="1"/>
+          </p:cNvSpPr>
+          <p:nvPr>
+            <p:ph type="title"/>
+          </p:nvPr>
+        </p:nvSpPr>
+        <p:spPr/>
+        <p:txBody>
+          <a:bodyPr/>
+          <a:lstStyle/>
+          <a:p>
+            <a:r>
+              <a:rPr lang="en-US" dirty="0"/>
+              <a:t>Thesis objective</a:t>
+            </a:r>
+          </a:p>
+        </p:txBody>
+      </p:sp>
+      <p:sp>
+        <p:nvSpPr>
+          <p:cNvPr id="3" name="Pladsholder til slidenummer 2">
+            <a:extLst>
+              <a:ext uri="{FF2B5EF4-FFF2-40B4-BE49-F238E27FC236}">
+                <a16:creationId xmlns:a16="http://schemas.microsoft.com/office/drawing/2014/main" id="{301B138A-0269-4348-9EAC-8035A5096949}"/>
+              </a:ext>
+            </a:extLst>
+          </p:cNvPr>
+          <p:cNvSpPr>
+            <a:spLocks noGrp="1"/>
+          </p:cNvSpPr>
+          <p:nvPr>
+            <p:ph type="sldNum" sz="quarter" idx="11"/>
+          </p:nvPr>
+        </p:nvSpPr>
+        <p:spPr/>
+        <p:txBody>
+          <a:bodyPr/>
+          <a:lstStyle/>
+          <a:p>
+            <a:fld id="{103EA872-A674-449B-A120-B97244F8E91D}" type="slidenum">
+              <a:rPr lang="da-DK" smtClean="0"/>
+              <a:pPr/>
+              <a:t>10</a:t>
+            </a:fld>
+            <a:endParaRPr lang="da-DK" dirty="0"/>
+          </a:p>
+        </p:txBody>
+      </p:sp>
+      <p:pic>
+        <p:nvPicPr>
+          <p:cNvPr id="4" name="Picture 2" descr="Studentermedhjælper søges til MR-forskningscenter">
+            <a:extLst>
+              <a:ext uri="{FF2B5EF4-FFF2-40B4-BE49-F238E27FC236}">
+                <a16:creationId xmlns:a16="http://schemas.microsoft.com/office/drawing/2014/main" id="{844BFE0C-9CA0-4067-B00A-E044FB9B6F4A}"/>
+              </a:ext>
+            </a:extLst>
+          </p:cNvPr>
+          <p:cNvPicPr>
+            <a:picLocks noChangeAspect="1" noChangeArrowheads="1"/>
+          </p:cNvPicPr>
+          <p:nvPr/>
+        </p:nvPicPr>
+        <p:blipFill>
+          <a:blip r:embed="rId2" cstate="print">
+            <a:extLst>
+              <a:ext uri="{28A0092B-C50C-407E-A947-70E740481C1C}">
+                <a14:useLocalDpi xmlns:a14="http://schemas.microsoft.com/office/drawing/2010/main" val="0"/>
+              </a:ext>
+            </a:extLst>
+          </a:blip>
+          <a:srcRect/>
+          <a:stretch>
+            <a:fillRect/>
+          </a:stretch>
+        </p:blipFill>
+        <p:spPr bwMode="auto">
+          <a:xfrm>
+            <a:off x="9407574" y="188640"/>
+            <a:ext cx="2448272" cy="685516"/>
+          </a:xfrm>
+          <a:prstGeom prst="rect">
+            <a:avLst/>
+          </a:prstGeom>
+          <a:noFill/>
+          <a:extLst>
+            <a:ext uri="{909E8E84-426E-40DD-AFC4-6F175D3DCCD1}">
+              <a14:hiddenFill xmlns:a14="http://schemas.microsoft.com/office/drawing/2010/main">
+                <a:solidFill>
+                  <a:srgbClr val="FFFFFF"/>
+                </a:solidFill>
+              </a14:hiddenFill>
+            </a:ext>
+          </a:extLst>
+        </p:spPr>
+      </p:pic>
+      <p:sp>
+        <p:nvSpPr>
+          <p:cNvPr id="5" name="Tekstfelt 4">
+            <a:extLst>
+              <a:ext uri="{FF2B5EF4-FFF2-40B4-BE49-F238E27FC236}">
+                <a16:creationId xmlns:a16="http://schemas.microsoft.com/office/drawing/2014/main" id="{D771433F-129F-4BEA-919F-AF8CD069B65D}"/>
+              </a:ext>
+            </a:extLst>
+          </p:cNvPr>
+          <p:cNvSpPr txBox="1"/>
+          <p:nvPr/>
+        </p:nvSpPr>
+        <p:spPr>
+          <a:xfrm>
+            <a:off x="4150990" y="2924944"/>
+            <a:ext cx="3715761" cy="841256"/>
+          </a:xfrm>
+          <a:prstGeom prst="rect">
+            <a:avLst/>
+          </a:prstGeom>
+          <a:noFill/>
+        </p:spPr>
+        <p:txBody>
+          <a:bodyPr wrap="none" lIns="0" tIns="0" rIns="0" bIns="0" rtlCol="0">
+            <a:spAutoFit/>
+          </a:bodyPr>
+          <a:lstStyle/>
+          <a:p>
+            <a:pPr algn="l">
+              <a:spcBef>
+                <a:spcPts val="432"/>
+              </a:spcBef>
+            </a:pPr>
+            <a:r>
+              <a:rPr lang="en-US" dirty="0">
+                <a:latin typeface="+mn-lt"/>
+              </a:rPr>
+              <a:t>2 </a:t>
+            </a:r>
+            <a:r>
+              <a:rPr lang="en-US" dirty="0" err="1">
+                <a:latin typeface="+mn-lt"/>
+              </a:rPr>
+              <a:t>subquestions</a:t>
+            </a:r>
+            <a:r>
+              <a:rPr lang="en-US" dirty="0">
+                <a:latin typeface="+mn-lt"/>
+              </a:rPr>
+              <a:t>:</a:t>
+            </a:r>
+          </a:p>
+          <a:p>
+            <a:pPr algn="l">
+              <a:spcBef>
+                <a:spcPts val="432"/>
+              </a:spcBef>
+            </a:pPr>
+            <a:r>
+              <a:rPr lang="en-US" dirty="0">
+                <a:latin typeface="+mn-lt"/>
+              </a:rPr>
+              <a:t>Does it behave non-linear and if so how?</a:t>
+            </a:r>
+          </a:p>
+          <a:p>
+            <a:pPr algn="l">
+              <a:spcBef>
+                <a:spcPts val="432"/>
+              </a:spcBef>
+            </a:pPr>
+            <a:r>
+              <a:rPr lang="en-US" dirty="0">
+                <a:latin typeface="+mn-lt"/>
+              </a:rPr>
+              <a:t>Does it evolve over time and if so how?</a:t>
+            </a:r>
+          </a:p>
+        </p:txBody>
+      </p:sp>
+    </p:spTree>
+    <p:extLst>
+      <p:ext uri="{BB962C8B-B14F-4D97-AF65-F5344CB8AC3E}">
+        <p14:creationId xmlns:p14="http://schemas.microsoft.com/office/powerpoint/2010/main" val="3737717230"/>
+      </p:ext>
+    </p:extLst>
+  </p:cSld>
+  <p:clrMapOvr>
+    <a:masterClrMapping/>
+  </p:clrMapOvr>
+</p:sld>
+</file>
+
+<file path=ppt/slides/slide11.xml><?xml version="1.0" encoding="utf-8"?>
+<p:sld xmlns:a="http://schemas.openxmlformats.org/drawingml/2006/main" xmlns:r="http://schemas.openxmlformats.org/officeDocument/2006/relationships" xmlns:p="http://schemas.openxmlformats.org/presentationml/2006/main">
+  <p:cSld>
+    <p:spTree>
+      <p:nvGrpSpPr>
+        <p:cNvPr id="1" name=""/>
+        <p:cNvGrpSpPr/>
+        <p:nvPr/>
+      </p:nvGrpSpPr>
+      <p:grpSpPr>
+        <a:xfrm>
+          <a:off x="0" y="0"/>
+          <a:ext cx="0" cy="0"/>
+          <a:chOff x="0" y="0"/>
+          <a:chExt cx="0" cy="0"/>
+        </a:xfrm>
+      </p:grpSpPr>
+      <p:sp>
+        <p:nvSpPr>
+          <p:cNvPr id="2" name="Titel 1">
+            <a:extLst>
+              <a:ext uri="{FF2B5EF4-FFF2-40B4-BE49-F238E27FC236}">
+                <a16:creationId xmlns:a16="http://schemas.microsoft.com/office/drawing/2014/main" id="{38447CF7-4D72-4BEF-A7E8-299A608236A9}"/>
+              </a:ext>
+            </a:extLst>
+          </p:cNvPr>
+          <p:cNvSpPr>
+            <a:spLocks noGrp="1"/>
+          </p:cNvSpPr>
+          <p:nvPr>
+            <p:ph type="title"/>
+          </p:nvPr>
+        </p:nvSpPr>
+        <p:spPr/>
+        <p:txBody>
+          <a:bodyPr/>
+          <a:lstStyle/>
+          <a:p>
+            <a:r>
+              <a:rPr lang="en-US" dirty="0"/>
+              <a:t>Methods</a:t>
+            </a:r>
+            <a:br>
+              <a:rPr lang="en-US" dirty="0"/>
+            </a:br>
+            <a:r>
+              <a:rPr lang="en-US" sz="1800" b="0" dirty="0"/>
+              <a:t>Experimental design</a:t>
+            </a:r>
+            <a:endParaRPr lang="en-US" dirty="0"/>
+          </a:p>
+        </p:txBody>
+      </p:sp>
+      <p:sp>
+        <p:nvSpPr>
+          <p:cNvPr id="3" name="Pladsholder til slidenummer 2">
+            <a:extLst>
+              <a:ext uri="{FF2B5EF4-FFF2-40B4-BE49-F238E27FC236}">
+                <a16:creationId xmlns:a16="http://schemas.microsoft.com/office/drawing/2014/main" id="{301B138A-0269-4348-9EAC-8035A5096949}"/>
+              </a:ext>
+            </a:extLst>
+          </p:cNvPr>
+          <p:cNvSpPr>
+            <a:spLocks noGrp="1"/>
+          </p:cNvSpPr>
+          <p:nvPr>
+            <p:ph type="sldNum" sz="quarter" idx="11"/>
+          </p:nvPr>
+        </p:nvSpPr>
+        <p:spPr/>
+        <p:txBody>
+          <a:bodyPr/>
+          <a:lstStyle/>
+          <a:p>
+            <a:fld id="{103EA872-A674-449B-A120-B97244F8E91D}" type="slidenum">
+              <a:rPr lang="da-DK" smtClean="0"/>
+              <a:pPr/>
+              <a:t>11</a:t>
+            </a:fld>
+            <a:endParaRPr lang="da-DK" dirty="0"/>
+          </a:p>
+        </p:txBody>
+      </p:sp>
+      <p:pic>
+        <p:nvPicPr>
+          <p:cNvPr id="4" name="Picture 2" descr="Studentermedhjælper søges til MR-forskningscenter">
+            <a:extLst>
+              <a:ext uri="{FF2B5EF4-FFF2-40B4-BE49-F238E27FC236}">
+                <a16:creationId xmlns:a16="http://schemas.microsoft.com/office/drawing/2014/main" id="{6308C93B-DF50-462E-860B-620169CED9CF}"/>
+              </a:ext>
+            </a:extLst>
+          </p:cNvPr>
+          <p:cNvPicPr>
+            <a:picLocks noChangeAspect="1" noChangeArrowheads="1"/>
+          </p:cNvPicPr>
+          <p:nvPr/>
+        </p:nvPicPr>
+        <p:blipFill>
+          <a:blip r:embed="rId2" cstate="print">
+            <a:extLst>
+              <a:ext uri="{28A0092B-C50C-407E-A947-70E740481C1C}">
+                <a14:useLocalDpi xmlns:a14="http://schemas.microsoft.com/office/drawing/2010/main" val="0"/>
+              </a:ext>
+            </a:extLst>
+          </a:blip>
+          <a:srcRect/>
+          <a:stretch>
+            <a:fillRect/>
+          </a:stretch>
+        </p:blipFill>
+        <p:spPr bwMode="auto">
+          <a:xfrm>
+            <a:off x="9407574" y="188640"/>
+            <a:ext cx="2448272" cy="685516"/>
+          </a:xfrm>
+          <a:prstGeom prst="rect">
+            <a:avLst/>
+          </a:prstGeom>
+          <a:noFill/>
+          <a:extLst>
+            <a:ext uri="{909E8E84-426E-40DD-AFC4-6F175D3DCCD1}">
+              <a14:hiddenFill xmlns:a14="http://schemas.microsoft.com/office/drawing/2010/main">
+                <a:solidFill>
+                  <a:srgbClr val="FFFFFF"/>
+                </a:solidFill>
+              </a14:hiddenFill>
+            </a:ext>
+          </a:extLst>
+        </p:spPr>
+      </p:pic>
+    </p:spTree>
+    <p:extLst>
+      <p:ext uri="{BB962C8B-B14F-4D97-AF65-F5344CB8AC3E}">
+        <p14:creationId xmlns:p14="http://schemas.microsoft.com/office/powerpoint/2010/main" val="3346449363"/>
+      </p:ext>
+    </p:extLst>
+  </p:cSld>
+  <p:clrMapOvr>
+    <a:masterClrMapping/>
+  </p:clrMapOvr>
+</p:sld>
+</file>
+
+<file path=ppt/slides/slide12.xml><?xml version="1.0" encoding="utf-8"?>
+<p:sld xmlns:a="http://schemas.openxmlformats.org/drawingml/2006/main" xmlns:r="http://schemas.openxmlformats.org/officeDocument/2006/relationships" xmlns:p="http://schemas.openxmlformats.org/presentationml/2006/main">
+  <p:cSld>
+    <p:spTree>
+      <p:nvGrpSpPr>
+        <p:cNvPr id="1" name=""/>
+        <p:cNvGrpSpPr/>
+        <p:nvPr/>
+      </p:nvGrpSpPr>
+      <p:grpSpPr>
+        <a:xfrm>
+          <a:off x="0" y="0"/>
+          <a:ext cx="0" cy="0"/>
+          <a:chOff x="0" y="0"/>
+          <a:chExt cx="0" cy="0"/>
+        </a:xfrm>
+      </p:grpSpPr>
+      <p:sp>
+        <p:nvSpPr>
+          <p:cNvPr id="2" name="Titel 1">
+            <a:extLst>
+              <a:ext uri="{FF2B5EF4-FFF2-40B4-BE49-F238E27FC236}">
+                <a16:creationId xmlns:a16="http://schemas.microsoft.com/office/drawing/2014/main" id="{B0578DF5-156F-4135-88A9-3DBD6CDBF93E}"/>
+              </a:ext>
+            </a:extLst>
+          </p:cNvPr>
+          <p:cNvSpPr>
+            <a:spLocks noGrp="1"/>
+          </p:cNvSpPr>
+          <p:nvPr>
+            <p:ph type="title"/>
+          </p:nvPr>
+        </p:nvSpPr>
+        <p:spPr/>
+        <p:txBody>
+          <a:bodyPr/>
+          <a:lstStyle/>
+          <a:p>
+            <a:r>
+              <a:rPr lang="en-US" dirty="0"/>
+              <a:t>Results</a:t>
+            </a:r>
+            <a:br>
+              <a:rPr lang="en-US" dirty="0"/>
+            </a:br>
+            <a:r>
+              <a:rPr lang="en-US" sz="1800" b="0" dirty="0"/>
+              <a:t>Parameter recovery</a:t>
+            </a:r>
+            <a:endParaRPr lang="en-US" b="0" dirty="0"/>
+          </a:p>
+        </p:txBody>
+      </p:sp>
+      <p:sp>
+        <p:nvSpPr>
+          <p:cNvPr id="3" name="Pladsholder til slidenummer 2">
+            <a:extLst>
+              <a:ext uri="{FF2B5EF4-FFF2-40B4-BE49-F238E27FC236}">
+                <a16:creationId xmlns:a16="http://schemas.microsoft.com/office/drawing/2014/main" id="{418567B4-AB0C-4696-8212-5DE0FAD0A26F}"/>
+              </a:ext>
+            </a:extLst>
+          </p:cNvPr>
+          <p:cNvSpPr>
+            <a:spLocks noGrp="1"/>
+          </p:cNvSpPr>
+          <p:nvPr>
+            <p:ph type="sldNum" sz="quarter" idx="11"/>
+          </p:nvPr>
+        </p:nvSpPr>
+        <p:spPr/>
+        <p:txBody>
+          <a:bodyPr/>
+          <a:lstStyle/>
+          <a:p>
+            <a:fld id="{103EA872-A674-449B-A120-B97244F8E91D}" type="slidenum">
+              <a:rPr lang="da-DK" smtClean="0"/>
+              <a:pPr/>
+              <a:t>12</a:t>
+            </a:fld>
+            <a:endParaRPr lang="da-DK" dirty="0"/>
+          </a:p>
+        </p:txBody>
+      </p:sp>
+      <p:pic>
+        <p:nvPicPr>
+          <p:cNvPr id="4" name="Picture 2" descr="Studentermedhjælper søges til MR-forskningscenter">
+            <a:extLst>
+              <a:ext uri="{FF2B5EF4-FFF2-40B4-BE49-F238E27FC236}">
+                <a16:creationId xmlns:a16="http://schemas.microsoft.com/office/drawing/2014/main" id="{B7CCD3BF-5D81-4BF6-9ACA-5ADDCEAC9BF6}"/>
+              </a:ext>
+            </a:extLst>
+          </p:cNvPr>
+          <p:cNvPicPr>
+            <a:picLocks noChangeAspect="1" noChangeArrowheads="1"/>
+          </p:cNvPicPr>
+          <p:nvPr/>
+        </p:nvPicPr>
+        <p:blipFill>
+          <a:blip r:embed="rId2" cstate="print">
+            <a:extLst>
+              <a:ext uri="{28A0092B-C50C-407E-A947-70E740481C1C}">
+                <a14:useLocalDpi xmlns:a14="http://schemas.microsoft.com/office/drawing/2010/main" val="0"/>
+              </a:ext>
+            </a:extLst>
+          </a:blip>
+          <a:srcRect/>
+          <a:stretch>
+            <a:fillRect/>
+          </a:stretch>
+        </p:blipFill>
+        <p:spPr bwMode="auto">
+          <a:xfrm>
+            <a:off x="9407574" y="188640"/>
+            <a:ext cx="2448272" cy="685516"/>
+          </a:xfrm>
+          <a:prstGeom prst="rect">
+            <a:avLst/>
+          </a:prstGeom>
+          <a:noFill/>
+          <a:extLst>
+            <a:ext uri="{909E8E84-426E-40DD-AFC4-6F175D3DCCD1}">
+              <a14:hiddenFill xmlns:a14="http://schemas.microsoft.com/office/drawing/2010/main">
+                <a:solidFill>
+                  <a:srgbClr val="FFFFFF"/>
+                </a:solidFill>
+              </a14:hiddenFill>
+            </a:ext>
+          </a:extLst>
+        </p:spPr>
+      </p:pic>
+    </p:spTree>
+    <p:extLst>
+      <p:ext uri="{BB962C8B-B14F-4D97-AF65-F5344CB8AC3E}">
+        <p14:creationId xmlns:p14="http://schemas.microsoft.com/office/powerpoint/2010/main" val="1982187418"/>
+      </p:ext>
+    </p:extLst>
+  </p:cSld>
+  <p:clrMapOvr>
+    <a:masterClrMapping/>
+  </p:clrMapOvr>
+</p:sld>
+</file>
+
+<file path=ppt/slides/slide13.xml><?xml version="1.0" encoding="utf-8"?>
+<p:sld xmlns:a="http://schemas.openxmlformats.org/drawingml/2006/main" xmlns:r="http://schemas.openxmlformats.org/officeDocument/2006/relationships" xmlns:p="http://schemas.openxmlformats.org/presentationml/2006/main">
+  <p:cSld>
+    <p:spTree>
+      <p:nvGrpSpPr>
+        <p:cNvPr id="1" name=""/>
+        <p:cNvGrpSpPr/>
+        <p:nvPr/>
+      </p:nvGrpSpPr>
+      <p:grpSpPr>
+        <a:xfrm>
+          <a:off x="0" y="0"/>
+          <a:ext cx="0" cy="0"/>
+          <a:chOff x="0" y="0"/>
+          <a:chExt cx="0" cy="0"/>
+        </a:xfrm>
+      </p:grpSpPr>
+      <p:sp>
+        <p:nvSpPr>
+          <p:cNvPr id="2" name="Titel 1">
+            <a:extLst>
+              <a:ext uri="{FF2B5EF4-FFF2-40B4-BE49-F238E27FC236}">
+                <a16:creationId xmlns:a16="http://schemas.microsoft.com/office/drawing/2014/main" id="{B0578DF5-156F-4135-88A9-3DBD6CDBF93E}"/>
+              </a:ext>
+            </a:extLst>
+          </p:cNvPr>
+          <p:cNvSpPr>
+            <a:spLocks noGrp="1"/>
+          </p:cNvSpPr>
+          <p:nvPr>
+            <p:ph type="title"/>
+          </p:nvPr>
+        </p:nvSpPr>
+        <p:spPr/>
+        <p:txBody>
+          <a:bodyPr/>
+          <a:lstStyle/>
+          <a:p>
+            <a:r>
+              <a:rPr lang="en-US" dirty="0"/>
+              <a:t>Future work</a:t>
+            </a:r>
+            <a:endParaRPr lang="en-US" b="0" dirty="0"/>
+          </a:p>
+        </p:txBody>
+      </p:sp>
+      <p:sp>
+        <p:nvSpPr>
+          <p:cNvPr id="3" name="Pladsholder til slidenummer 2">
+            <a:extLst>
+              <a:ext uri="{FF2B5EF4-FFF2-40B4-BE49-F238E27FC236}">
+                <a16:creationId xmlns:a16="http://schemas.microsoft.com/office/drawing/2014/main" id="{418567B4-AB0C-4696-8212-5DE0FAD0A26F}"/>
+              </a:ext>
+            </a:extLst>
+          </p:cNvPr>
+          <p:cNvSpPr>
+            <a:spLocks noGrp="1"/>
+          </p:cNvSpPr>
+          <p:nvPr>
+            <p:ph type="sldNum" sz="quarter" idx="11"/>
+          </p:nvPr>
+        </p:nvSpPr>
+        <p:spPr/>
+        <p:txBody>
+          <a:bodyPr/>
+          <a:lstStyle/>
+          <a:p>
+            <a:fld id="{103EA872-A674-449B-A120-B97244F8E91D}" type="slidenum">
+              <a:rPr lang="da-DK" smtClean="0"/>
+              <a:pPr/>
+              <a:t>13</a:t>
+            </a:fld>
+            <a:endParaRPr lang="da-DK" dirty="0"/>
+          </a:p>
+        </p:txBody>
+      </p:sp>
+      <p:pic>
+        <p:nvPicPr>
+          <p:cNvPr id="4" name="Picture 2" descr="Studentermedhjælper søges til MR-forskningscenter">
+            <a:extLst>
+              <a:ext uri="{FF2B5EF4-FFF2-40B4-BE49-F238E27FC236}">
+                <a16:creationId xmlns:a16="http://schemas.microsoft.com/office/drawing/2014/main" id="{6383D841-DEB6-499D-B811-20728CF751F4}"/>
+              </a:ext>
+            </a:extLst>
+          </p:cNvPr>
+          <p:cNvPicPr>
+            <a:picLocks noChangeAspect="1" noChangeArrowheads="1"/>
+          </p:cNvPicPr>
+          <p:nvPr/>
+        </p:nvPicPr>
+        <p:blipFill>
+          <a:blip r:embed="rId2" cstate="print">
+            <a:extLst>
+              <a:ext uri="{28A0092B-C50C-407E-A947-70E740481C1C}">
+                <a14:useLocalDpi xmlns:a14="http://schemas.microsoft.com/office/drawing/2010/main" val="0"/>
+              </a:ext>
+            </a:extLst>
+          </a:blip>
+          <a:srcRect/>
+          <a:stretch>
+            <a:fillRect/>
+          </a:stretch>
+        </p:blipFill>
+        <p:spPr bwMode="auto">
+          <a:xfrm>
+            <a:off x="9407574" y="188640"/>
+            <a:ext cx="2448272" cy="685516"/>
+          </a:xfrm>
+          <a:prstGeom prst="rect">
+            <a:avLst/>
+          </a:prstGeom>
+          <a:noFill/>
+          <a:extLst>
+            <a:ext uri="{909E8E84-426E-40DD-AFC4-6F175D3DCCD1}">
+              <a14:hiddenFill xmlns:a14="http://schemas.microsoft.com/office/drawing/2010/main">
+                <a:solidFill>
+                  <a:srgbClr val="FFFFFF"/>
+                </a:solidFill>
+              </a14:hiddenFill>
+            </a:ext>
+          </a:extLst>
+        </p:spPr>
+      </p:pic>
+    </p:spTree>
+    <p:extLst>
+      <p:ext uri="{BB962C8B-B14F-4D97-AF65-F5344CB8AC3E}">
+        <p14:creationId xmlns:p14="http://schemas.microsoft.com/office/powerpoint/2010/main" val="2666414516"/>
+      </p:ext>
+    </p:extLst>
+  </p:cSld>
+  <p:clrMapOvr>
+    <a:masterClrMapping/>
+  </p:clrMapOvr>
+</p:sld>
+</file>
+
 <file path=ppt/slides/slide2.xml><?xml version="1.0" encoding="utf-8"?>
 <p:sld xmlns:a="http://schemas.openxmlformats.org/drawingml/2006/main" xmlns:r="http://schemas.openxmlformats.org/officeDocument/2006/relationships" xmlns:p="http://schemas.openxmlformats.org/presentationml/2006/main">
   <p:cSld>
@@ -9625,7 +10903,7 @@
                   </a:schemeClr>
                 </a:solidFill>
               </a:rPr>
-              <a:t>Probability weighting – what experiments have been used?</a:t>
+              <a:t>Probability weighting – how is it tested?</a:t>
             </a:r>
           </a:p>
           <a:p>
@@ -10753,7 +12031,7 @@
               <a:rPr lang="en-US" sz="1800" dirty="0">
                 <a:ea typeface="ＭＳ Ｐゴシック" charset="0"/>
               </a:rPr>
-              <a:t>Concept introduced with Prospect Theory ((Kahneman and Tversky (1979, 1992))</a:t>
+              <a:t>Concept introduced with Prospect Theory (Kahneman and Tversky (1979, 1992))</a:t>
             </a:r>
           </a:p>
           <a:p>
@@ -10831,7 +12109,19 @@
               <a:rPr lang="en-US" sz="1800" dirty="0">
                 <a:ea typeface="ＭＳ Ｐゴシック" charset="0"/>
               </a:rPr>
-              <a:t>Response to examples where expected utility could not explain the general behavior</a:t>
+              <a:t>Response to examples where expected utility could not explain the general behavior (</a:t>
+            </a:r>
+            <a:r>
+              <a:rPr lang="en-US" sz="1800" dirty="0" err="1">
+                <a:ea typeface="ＭＳ Ｐゴシック" charset="0"/>
+              </a:rPr>
+              <a:t>Allias</a:t>
+            </a:r>
+            <a:r>
+              <a:rPr lang="en-US" sz="1800" dirty="0">
+                <a:ea typeface="ＭＳ Ｐゴシック" charset="0"/>
+              </a:rPr>
+              <a:t> (1952))</a:t>
             </a:r>
           </a:p>
           <a:p>
@@ -10868,6 +12158,854 @@
 </file>
 
 <file path=ppt/slides/slide5.xml><?xml version="1.0" encoding="utf-8"?>
+<p:sld xmlns:a="http://schemas.openxmlformats.org/drawingml/2006/main" xmlns:r="http://schemas.openxmlformats.org/officeDocument/2006/relationships" xmlns:p="http://schemas.openxmlformats.org/presentationml/2006/main">
+  <p:cSld>
+    <p:spTree>
+      <p:nvGrpSpPr>
+        <p:cNvPr id="1" name=""/>
+        <p:cNvGrpSpPr/>
+        <p:nvPr/>
+      </p:nvGrpSpPr>
+      <p:grpSpPr>
+        <a:xfrm>
+          <a:off x="0" y="0"/>
+          <a:ext cx="0" cy="0"/>
+          <a:chOff x="0" y="0"/>
+          <a:chExt cx="0" cy="0"/>
+        </a:xfrm>
+      </p:grpSpPr>
+      <p:pic>
+        <p:nvPicPr>
+          <p:cNvPr id="6" name="Billede 5">
+            <a:extLst>
+              <a:ext uri="{FF2B5EF4-FFF2-40B4-BE49-F238E27FC236}">
+                <a16:creationId xmlns:a16="http://schemas.microsoft.com/office/drawing/2014/main" id="{9CEE73F4-0114-4AD3-A247-2AEF0C5998FE}"/>
+              </a:ext>
+            </a:extLst>
+          </p:cNvPr>
+          <p:cNvPicPr>
+            <a:picLocks noChangeAspect="1"/>
+          </p:cNvPicPr>
+          <p:nvPr/>
+        </p:nvPicPr>
+        <p:blipFill>
+          <a:blip r:embed="rId2"/>
+          <a:stretch>
+            <a:fillRect/>
+          </a:stretch>
+        </p:blipFill>
+        <p:spPr>
+          <a:xfrm>
+            <a:off x="1991750" y="3866237"/>
+            <a:ext cx="9000000" cy="1362963"/>
+          </a:xfrm>
+          <a:prstGeom prst="rect">
+            <a:avLst/>
+          </a:prstGeom>
+        </p:spPr>
+      </p:pic>
+      <p:sp>
+        <p:nvSpPr>
+          <p:cNvPr id="2" name="Titel 1">
+            <a:extLst>
+              <a:ext uri="{FF2B5EF4-FFF2-40B4-BE49-F238E27FC236}">
+                <a16:creationId xmlns:a16="http://schemas.microsoft.com/office/drawing/2014/main" id="{B6BEEC1C-6AC4-4F38-ABBD-C8BFDF603A72}"/>
+              </a:ext>
+            </a:extLst>
+          </p:cNvPr>
+          <p:cNvSpPr>
+            <a:spLocks noGrp="1"/>
+          </p:cNvSpPr>
+          <p:nvPr>
+            <p:ph type="title"/>
+          </p:nvPr>
+        </p:nvSpPr>
+        <p:spPr/>
+        <p:txBody>
+          <a:bodyPr/>
+          <a:lstStyle/>
+          <a:p>
+            <a:r>
+              <a:rPr lang="en-US" dirty="0"/>
+              <a:t>Background and motivation</a:t>
+            </a:r>
+            <a:br>
+              <a:rPr lang="en-US" dirty="0"/>
+            </a:br>
+            <a:r>
+              <a:rPr lang="en-US" sz="1800" b="0" dirty="0"/>
+              <a:t>Probability Weighting – what is it?</a:t>
+            </a:r>
+            <a:endParaRPr lang="en-US" dirty="0"/>
+          </a:p>
+        </p:txBody>
+      </p:sp>
+      <p:sp>
+        <p:nvSpPr>
+          <p:cNvPr id="3" name="Pladsholder til slidenummer 2">
+            <a:extLst>
+              <a:ext uri="{FF2B5EF4-FFF2-40B4-BE49-F238E27FC236}">
+                <a16:creationId xmlns:a16="http://schemas.microsoft.com/office/drawing/2014/main" id="{43760A49-C42E-4C9E-9629-C88523F087B1}"/>
+              </a:ext>
+            </a:extLst>
+          </p:cNvPr>
+          <p:cNvSpPr>
+            <a:spLocks noGrp="1"/>
+          </p:cNvSpPr>
+          <p:nvPr>
+            <p:ph type="sldNum" sz="quarter" idx="11"/>
+          </p:nvPr>
+        </p:nvSpPr>
+        <p:spPr/>
+        <p:txBody>
+          <a:bodyPr/>
+          <a:lstStyle/>
+          <a:p>
+            <a:fld id="{103EA872-A674-449B-A120-B97244F8E91D}" type="slidenum">
+              <a:rPr lang="da-DK" smtClean="0"/>
+              <a:pPr/>
+              <a:t>5</a:t>
+            </a:fld>
+            <a:endParaRPr lang="da-DK" dirty="0"/>
+          </a:p>
+        </p:txBody>
+      </p:sp>
+      <p:pic>
+        <p:nvPicPr>
+          <p:cNvPr id="4" name="Picture 2" descr="Studentermedhjælper søges til MR-forskningscenter">
+            <a:extLst>
+              <a:ext uri="{FF2B5EF4-FFF2-40B4-BE49-F238E27FC236}">
+                <a16:creationId xmlns:a16="http://schemas.microsoft.com/office/drawing/2014/main" id="{EEAD69C4-F6D7-49C1-BC88-C1EFB8B67647}"/>
+              </a:ext>
+            </a:extLst>
+          </p:cNvPr>
+          <p:cNvPicPr>
+            <a:picLocks noChangeAspect="1" noChangeArrowheads="1"/>
+          </p:cNvPicPr>
+          <p:nvPr/>
+        </p:nvPicPr>
+        <p:blipFill>
+          <a:blip r:embed="rId3" cstate="print">
+            <a:extLst>
+              <a:ext uri="{28A0092B-C50C-407E-A947-70E740481C1C}">
+                <a14:useLocalDpi xmlns:a14="http://schemas.microsoft.com/office/drawing/2010/main" val="0"/>
+              </a:ext>
+            </a:extLst>
+          </a:blip>
+          <a:srcRect/>
+          <a:stretch>
+            <a:fillRect/>
+          </a:stretch>
+        </p:blipFill>
+        <p:spPr bwMode="auto">
+          <a:xfrm>
+            <a:off x="9407574" y="188640"/>
+            <a:ext cx="2448272" cy="685516"/>
+          </a:xfrm>
+          <a:prstGeom prst="rect">
+            <a:avLst/>
+          </a:prstGeom>
+          <a:noFill/>
+          <a:extLst>
+            <a:ext uri="{909E8E84-426E-40DD-AFC4-6F175D3DCCD1}">
+              <a14:hiddenFill xmlns:a14="http://schemas.microsoft.com/office/drawing/2010/main">
+                <a:solidFill>
+                  <a:srgbClr val="FFFFFF"/>
+                </a:solidFill>
+              </a14:hiddenFill>
+            </a:ext>
+          </a:extLst>
+        </p:spPr>
+      </p:pic>
+      <p:pic>
+        <p:nvPicPr>
+          <p:cNvPr id="5" name="Billede 4">
+            <a:extLst>
+              <a:ext uri="{FF2B5EF4-FFF2-40B4-BE49-F238E27FC236}">
+                <a16:creationId xmlns:a16="http://schemas.microsoft.com/office/drawing/2014/main" id="{CBD33CB1-5C9E-4AB5-AA0C-25A4B80D63BF}"/>
+              </a:ext>
+            </a:extLst>
+          </p:cNvPr>
+          <p:cNvPicPr>
+            <a:picLocks noChangeAspect="1"/>
+          </p:cNvPicPr>
+          <p:nvPr/>
+        </p:nvPicPr>
+        <p:blipFill>
+          <a:blip r:embed="rId4"/>
+          <a:stretch>
+            <a:fillRect/>
+          </a:stretch>
+        </p:blipFill>
+        <p:spPr>
+          <a:xfrm>
+            <a:off x="2055737" y="2032136"/>
+            <a:ext cx="9000000" cy="1410774"/>
+          </a:xfrm>
+          <a:prstGeom prst="rect">
+            <a:avLst/>
+          </a:prstGeom>
+        </p:spPr>
+      </p:pic>
+      <p:sp>
+        <p:nvSpPr>
+          <p:cNvPr id="10" name="Ellipse 9">
+            <a:extLst>
+              <a:ext uri="{FF2B5EF4-FFF2-40B4-BE49-F238E27FC236}">
+                <a16:creationId xmlns:a16="http://schemas.microsoft.com/office/drawing/2014/main" id="{8F857EAB-EED5-49CB-8089-9EECDF489358}"/>
+              </a:ext>
+            </a:extLst>
+          </p:cNvPr>
+          <p:cNvSpPr/>
+          <p:nvPr/>
+        </p:nvSpPr>
+        <p:spPr bwMode="auto">
+          <a:xfrm>
+            <a:off x="3214886" y="2596547"/>
+            <a:ext cx="360040" cy="360040"/>
+          </a:xfrm>
+          <a:prstGeom prst="ellipse">
+            <a:avLst/>
+          </a:prstGeom>
+          <a:noFill/>
+          <a:ln w="28575" cap="flat" cmpd="sng" algn="ctr">
+            <a:solidFill>
+              <a:srgbClr val="00B050"/>
+            </a:solidFill>
+            <a:prstDash val="solid"/>
+            <a:miter lim="800000"/>
+            <a:headEnd type="none" w="med" len="med"/>
+            <a:tailEnd type="none" w="med" len="med"/>
+          </a:ln>
+          <a:effectLst/>
+        </p:spPr>
+        <p:txBody>
+          <a:bodyPr vert="horz" wrap="square" lIns="90000" tIns="46800" rIns="90000" bIns="46800" numCol="1" rtlCol="0" anchor="ctr" anchorCtr="0" compatLnSpc="1">
+            <a:prstTxWarp prst="textNoShape">
+              <a:avLst/>
+            </a:prstTxWarp>
+          </a:bodyPr>
+          <a:lstStyle/>
+          <a:p>
+            <a:pPr marL="0" marR="0" indent="0" algn="ctr" defTabSz="914400" rtl="0" eaLnBrk="1" fontAlgn="base" latinLnBrk="0" hangingPunct="1">
+              <a:lnSpc>
+                <a:spcPct val="100000"/>
+              </a:lnSpc>
+              <a:spcBef>
+                <a:spcPts val="432"/>
+              </a:spcBef>
+              <a:spcAft>
+                <a:spcPct val="0"/>
+              </a:spcAft>
+              <a:buClrTx/>
+              <a:buSzTx/>
+              <a:buFontTx/>
+              <a:buNone/>
+              <a:tabLst/>
+            </a:pPr>
+            <a:endParaRPr kumimoji="0" lang="en-US" sz="1600" b="0" i="0" u="none" strike="noStrike" cap="none" normalizeH="0" baseline="0" dirty="0" err="1">
+              <a:ln>
+                <a:noFill/>
+              </a:ln>
+              <a:solidFill>
+                <a:srgbClr val="FFFFFF"/>
+              </a:solidFill>
+              <a:effectLst/>
+              <a:latin typeface="+mn-lt"/>
+              <a:ea typeface="ＭＳ Ｐゴシック" pitchFamily="-80" charset="-128"/>
+            </a:endParaRPr>
+          </a:p>
+        </p:txBody>
+      </p:sp>
+      <p:sp>
+        <p:nvSpPr>
+          <p:cNvPr id="11" name="Ellipse 10">
+            <a:extLst>
+              <a:ext uri="{FF2B5EF4-FFF2-40B4-BE49-F238E27FC236}">
+                <a16:creationId xmlns:a16="http://schemas.microsoft.com/office/drawing/2014/main" id="{5EC9AD17-8C88-45C3-95C7-3E005965134A}"/>
+              </a:ext>
+            </a:extLst>
+          </p:cNvPr>
+          <p:cNvSpPr/>
+          <p:nvPr/>
+        </p:nvSpPr>
+        <p:spPr bwMode="auto">
+          <a:xfrm>
+            <a:off x="7031310" y="4367698"/>
+            <a:ext cx="360040" cy="360040"/>
+          </a:xfrm>
+          <a:prstGeom prst="ellipse">
+            <a:avLst/>
+          </a:prstGeom>
+          <a:noFill/>
+          <a:ln w="28575" cap="flat" cmpd="sng" algn="ctr">
+            <a:solidFill>
+              <a:srgbClr val="00B050"/>
+            </a:solidFill>
+            <a:prstDash val="solid"/>
+            <a:miter lim="800000"/>
+            <a:headEnd type="none" w="med" len="med"/>
+            <a:tailEnd type="none" w="med" len="med"/>
+          </a:ln>
+          <a:effectLst/>
+        </p:spPr>
+        <p:txBody>
+          <a:bodyPr vert="horz" wrap="square" lIns="90000" tIns="46800" rIns="90000" bIns="46800" numCol="1" rtlCol="0" anchor="ctr" anchorCtr="0" compatLnSpc="1">
+            <a:prstTxWarp prst="textNoShape">
+              <a:avLst/>
+            </a:prstTxWarp>
+          </a:bodyPr>
+          <a:lstStyle/>
+          <a:p>
+            <a:pPr marL="0" marR="0" indent="0" algn="ctr" defTabSz="914400" rtl="0" eaLnBrk="1" fontAlgn="base" latinLnBrk="0" hangingPunct="1">
+              <a:lnSpc>
+                <a:spcPct val="100000"/>
+              </a:lnSpc>
+              <a:spcBef>
+                <a:spcPts val="432"/>
+              </a:spcBef>
+              <a:spcAft>
+                <a:spcPct val="0"/>
+              </a:spcAft>
+              <a:buClrTx/>
+              <a:buSzTx/>
+              <a:buFontTx/>
+              <a:buNone/>
+              <a:tabLst/>
+            </a:pPr>
+            <a:endParaRPr kumimoji="0" lang="en-US" sz="1600" b="0" i="0" u="none" strike="noStrike" cap="none" normalizeH="0" baseline="0" dirty="0" err="1">
+              <a:ln>
+                <a:noFill/>
+              </a:ln>
+              <a:solidFill>
+                <a:srgbClr val="FFFFFF"/>
+              </a:solidFill>
+              <a:effectLst/>
+              <a:latin typeface="+mn-lt"/>
+              <a:ea typeface="ＭＳ Ｐゴシック" pitchFamily="-80" charset="-128"/>
+            </a:endParaRPr>
+          </a:p>
+        </p:txBody>
+      </p:sp>
+      <p:sp>
+        <p:nvSpPr>
+          <p:cNvPr id="12" name="Ellipse 11">
+            <a:extLst>
+              <a:ext uri="{FF2B5EF4-FFF2-40B4-BE49-F238E27FC236}">
+                <a16:creationId xmlns:a16="http://schemas.microsoft.com/office/drawing/2014/main" id="{CBE8D8B6-30A4-4FFC-B369-3CFE96D064C8}"/>
+              </a:ext>
+            </a:extLst>
+          </p:cNvPr>
+          <p:cNvSpPr/>
+          <p:nvPr/>
+        </p:nvSpPr>
+        <p:spPr bwMode="auto">
+          <a:xfrm>
+            <a:off x="2998862" y="2420888"/>
+            <a:ext cx="792088" cy="2520280"/>
+          </a:xfrm>
+          <a:prstGeom prst="ellipse">
+            <a:avLst/>
+          </a:prstGeom>
+          <a:noFill/>
+          <a:ln w="38100" cap="flat" cmpd="sng" algn="ctr">
+            <a:solidFill>
+              <a:srgbClr val="00B050"/>
+            </a:solidFill>
+            <a:prstDash val="solid"/>
+            <a:miter lim="800000"/>
+            <a:headEnd type="none" w="med" len="med"/>
+            <a:tailEnd type="none" w="med" len="med"/>
+          </a:ln>
+          <a:effectLst/>
+        </p:spPr>
+        <p:txBody>
+          <a:bodyPr vert="horz" wrap="square" lIns="90000" tIns="46800" rIns="90000" bIns="46800" numCol="1" rtlCol="0" anchor="ctr" anchorCtr="0" compatLnSpc="1">
+            <a:prstTxWarp prst="textNoShape">
+              <a:avLst/>
+            </a:prstTxWarp>
+          </a:bodyPr>
+          <a:lstStyle/>
+          <a:p>
+            <a:pPr marL="0" marR="0" indent="0" algn="ctr" defTabSz="914400" rtl="0" eaLnBrk="1" fontAlgn="base" latinLnBrk="0" hangingPunct="1">
+              <a:lnSpc>
+                <a:spcPct val="100000"/>
+              </a:lnSpc>
+              <a:spcBef>
+                <a:spcPts val="432"/>
+              </a:spcBef>
+              <a:spcAft>
+                <a:spcPct val="0"/>
+              </a:spcAft>
+              <a:buClrTx/>
+              <a:buSzTx/>
+              <a:buFontTx/>
+              <a:buNone/>
+              <a:tabLst/>
+            </a:pPr>
+            <a:endParaRPr kumimoji="0" lang="en-US" sz="1600" b="0" i="0" u="none" strike="noStrike" cap="none" normalizeH="0" baseline="0" dirty="0" err="1">
+              <a:ln>
+                <a:noFill/>
+              </a:ln>
+              <a:solidFill>
+                <a:srgbClr val="FFFFFF"/>
+              </a:solidFill>
+              <a:effectLst/>
+              <a:latin typeface="+mn-lt"/>
+              <a:ea typeface="ＭＳ Ｐゴシック" pitchFamily="-80" charset="-128"/>
+            </a:endParaRPr>
+          </a:p>
+        </p:txBody>
+      </p:sp>
+      <p:sp>
+        <p:nvSpPr>
+          <p:cNvPr id="13" name="Ellipse 12">
+            <a:extLst>
+              <a:ext uri="{FF2B5EF4-FFF2-40B4-BE49-F238E27FC236}">
+                <a16:creationId xmlns:a16="http://schemas.microsoft.com/office/drawing/2014/main" id="{F7C1ACD4-03E2-49F3-85D5-2953DB7781BE}"/>
+              </a:ext>
+            </a:extLst>
+          </p:cNvPr>
+          <p:cNvSpPr/>
+          <p:nvPr/>
+        </p:nvSpPr>
+        <p:spPr bwMode="auto">
+          <a:xfrm>
+            <a:off x="6815286" y="2420888"/>
+            <a:ext cx="792088" cy="2520280"/>
+          </a:xfrm>
+          <a:prstGeom prst="ellipse">
+            <a:avLst/>
+          </a:prstGeom>
+          <a:noFill/>
+          <a:ln w="38100" cap="flat" cmpd="sng" algn="ctr">
+            <a:solidFill>
+              <a:srgbClr val="00B050"/>
+            </a:solidFill>
+            <a:prstDash val="solid"/>
+            <a:miter lim="800000"/>
+            <a:headEnd type="none" w="med" len="med"/>
+            <a:tailEnd type="none" w="med" len="med"/>
+          </a:ln>
+          <a:effectLst/>
+        </p:spPr>
+        <p:txBody>
+          <a:bodyPr vert="horz" wrap="square" lIns="90000" tIns="46800" rIns="90000" bIns="46800" numCol="1" rtlCol="0" anchor="ctr" anchorCtr="0" compatLnSpc="1">
+            <a:prstTxWarp prst="textNoShape">
+              <a:avLst/>
+            </a:prstTxWarp>
+          </a:bodyPr>
+          <a:lstStyle/>
+          <a:p>
+            <a:pPr marL="0" marR="0" indent="0" algn="ctr" defTabSz="914400" rtl="0" eaLnBrk="1" fontAlgn="base" latinLnBrk="0" hangingPunct="1">
+              <a:lnSpc>
+                <a:spcPct val="100000"/>
+              </a:lnSpc>
+              <a:spcBef>
+                <a:spcPts val="432"/>
+              </a:spcBef>
+              <a:spcAft>
+                <a:spcPct val="0"/>
+              </a:spcAft>
+              <a:buClrTx/>
+              <a:buSzTx/>
+              <a:buFontTx/>
+              <a:buNone/>
+              <a:tabLst/>
+            </a:pPr>
+            <a:endParaRPr kumimoji="0" lang="en-US" sz="1600" b="0" i="0" u="none" strike="noStrike" cap="none" normalizeH="0" baseline="0" dirty="0" err="1">
+              <a:ln>
+                <a:noFill/>
+              </a:ln>
+              <a:solidFill>
+                <a:srgbClr val="FFFFFF"/>
+              </a:solidFill>
+              <a:effectLst/>
+              <a:latin typeface="+mn-lt"/>
+              <a:ea typeface="ＭＳ Ｐゴシック" pitchFamily="-80" charset="-128"/>
+            </a:endParaRPr>
+          </a:p>
+        </p:txBody>
+      </p:sp>
+    </p:spTree>
+    <p:extLst>
+      <p:ext uri="{BB962C8B-B14F-4D97-AF65-F5344CB8AC3E}">
+        <p14:creationId xmlns:p14="http://schemas.microsoft.com/office/powerpoint/2010/main" val="2139668013"/>
+      </p:ext>
+    </p:extLst>
+  </p:cSld>
+  <p:clrMapOvr>
+    <a:masterClrMapping/>
+  </p:clrMapOvr>
+  <p:timing>
+    <p:tnLst>
+      <p:par>
+        <p:cTn id="1" dur="indefinite" restart="never" nodeType="tmRoot">
+          <p:childTnLst>
+            <p:seq concurrent="1" nextAc="seek">
+              <p:cTn id="2" dur="indefinite" nodeType="mainSeq">
+                <p:childTnLst>
+                  <p:par>
+                    <p:cTn id="3" fill="hold">
+                      <p:stCondLst>
+                        <p:cond delay="indefinite"/>
+                      </p:stCondLst>
+                      <p:childTnLst>
+                        <p:par>
+                          <p:cTn id="4" fill="hold">
+                            <p:stCondLst>
+                              <p:cond delay="0"/>
+                            </p:stCondLst>
+                            <p:childTnLst>
+                              <p:par>
+                                <p:cTn id="5" presetID="1" presetClass="entr" presetSubtype="0" fill="hold" nodeType="clickEffect">
+                                  <p:stCondLst>
+                                    <p:cond delay="0"/>
+                                  </p:stCondLst>
+                                  <p:childTnLst>
+                                    <p:set>
+                                      <p:cBhvr>
+                                        <p:cTn id="6" dur="1" fill="hold">
+                                          <p:stCondLst>
+                                            <p:cond delay="0"/>
+                                          </p:stCondLst>
+                                        </p:cTn>
+                                        <p:tgtEl>
+                                          <p:spTgt spid="6"/>
+                                        </p:tgtEl>
+                                        <p:attrNameLst>
+                                          <p:attrName>style.visibility</p:attrName>
+                                        </p:attrNameLst>
+                                      </p:cBhvr>
+                                      <p:to>
+                                        <p:strVal val="visible"/>
+                                      </p:to>
+                                    </p:set>
+                                  </p:childTnLst>
+                                </p:cTn>
+                              </p:par>
+                              <p:par>
+                                <p:cTn id="7" presetID="9" presetClass="emph" presetSubtype="0" nodeType="withEffect">
+                                  <p:stCondLst>
+                                    <p:cond delay="0"/>
+                                  </p:stCondLst>
+                                  <p:endCondLst>
+                                    <p:cond evt="onNext" delay="0">
+                                      <p:tgtEl>
+                                        <p:sldTgt/>
+                                      </p:tgtEl>
+                                    </p:cond>
+                                  </p:endCondLst>
+                                  <p:childTnLst>
+                                    <p:set>
+                                      <p:cBhvr>
+                                        <p:cTn id="8" dur="indefinite"/>
+                                        <p:tgtEl>
+                                          <p:spTgt spid="5"/>
+                                        </p:tgtEl>
+                                        <p:attrNameLst>
+                                          <p:attrName>style.opacity</p:attrName>
+                                        </p:attrNameLst>
+                                      </p:cBhvr>
+                                      <p:to>
+                                        <p:strVal val="0.5"/>
+                                      </p:to>
+                                    </p:set>
+                                    <p:animEffect filter="image" prLst="opacity: 0.5">
+                                      <p:cBhvr rctx="IE">
+                                        <p:cTn id="9" dur="indefinite"/>
+                                        <p:tgtEl>
+                                          <p:spTgt spid="5"/>
+                                        </p:tgtEl>
+                                      </p:cBhvr>
+                                    </p:animEffect>
+                                  </p:childTnLst>
+                                </p:cTn>
+                              </p:par>
+                            </p:childTnLst>
+                          </p:cTn>
+                        </p:par>
+                      </p:childTnLst>
+                    </p:cTn>
+                  </p:par>
+                  <p:par>
+                    <p:cTn id="10" fill="hold">
+                      <p:stCondLst>
+                        <p:cond delay="indefinite"/>
+                      </p:stCondLst>
+                      <p:childTnLst>
+                        <p:par>
+                          <p:cTn id="11" fill="hold">
+                            <p:stCondLst>
+                              <p:cond delay="0"/>
+                            </p:stCondLst>
+                            <p:childTnLst>
+                              <p:par>
+                                <p:cTn id="12" presetID="1" presetClass="entr" presetSubtype="0" fill="hold" grpId="0" nodeType="clickEffect">
+                                  <p:stCondLst>
+                                    <p:cond delay="0"/>
+                                  </p:stCondLst>
+                                  <p:childTnLst>
+                                    <p:set>
+                                      <p:cBhvr>
+                                        <p:cTn id="13" dur="1" fill="hold">
+                                          <p:stCondLst>
+                                            <p:cond delay="0"/>
+                                          </p:stCondLst>
+                                        </p:cTn>
+                                        <p:tgtEl>
+                                          <p:spTgt spid="10"/>
+                                        </p:tgtEl>
+                                        <p:attrNameLst>
+                                          <p:attrName>style.visibility</p:attrName>
+                                        </p:attrNameLst>
+                                      </p:cBhvr>
+                                      <p:to>
+                                        <p:strVal val="visible"/>
+                                      </p:to>
+                                    </p:set>
+                                  </p:childTnLst>
+                                </p:cTn>
+                              </p:par>
+                              <p:par>
+                                <p:cTn id="14" presetID="1" presetClass="entr" presetSubtype="0" fill="hold" grpId="0" nodeType="withEffect">
+                                  <p:stCondLst>
+                                    <p:cond delay="0"/>
+                                  </p:stCondLst>
+                                  <p:childTnLst>
+                                    <p:set>
+                                      <p:cBhvr>
+                                        <p:cTn id="15" dur="1" fill="hold">
+                                          <p:stCondLst>
+                                            <p:cond delay="0"/>
+                                          </p:stCondLst>
+                                        </p:cTn>
+                                        <p:tgtEl>
+                                          <p:spTgt spid="11"/>
+                                        </p:tgtEl>
+                                        <p:attrNameLst>
+                                          <p:attrName>style.visibility</p:attrName>
+                                        </p:attrNameLst>
+                                      </p:cBhvr>
+                                      <p:to>
+                                        <p:strVal val="visible"/>
+                                      </p:to>
+                                    </p:set>
+                                  </p:childTnLst>
+                                </p:cTn>
+                              </p:par>
+                            </p:childTnLst>
+                          </p:cTn>
+                        </p:par>
+                      </p:childTnLst>
+                    </p:cTn>
+                  </p:par>
+                  <p:par>
+                    <p:cTn id="16" fill="hold">
+                      <p:stCondLst>
+                        <p:cond delay="indefinite"/>
+                      </p:stCondLst>
+                      <p:childTnLst>
+                        <p:par>
+                          <p:cTn id="17" fill="hold">
+                            <p:stCondLst>
+                              <p:cond delay="0"/>
+                            </p:stCondLst>
+                            <p:childTnLst>
+                              <p:par>
+                                <p:cTn id="18" presetID="1" presetClass="entr" presetSubtype="0" fill="hold" grpId="0" nodeType="clickEffect">
+                                  <p:stCondLst>
+                                    <p:cond delay="0"/>
+                                  </p:stCondLst>
+                                  <p:childTnLst>
+                                    <p:set>
+                                      <p:cBhvr>
+                                        <p:cTn id="19" dur="1" fill="hold">
+                                          <p:stCondLst>
+                                            <p:cond delay="0"/>
+                                          </p:stCondLst>
+                                        </p:cTn>
+                                        <p:tgtEl>
+                                          <p:spTgt spid="12"/>
+                                        </p:tgtEl>
+                                        <p:attrNameLst>
+                                          <p:attrName>style.visibility</p:attrName>
+                                        </p:attrNameLst>
+                                      </p:cBhvr>
+                                      <p:to>
+                                        <p:strVal val="visible"/>
+                                      </p:to>
+                                    </p:set>
+                                  </p:childTnLst>
+                                </p:cTn>
+                              </p:par>
+                              <p:par>
+                                <p:cTn id="20" presetID="1" presetClass="exit" presetSubtype="0" fill="hold" grpId="1" nodeType="withEffect">
+                                  <p:stCondLst>
+                                    <p:cond delay="0"/>
+                                  </p:stCondLst>
+                                  <p:childTnLst>
+                                    <p:set>
+                                      <p:cBhvr>
+                                        <p:cTn id="21" dur="1" fill="hold">
+                                          <p:stCondLst>
+                                            <p:cond delay="0"/>
+                                          </p:stCondLst>
+                                        </p:cTn>
+                                        <p:tgtEl>
+                                          <p:spTgt spid="10"/>
+                                        </p:tgtEl>
+                                        <p:attrNameLst>
+                                          <p:attrName>style.visibility</p:attrName>
+                                        </p:attrNameLst>
+                                      </p:cBhvr>
+                                      <p:to>
+                                        <p:strVal val="hidden"/>
+                                      </p:to>
+                                    </p:set>
+                                  </p:childTnLst>
+                                </p:cTn>
+                              </p:par>
+                              <p:par>
+                                <p:cTn id="22" presetID="1" presetClass="exit" presetSubtype="0" fill="hold" grpId="1" nodeType="withEffect">
+                                  <p:stCondLst>
+                                    <p:cond delay="0"/>
+                                  </p:stCondLst>
+                                  <p:childTnLst>
+                                    <p:set>
+                                      <p:cBhvr>
+                                        <p:cTn id="23" dur="1" fill="hold">
+                                          <p:stCondLst>
+                                            <p:cond delay="0"/>
+                                          </p:stCondLst>
+                                        </p:cTn>
+                                        <p:tgtEl>
+                                          <p:spTgt spid="11"/>
+                                        </p:tgtEl>
+                                        <p:attrNameLst>
+                                          <p:attrName>style.visibility</p:attrName>
+                                        </p:attrNameLst>
+                                      </p:cBhvr>
+                                      <p:to>
+                                        <p:strVal val="hidden"/>
+                                      </p:to>
+                                    </p:set>
+                                  </p:childTnLst>
+                                </p:cTn>
+                              </p:par>
+                            </p:childTnLst>
+                          </p:cTn>
+                        </p:par>
+                      </p:childTnLst>
+                    </p:cTn>
+                  </p:par>
+                  <p:par>
+                    <p:cTn id="24" fill="hold">
+                      <p:stCondLst>
+                        <p:cond delay="indefinite"/>
+                      </p:stCondLst>
+                      <p:childTnLst>
+                        <p:par>
+                          <p:cTn id="25" fill="hold">
+                            <p:stCondLst>
+                              <p:cond delay="0"/>
+                            </p:stCondLst>
+                            <p:childTnLst>
+                              <p:par>
+                                <p:cTn id="26" presetID="1" presetClass="entr" presetSubtype="0" fill="hold" grpId="0" nodeType="clickEffect">
+                                  <p:stCondLst>
+                                    <p:cond delay="0"/>
+                                  </p:stCondLst>
+                                  <p:childTnLst>
+                                    <p:set>
+                                      <p:cBhvr>
+                                        <p:cTn id="27" dur="1" fill="hold">
+                                          <p:stCondLst>
+                                            <p:cond delay="0"/>
+                                          </p:stCondLst>
+                                        </p:cTn>
+                                        <p:tgtEl>
+                                          <p:spTgt spid="13"/>
+                                        </p:tgtEl>
+                                        <p:attrNameLst>
+                                          <p:attrName>style.visibility</p:attrName>
+                                        </p:attrNameLst>
+                                      </p:cBhvr>
+                                      <p:to>
+                                        <p:strVal val="visible"/>
+                                      </p:to>
+                                    </p:set>
+                                  </p:childTnLst>
+                                </p:cTn>
+                              </p:par>
+                              <p:par>
+                                <p:cTn id="28" presetID="1" presetClass="exit" presetSubtype="0" fill="hold" grpId="1" nodeType="withEffect">
+                                  <p:stCondLst>
+                                    <p:cond delay="0"/>
+                                  </p:stCondLst>
+                                  <p:childTnLst>
+                                    <p:set>
+                                      <p:cBhvr>
+                                        <p:cTn id="29" dur="1" fill="hold">
+                                          <p:stCondLst>
+                                            <p:cond delay="0"/>
+                                          </p:stCondLst>
+                                        </p:cTn>
+                                        <p:tgtEl>
+                                          <p:spTgt spid="12"/>
+                                        </p:tgtEl>
+                                        <p:attrNameLst>
+                                          <p:attrName>style.visibility</p:attrName>
+                                        </p:attrNameLst>
+                                      </p:cBhvr>
+                                      <p:to>
+                                        <p:strVal val="hidden"/>
+                                      </p:to>
+                                    </p:set>
+                                  </p:childTnLst>
+                                </p:cTn>
+                              </p:par>
+                            </p:childTnLst>
+                          </p:cTn>
+                        </p:par>
+                      </p:childTnLst>
+                    </p:cTn>
+                  </p:par>
+                </p:childTnLst>
+              </p:cTn>
+              <p:prevCondLst>
+                <p:cond evt="onPrev" delay="0">
+                  <p:tgtEl>
+                    <p:sldTgt/>
+                  </p:tgtEl>
+                </p:cond>
+              </p:prevCondLst>
+              <p:nextCondLst>
+                <p:cond evt="onNext" delay="0">
+                  <p:tgtEl>
+                    <p:sldTgt/>
+                  </p:tgtEl>
+                </p:cond>
+              </p:nextCondLst>
+            </p:seq>
+          </p:childTnLst>
+        </p:cTn>
+      </p:par>
+    </p:tnLst>
+    <p:bldLst>
+      <p:bldP spid="10" grpId="0" animBg="1"/>
+      <p:bldP spid="10" grpId="1" animBg="1"/>
+      <p:bldP spid="11" grpId="0" animBg="1"/>
+      <p:bldP spid="11" grpId="1" animBg="1"/>
+      <p:bldP spid="12" grpId="0" animBg="1"/>
+      <p:bldP spid="12" grpId="1" animBg="1"/>
+      <p:bldP spid="13" grpId="0" animBg="1"/>
+    </p:bldLst>
+  </p:timing>
+</p:sld>
+</file>
+
+<file path=ppt/slides/slide6.xml><?xml version="1.0" encoding="utf-8"?>
 <p:sld xmlns:a="http://schemas.openxmlformats.org/drawingml/2006/main" xmlns:r="http://schemas.openxmlformats.org/officeDocument/2006/relationships" xmlns:p="http://schemas.openxmlformats.org/presentationml/2006/main">
   <p:cSld>
     <p:spTree>
@@ -10914,7 +13052,7 @@
             </a:br>
             <a:r>
               <a:rPr lang="en-US" sz="1800" b="0" dirty="0"/>
-              <a:t>Probability Weighting – what is it?</a:t>
+              <a:t>Probability Weighting – How has it been tested?</a:t>
             </a:r>
             <a:endParaRPr lang="en-US" dirty="0"/>
           </a:p>
@@ -10944,7 +13082,7 @@
             <a:fld id="{103EA872-A674-449B-A120-B97244F8E91D}" type="slidenum">
               <a:rPr lang="da-DK" smtClean="0"/>
               <a:pPr/>
-              <a:t>5</a:t>
+              <a:t>6</a:t>
             </a:fld>
             <a:endParaRPr lang="da-DK" dirty="0"/>
           </a:p>
@@ -10997,20 +13135,1143 @@
           </a:extLst>
         </p:spPr>
       </p:pic>
+      <p:pic>
+        <p:nvPicPr>
+          <p:cNvPr id="16" name="Billede 15">
+            <a:extLst>
+              <a:ext uri="{FF2B5EF4-FFF2-40B4-BE49-F238E27FC236}">
+                <a16:creationId xmlns:a16="http://schemas.microsoft.com/office/drawing/2014/main" id="{8939C1D4-23A7-4BC7-A600-8E353FFF9DC1}"/>
+              </a:ext>
+            </a:extLst>
+          </p:cNvPr>
+          <p:cNvPicPr>
+            <a:picLocks noChangeAspect="1"/>
+          </p:cNvPicPr>
+          <p:nvPr/>
+        </p:nvPicPr>
+        <p:blipFill>
+          <a:blip r:embed="rId3"/>
+          <a:stretch>
+            <a:fillRect/>
+          </a:stretch>
+        </p:blipFill>
+        <p:spPr>
+          <a:xfrm>
+            <a:off x="3413464" y="3401528"/>
+            <a:ext cx="2694666" cy="2481287"/>
+          </a:xfrm>
+          <a:prstGeom prst="rect">
+            <a:avLst/>
+          </a:prstGeom>
+        </p:spPr>
+      </p:pic>
+      <p:sp>
+        <p:nvSpPr>
+          <p:cNvPr id="17" name="Bue 16">
+            <a:extLst>
+              <a:ext uri="{FF2B5EF4-FFF2-40B4-BE49-F238E27FC236}">
+                <a16:creationId xmlns:a16="http://schemas.microsoft.com/office/drawing/2014/main" id="{73619DE4-4517-4B0F-82C8-23F2749D751D}"/>
+              </a:ext>
+            </a:extLst>
+          </p:cNvPr>
+          <p:cNvSpPr/>
+          <p:nvPr/>
+        </p:nvSpPr>
+        <p:spPr>
+          <a:xfrm rot="5400000" flipV="1">
+            <a:off x="3209430" y="1959347"/>
+            <a:ext cx="1866409" cy="1648960"/>
+          </a:xfrm>
+          <a:prstGeom prst="arc">
+            <a:avLst>
+              <a:gd name="adj1" fmla="val 16200000"/>
+              <a:gd name="adj2" fmla="val 20865630"/>
+            </a:avLst>
+          </a:prstGeom>
+          <a:ln w="34925">
+            <a:headEnd type="none"/>
+            <a:tailEnd type="triangle"/>
+          </a:ln>
+        </p:spPr>
+        <p:style>
+          <a:lnRef idx="2">
+            <a:schemeClr val="accent1"/>
+          </a:lnRef>
+          <a:fillRef idx="0">
+            <a:schemeClr val="accent1"/>
+          </a:fillRef>
+          <a:effectRef idx="1">
+            <a:schemeClr val="accent1"/>
+          </a:effectRef>
+          <a:fontRef idx="minor">
+            <a:schemeClr val="tx1"/>
+          </a:fontRef>
+        </p:style>
+        <p:txBody>
+          <a:bodyPr rtlCol="0" anchor="ctr"/>
+          <a:lstStyle/>
+          <a:p>
+            <a:pPr algn="ctr"/>
+            <a:endParaRPr lang="en-US"/>
+          </a:p>
+        </p:txBody>
+      </p:sp>
+      <p:sp>
+        <p:nvSpPr>
+          <p:cNvPr id="18" name="Tekstfelt 17">
+            <a:extLst>
+              <a:ext uri="{FF2B5EF4-FFF2-40B4-BE49-F238E27FC236}">
+                <a16:creationId xmlns:a16="http://schemas.microsoft.com/office/drawing/2014/main" id="{485A567A-90A2-40FB-AA5C-99CBAB227365}"/>
+              </a:ext>
+            </a:extLst>
+          </p:cNvPr>
+          <p:cNvSpPr txBox="1"/>
+          <p:nvPr/>
+        </p:nvSpPr>
+        <p:spPr>
+          <a:xfrm>
+            <a:off x="2566814" y="2060848"/>
+            <a:ext cx="3185737" cy="646331"/>
+          </a:xfrm>
+          <a:prstGeom prst="rect">
+            <a:avLst/>
+          </a:prstGeom>
+          <a:noFill/>
+        </p:spPr>
+        <p:txBody>
+          <a:bodyPr wrap="square" rtlCol="0">
+            <a:spAutoFit/>
+          </a:bodyPr>
+          <a:lstStyle/>
+          <a:p>
+            <a:endParaRPr lang="en-US" dirty="0"/>
+          </a:p>
+          <a:p>
+            <a:r>
+              <a:rPr lang="en-US" dirty="0"/>
+              <a:t>Outcome x with probability p</a:t>
+            </a:r>
+          </a:p>
+        </p:txBody>
+      </p:sp>
+      <p:sp>
+        <p:nvSpPr>
+          <p:cNvPr id="19" name="Bue 18">
+            <a:extLst>
+              <a:ext uri="{FF2B5EF4-FFF2-40B4-BE49-F238E27FC236}">
+                <a16:creationId xmlns:a16="http://schemas.microsoft.com/office/drawing/2014/main" id="{2A4E3A7E-2ED9-4C18-BE55-F4B1666899EC}"/>
+              </a:ext>
+            </a:extLst>
+          </p:cNvPr>
+          <p:cNvSpPr/>
+          <p:nvPr/>
+        </p:nvSpPr>
+        <p:spPr>
+          <a:xfrm>
+            <a:off x="5752552" y="3454699"/>
+            <a:ext cx="2056677" cy="659015"/>
+          </a:xfrm>
+          <a:prstGeom prst="arc">
+            <a:avLst>
+              <a:gd name="adj1" fmla="val 10788616"/>
+              <a:gd name="adj2" fmla="val 16373803"/>
+            </a:avLst>
+          </a:prstGeom>
+          <a:ln w="34925">
+            <a:tailEnd type="triangle"/>
+          </a:ln>
+        </p:spPr>
+        <p:style>
+          <a:lnRef idx="2">
+            <a:schemeClr val="accent1"/>
+          </a:lnRef>
+          <a:fillRef idx="0">
+            <a:schemeClr val="accent1"/>
+          </a:fillRef>
+          <a:effectRef idx="1">
+            <a:schemeClr val="accent1"/>
+          </a:effectRef>
+          <a:fontRef idx="minor">
+            <a:schemeClr val="tx1"/>
+          </a:fontRef>
+        </p:style>
+        <p:txBody>
+          <a:bodyPr rtlCol="0" anchor="ctr"/>
+          <a:lstStyle/>
+          <a:p>
+            <a:pPr algn="ctr"/>
+            <a:endParaRPr lang="en-US"/>
+          </a:p>
+        </p:txBody>
+      </p:sp>
+      <p:sp>
+        <p:nvSpPr>
+          <p:cNvPr id="20" name="Tekstfelt 19">
+            <a:extLst>
+              <a:ext uri="{FF2B5EF4-FFF2-40B4-BE49-F238E27FC236}">
+                <a16:creationId xmlns:a16="http://schemas.microsoft.com/office/drawing/2014/main" id="{9C4B5331-1794-483E-82D5-136067D75ED9}"/>
+              </a:ext>
+            </a:extLst>
+          </p:cNvPr>
+          <p:cNvSpPr txBox="1"/>
+          <p:nvPr/>
+        </p:nvSpPr>
+        <p:spPr>
+          <a:xfrm>
+            <a:off x="6100601" y="2806082"/>
+            <a:ext cx="849913" cy="646331"/>
+          </a:xfrm>
+          <a:prstGeom prst="rect">
+            <a:avLst/>
+          </a:prstGeom>
+          <a:noFill/>
+        </p:spPr>
+        <p:txBody>
+          <a:bodyPr wrap="none" rtlCol="0">
+            <a:spAutoFit/>
+          </a:bodyPr>
+          <a:lstStyle/>
+          <a:p>
+            <a:pPr>
+              <a:spcBef>
+                <a:spcPts val="0"/>
+              </a:spcBef>
+            </a:pPr>
+            <a:r>
+              <a:rPr lang="en-US" sz="1200" dirty="0"/>
+              <a:t>c = 27,5</a:t>
+            </a:r>
+          </a:p>
+          <a:p>
+            <a:pPr>
+              <a:spcBef>
+                <a:spcPts val="0"/>
+              </a:spcBef>
+            </a:pPr>
+            <a:r>
+              <a:rPr lang="en-US" sz="1200" dirty="0"/>
+              <a:t>x = 100</a:t>
+            </a:r>
+          </a:p>
+          <a:p>
+            <a:pPr>
+              <a:spcBef>
+                <a:spcPts val="0"/>
+              </a:spcBef>
+            </a:pPr>
+            <a:r>
+              <a:rPr lang="en-US" sz="1200" dirty="0"/>
+              <a:t>p = 0.2</a:t>
+            </a:r>
+          </a:p>
+        </p:txBody>
+      </p:sp>
+      <p:sp>
+        <p:nvSpPr>
+          <p:cNvPr id="21" name="Text Placeholder 2">
+            <a:extLst>
+              <a:ext uri="{FF2B5EF4-FFF2-40B4-BE49-F238E27FC236}">
+                <a16:creationId xmlns:a16="http://schemas.microsoft.com/office/drawing/2014/main" id="{B538C869-42D1-4232-8FDB-335F112A9942}"/>
+              </a:ext>
+            </a:extLst>
+          </p:cNvPr>
+          <p:cNvSpPr txBox="1">
+            <a:spLocks/>
+          </p:cNvSpPr>
+          <p:nvPr/>
+        </p:nvSpPr>
+        <p:spPr>
+          <a:xfrm>
+            <a:off x="2397675" y="1787824"/>
+            <a:ext cx="4040188" cy="639762"/>
+          </a:xfrm>
+          <a:prstGeom prst="rect">
+            <a:avLst/>
+          </a:prstGeom>
+        </p:spPr>
+        <p:txBody>
+          <a:bodyPr/>
+          <a:lstStyle>
+            <a:lvl1pPr marL="198000" indent="-198000" algn="l" rtl="0" eaLnBrk="1" fontAlgn="base" hangingPunct="1">
+              <a:spcBef>
+                <a:spcPct val="20000"/>
+              </a:spcBef>
+              <a:spcAft>
+                <a:spcPct val="0"/>
+              </a:spcAft>
+              <a:buChar char="•"/>
+              <a:defRPr sz="1800">
+                <a:solidFill>
+                  <a:schemeClr val="tx1"/>
+                </a:solidFill>
+                <a:latin typeface="+mn-lt"/>
+                <a:ea typeface="+mn-ea"/>
+                <a:cs typeface="+mn-cs"/>
+              </a:defRPr>
+            </a:lvl1pPr>
+            <a:lvl2pPr marL="414000" indent="-198000" algn="l" rtl="0" eaLnBrk="1" fontAlgn="base" hangingPunct="1">
+              <a:spcBef>
+                <a:spcPct val="20000"/>
+              </a:spcBef>
+              <a:spcAft>
+                <a:spcPct val="0"/>
+              </a:spcAft>
+              <a:buChar char="–"/>
+              <a:defRPr sz="1800">
+                <a:solidFill>
+                  <a:schemeClr val="tx1"/>
+                </a:solidFill>
+                <a:latin typeface="+mn-lt"/>
+                <a:ea typeface="+mn-ea"/>
+              </a:defRPr>
+            </a:lvl2pPr>
+            <a:lvl3pPr marL="615600" indent="-198000" algn="l" rtl="0" eaLnBrk="1" fontAlgn="base" hangingPunct="1">
+              <a:spcBef>
+                <a:spcPct val="20000"/>
+              </a:spcBef>
+              <a:spcAft>
+                <a:spcPct val="0"/>
+              </a:spcAft>
+              <a:buChar char="•"/>
+              <a:defRPr sz="1800">
+                <a:solidFill>
+                  <a:schemeClr val="tx1"/>
+                </a:solidFill>
+                <a:latin typeface="+mn-lt"/>
+                <a:ea typeface="+mn-ea"/>
+              </a:defRPr>
+            </a:lvl3pPr>
+            <a:lvl4pPr marL="828000" indent="-198000" algn="l" rtl="0" eaLnBrk="1" fontAlgn="base" hangingPunct="1">
+              <a:spcBef>
+                <a:spcPct val="20000"/>
+              </a:spcBef>
+              <a:spcAft>
+                <a:spcPct val="0"/>
+              </a:spcAft>
+              <a:buChar char="–"/>
+              <a:defRPr sz="1800">
+                <a:solidFill>
+                  <a:schemeClr val="tx1"/>
+                </a:solidFill>
+                <a:latin typeface="+mn-lt"/>
+                <a:ea typeface="+mn-ea"/>
+              </a:defRPr>
+            </a:lvl4pPr>
+            <a:lvl5pPr marL="1026000" indent="-198000" algn="l" rtl="0" eaLnBrk="1" fontAlgn="base" hangingPunct="1">
+              <a:spcBef>
+                <a:spcPct val="20000"/>
+              </a:spcBef>
+              <a:spcAft>
+                <a:spcPct val="0"/>
+              </a:spcAft>
+              <a:buChar char="»"/>
+              <a:defRPr sz="1800">
+                <a:solidFill>
+                  <a:schemeClr val="tx1"/>
+                </a:solidFill>
+                <a:latin typeface="+mn-lt"/>
+                <a:ea typeface="+mn-ea"/>
+              </a:defRPr>
+            </a:lvl5pPr>
+            <a:lvl6pPr marL="1026000" indent="-198000" algn="l" rtl="0" eaLnBrk="1" fontAlgn="base" hangingPunct="1">
+              <a:spcBef>
+                <a:spcPct val="20000"/>
+              </a:spcBef>
+              <a:spcAft>
+                <a:spcPct val="0"/>
+              </a:spcAft>
+              <a:buChar char="»"/>
+              <a:defRPr sz="1800">
+                <a:solidFill>
+                  <a:schemeClr val="tx1"/>
+                </a:solidFill>
+                <a:latin typeface="+mn-lt"/>
+                <a:ea typeface="+mn-ea"/>
+              </a:defRPr>
+            </a:lvl6pPr>
+            <a:lvl7pPr marL="1026000" indent="-198000" algn="l" rtl="0" eaLnBrk="1" fontAlgn="base" hangingPunct="1">
+              <a:spcBef>
+                <a:spcPct val="20000"/>
+              </a:spcBef>
+              <a:spcAft>
+                <a:spcPct val="0"/>
+              </a:spcAft>
+              <a:buChar char="»"/>
+              <a:defRPr sz="1800">
+                <a:solidFill>
+                  <a:schemeClr val="tx1"/>
+                </a:solidFill>
+                <a:latin typeface="+mn-lt"/>
+                <a:ea typeface="+mn-ea"/>
+              </a:defRPr>
+            </a:lvl7pPr>
+            <a:lvl8pPr marL="1026000" indent="-198000" algn="l" rtl="0" eaLnBrk="1" fontAlgn="base" hangingPunct="1">
+              <a:spcBef>
+                <a:spcPct val="20000"/>
+              </a:spcBef>
+              <a:spcAft>
+                <a:spcPct val="0"/>
+              </a:spcAft>
+              <a:buChar char="»"/>
+              <a:defRPr sz="1800">
+                <a:solidFill>
+                  <a:schemeClr val="tx1"/>
+                </a:solidFill>
+                <a:latin typeface="+mn-lt"/>
+                <a:ea typeface="+mn-ea"/>
+              </a:defRPr>
+            </a:lvl8pPr>
+            <a:lvl9pPr marL="1026000" indent="-198000" algn="l" rtl="0" eaLnBrk="1" fontAlgn="base" hangingPunct="1">
+              <a:spcBef>
+                <a:spcPct val="20000"/>
+              </a:spcBef>
+              <a:spcAft>
+                <a:spcPct val="0"/>
+              </a:spcAft>
+              <a:buChar char="»"/>
+              <a:defRPr sz="1800">
+                <a:solidFill>
+                  <a:schemeClr val="tx1"/>
+                </a:solidFill>
+                <a:latin typeface="+mn-lt"/>
+                <a:ea typeface="+mn-ea"/>
+              </a:defRPr>
+            </a:lvl9pPr>
+          </a:lstStyle>
+          <a:p>
+            <a:pPr marL="0" indent="0">
+              <a:buNone/>
+            </a:pPr>
+            <a:r>
+              <a:rPr lang="en-US" sz="2400" u="sng" kern="0" dirty="0"/>
+              <a:t>Decisions from description</a:t>
+            </a:r>
+          </a:p>
+        </p:txBody>
+      </p:sp>
+      <p:grpSp>
+        <p:nvGrpSpPr>
+          <p:cNvPr id="36" name="Gruppe 35">
+            <a:extLst>
+              <a:ext uri="{FF2B5EF4-FFF2-40B4-BE49-F238E27FC236}">
+                <a16:creationId xmlns:a16="http://schemas.microsoft.com/office/drawing/2014/main" id="{F5882294-9625-4E15-B96B-629C06BB5A9A}"/>
+              </a:ext>
+            </a:extLst>
+          </p:cNvPr>
+          <p:cNvGrpSpPr/>
+          <p:nvPr/>
+        </p:nvGrpSpPr>
+        <p:grpSpPr>
+          <a:xfrm>
+            <a:off x="6887774" y="2924944"/>
+            <a:ext cx="4320000" cy="3226508"/>
+            <a:chOff x="6887774" y="2924944"/>
+            <a:chExt cx="4320000" cy="3226508"/>
+          </a:xfrm>
+        </p:grpSpPr>
+        <p:grpSp>
+          <p:nvGrpSpPr>
+            <p:cNvPr id="35" name="Gruppe 34">
+              <a:extLst>
+                <a:ext uri="{FF2B5EF4-FFF2-40B4-BE49-F238E27FC236}">
+                  <a16:creationId xmlns:a16="http://schemas.microsoft.com/office/drawing/2014/main" id="{10080DF5-5855-4A89-BC7F-8D08175BBB9C}"/>
+                </a:ext>
+              </a:extLst>
+            </p:cNvPr>
+            <p:cNvGrpSpPr/>
+            <p:nvPr/>
+          </p:nvGrpSpPr>
+          <p:grpSpPr>
+            <a:xfrm>
+              <a:off x="6887774" y="2924944"/>
+              <a:ext cx="4320000" cy="3226508"/>
+              <a:chOff x="6887774" y="2924944"/>
+              <a:chExt cx="4320000" cy="3226508"/>
+            </a:xfrm>
+          </p:grpSpPr>
+          <p:pic>
+            <p:nvPicPr>
+              <p:cNvPr id="22" name="Billede 21">
+                <a:extLst>
+                  <a:ext uri="{FF2B5EF4-FFF2-40B4-BE49-F238E27FC236}">
+                    <a16:creationId xmlns:a16="http://schemas.microsoft.com/office/drawing/2014/main" id="{EA5C2779-E4BD-49E2-B799-63FC43F7BCAF}"/>
+                  </a:ext>
+                </a:extLst>
+              </p:cNvPr>
+              <p:cNvPicPr>
+                <a:picLocks noChangeAspect="1"/>
+              </p:cNvPicPr>
+              <p:nvPr/>
+            </p:nvPicPr>
+            <p:blipFill>
+              <a:blip r:embed="rId4">
+                <a:extLst>
+                  <a:ext uri="{28A0092B-C50C-407E-A947-70E740481C1C}">
+                    <a14:useLocalDpi xmlns:a14="http://schemas.microsoft.com/office/drawing/2010/main" val="0"/>
+                  </a:ext>
+                </a:extLst>
+              </a:blip>
+              <a:stretch>
+                <a:fillRect/>
+              </a:stretch>
+            </p:blipFill>
+            <p:spPr>
+              <a:xfrm>
+                <a:off x="6887774" y="2924944"/>
+                <a:ext cx="4320000" cy="3226508"/>
+              </a:xfrm>
+              <a:prstGeom prst="rect">
+                <a:avLst/>
+              </a:prstGeom>
+            </p:spPr>
+          </p:pic>
+          <p:cxnSp>
+            <p:nvCxnSpPr>
+              <p:cNvPr id="24" name="Lige forbindelse 23">
+                <a:extLst>
+                  <a:ext uri="{FF2B5EF4-FFF2-40B4-BE49-F238E27FC236}">
+                    <a16:creationId xmlns:a16="http://schemas.microsoft.com/office/drawing/2014/main" id="{44B98FF8-E19D-4B56-9628-6809E8982F03}"/>
+                  </a:ext>
+                </a:extLst>
+              </p:cNvPr>
+              <p:cNvCxnSpPr>
+                <a:cxnSpLocks/>
+              </p:cNvCxnSpPr>
+              <p:nvPr/>
+            </p:nvCxnSpPr>
+            <p:spPr bwMode="auto">
+              <a:xfrm>
+                <a:off x="8100000" y="5013176"/>
+                <a:ext cx="0" cy="774000"/>
+              </a:xfrm>
+              <a:prstGeom prst="line">
+                <a:avLst/>
+              </a:prstGeom>
+              <a:ln w="19050">
+                <a:tailEnd type="none"/>
+              </a:ln>
+            </p:spPr>
+            <p:style>
+              <a:lnRef idx="2">
+                <a:schemeClr val="accent1"/>
+              </a:lnRef>
+              <a:fillRef idx="0">
+                <a:schemeClr val="accent1"/>
+              </a:fillRef>
+              <a:effectRef idx="1">
+                <a:schemeClr val="accent1"/>
+              </a:effectRef>
+              <a:fontRef idx="minor">
+                <a:schemeClr val="tx1"/>
+              </a:fontRef>
+            </p:style>
+          </p:cxnSp>
+          <p:cxnSp>
+            <p:nvCxnSpPr>
+              <p:cNvPr id="26" name="Lige forbindelse 25">
+                <a:extLst>
+                  <a:ext uri="{FF2B5EF4-FFF2-40B4-BE49-F238E27FC236}">
+                    <a16:creationId xmlns:a16="http://schemas.microsoft.com/office/drawing/2014/main" id="{1A7BF5ED-2D57-4A1F-9E82-C15D61FB6A60}"/>
+                  </a:ext>
+                </a:extLst>
+              </p:cNvPr>
+              <p:cNvCxnSpPr>
+                <a:cxnSpLocks/>
+              </p:cNvCxnSpPr>
+              <p:nvPr/>
+            </p:nvCxnSpPr>
+            <p:spPr bwMode="auto">
+              <a:xfrm flipH="1">
+                <a:off x="7434000" y="5004772"/>
+                <a:ext cx="666000" cy="0"/>
+              </a:xfrm>
+              <a:prstGeom prst="line">
+                <a:avLst/>
+              </a:prstGeom>
+              <a:ln w="19050">
+                <a:tailEnd type="none"/>
+              </a:ln>
+            </p:spPr>
+            <p:style>
+              <a:lnRef idx="2">
+                <a:schemeClr val="accent1"/>
+              </a:lnRef>
+              <a:fillRef idx="0">
+                <a:schemeClr val="accent1"/>
+              </a:fillRef>
+              <a:effectRef idx="1">
+                <a:schemeClr val="accent1"/>
+              </a:effectRef>
+              <a:fontRef idx="minor">
+                <a:schemeClr val="tx1"/>
+              </a:fontRef>
+            </p:style>
+          </p:cxnSp>
+          <p:pic>
+            <p:nvPicPr>
+              <p:cNvPr id="32" name="Grafik 31" descr="Luk">
+                <a:extLst>
+                  <a:ext uri="{FF2B5EF4-FFF2-40B4-BE49-F238E27FC236}">
+                    <a16:creationId xmlns:a16="http://schemas.microsoft.com/office/drawing/2014/main" id="{B7382B39-CCD7-4D1A-9A0B-DAA2DECCFFB0}"/>
+                  </a:ext>
+                </a:extLst>
+              </p:cNvPr>
+              <p:cNvPicPr>
+                <a:picLocks noChangeAspect="1"/>
+              </p:cNvPicPr>
+              <p:nvPr/>
+            </p:nvPicPr>
+            <p:blipFill>
+              <a:blip r:embed="rId5">
+                <a:extLst>
+                  <a:ext uri="{28A0092B-C50C-407E-A947-70E740481C1C}">
+                    <a14:useLocalDpi xmlns:a14="http://schemas.microsoft.com/office/drawing/2010/main" val="0"/>
+                  </a:ext>
+                  <a:ext uri="{96DAC541-7B7A-43D3-8B79-37D633B846F1}">
+                    <asvg:svgBlip xmlns:asvg="http://schemas.microsoft.com/office/drawing/2016/SVG/main" r:embed="rId6"/>
+                  </a:ext>
+                </a:extLst>
+              </a:blip>
+              <a:stretch>
+                <a:fillRect/>
+              </a:stretch>
+            </p:blipFill>
+            <p:spPr>
+              <a:xfrm>
+                <a:off x="8015992" y="4929168"/>
+                <a:ext cx="168015" cy="168015"/>
+              </a:xfrm>
+              <a:prstGeom prst="rect">
+                <a:avLst/>
+              </a:prstGeom>
+            </p:spPr>
+          </p:pic>
+        </p:grpSp>
+        <mc:AlternateContent xmlns:mc="http://schemas.openxmlformats.org/markup-compatibility/2006">
+          <mc:Choice xmlns:a14="http://schemas.microsoft.com/office/drawing/2010/main" Requires="a14">
+            <p:sp>
+              <p:nvSpPr>
+                <p:cNvPr id="33" name="Tekstfelt 32">
+                  <a:extLst>
+                    <a:ext uri="{FF2B5EF4-FFF2-40B4-BE49-F238E27FC236}">
+                      <a16:creationId xmlns:a16="http://schemas.microsoft.com/office/drawing/2014/main" id="{E8204BAA-D5CA-40C6-A4F2-E82A0E7A71E1}"/>
+                    </a:ext>
+                  </a:extLst>
+                </p:cNvPr>
+                <p:cNvSpPr txBox="1"/>
+                <p:nvPr/>
+              </p:nvSpPr>
+              <p:spPr>
+                <a:xfrm>
+                  <a:off x="7273887" y="4859860"/>
+                  <a:ext cx="118109" cy="289823"/>
+                </a:xfrm>
+                <a:prstGeom prst="rect">
+                  <a:avLst/>
+                </a:prstGeom>
+                <a:noFill/>
+              </p:spPr>
+              <p:txBody>
+                <a:bodyPr wrap="none" lIns="0" tIns="0" rIns="0" bIns="0" rtlCol="0">
+                  <a:spAutoFit/>
+                </a:bodyPr>
+                <a:lstStyle/>
+                <a:p>
+                  <a:pPr algn="l">
+                    <a:spcBef>
+                      <a:spcPts val="432"/>
+                    </a:spcBef>
+                  </a:pPr>
+                  <a14:m>
+                    <m:oMathPara xmlns:m="http://schemas.openxmlformats.org/officeDocument/2006/math">
+                      <m:oMathParaPr>
+                        <m:jc m:val="centerGroup"/>
+                      </m:oMathParaPr>
+                      <m:oMath xmlns:m="http://schemas.openxmlformats.org/officeDocument/2006/math">
+                        <m:f>
+                          <m:fPr>
+                            <m:ctrlPr>
+                              <a:rPr lang="en-US" sz="1100" i="1" smtClean="0">
+                                <a:latin typeface="Cambria Math" panose="02040503050406030204" pitchFamily="18" charset="0"/>
+                              </a:rPr>
+                            </m:ctrlPr>
+                          </m:fPr>
+                          <m:num>
+                            <m:r>
+                              <a:rPr lang="en-US" sz="1100" b="0" i="1" smtClean="0">
+                                <a:latin typeface="Cambria Math" panose="02040503050406030204" pitchFamily="18" charset="0"/>
+                              </a:rPr>
+                              <m:t>𝑐</m:t>
+                            </m:r>
+                          </m:num>
+                          <m:den>
+                            <m:r>
+                              <a:rPr lang="en-US" sz="1100" b="0" i="1" smtClean="0">
+                                <a:latin typeface="Cambria Math" panose="02040503050406030204" pitchFamily="18" charset="0"/>
+                              </a:rPr>
+                              <m:t>𝑥</m:t>
+                            </m:r>
+                          </m:den>
+                        </m:f>
+                      </m:oMath>
+                    </m:oMathPara>
+                  </a14:m>
+                  <a:endParaRPr lang="en-US" sz="1100" dirty="0" err="1">
+                    <a:latin typeface="+mn-lt"/>
+                  </a:endParaRPr>
+                </a:p>
+              </p:txBody>
+            </p:sp>
+          </mc:Choice>
+          <mc:Fallback>
+            <p:sp>
+              <p:nvSpPr>
+                <p:cNvPr id="33" name="Tekstfelt 32">
+                  <a:extLst>
+                    <a:ext uri="{FF2B5EF4-FFF2-40B4-BE49-F238E27FC236}">
+                      <a16:creationId xmlns:a16="http://schemas.microsoft.com/office/drawing/2014/main" id="{E8204BAA-D5CA-40C6-A4F2-E82A0E7A71E1}"/>
+                    </a:ext>
+                  </a:extLst>
+                </p:cNvPr>
+                <p:cNvSpPr txBox="1">
+                  <a:spLocks noRot="1" noChangeAspect="1" noMove="1" noResize="1" noEditPoints="1" noAdjustHandles="1" noChangeArrowheads="1" noChangeShapeType="1" noTextEdit="1"/>
+                </p:cNvSpPr>
+                <p:nvPr/>
+              </p:nvSpPr>
+              <p:spPr>
+                <a:xfrm>
+                  <a:off x="7273887" y="4859860"/>
+                  <a:ext cx="118109" cy="289823"/>
+                </a:xfrm>
+                <a:prstGeom prst="rect">
+                  <a:avLst/>
+                </a:prstGeom>
+                <a:blipFill>
+                  <a:blip r:embed="rId7"/>
+                  <a:stretch>
+                    <a:fillRect l="-15000" r="-5000" b="-10417"/>
+                  </a:stretch>
+                </a:blipFill>
+              </p:spPr>
+              <p:txBody>
+                <a:bodyPr/>
+                <a:lstStyle/>
+                <a:p>
+                  <a:r>
+                    <a:rPr lang="en-US">
+                      <a:noFill/>
+                    </a:rPr>
+                    <a:t> </a:t>
+                  </a:r>
+                </a:p>
+              </p:txBody>
+            </p:sp>
+          </mc:Fallback>
+        </mc:AlternateContent>
+        <mc:AlternateContent xmlns:mc="http://schemas.openxmlformats.org/markup-compatibility/2006">
+          <mc:Choice xmlns:a14="http://schemas.microsoft.com/office/drawing/2010/main" Requires="a14">
+            <p:sp>
+              <p:nvSpPr>
+                <p:cNvPr id="34" name="Tekstfelt 33">
+                  <a:extLst>
+                    <a:ext uri="{FF2B5EF4-FFF2-40B4-BE49-F238E27FC236}">
+                      <a16:creationId xmlns:a16="http://schemas.microsoft.com/office/drawing/2014/main" id="{9623E994-71BD-4143-9E3E-2C3A3F6F22EB}"/>
+                    </a:ext>
+                  </a:extLst>
+                </p:cNvPr>
+                <p:cNvSpPr txBox="1"/>
+                <p:nvPr/>
+              </p:nvSpPr>
+              <p:spPr>
+                <a:xfrm>
+                  <a:off x="8052055" y="5774484"/>
+                  <a:ext cx="118750" cy="169277"/>
+                </a:xfrm>
+                <a:prstGeom prst="rect">
+                  <a:avLst/>
+                </a:prstGeom>
+                <a:noFill/>
+              </p:spPr>
+              <p:txBody>
+                <a:bodyPr wrap="none" lIns="0" tIns="0" rIns="0" bIns="0" rtlCol="0">
+                  <a:spAutoFit/>
+                </a:bodyPr>
+                <a:lstStyle/>
+                <a:p>
+                  <a:pPr algn="l">
+                    <a:spcBef>
+                      <a:spcPts val="432"/>
+                    </a:spcBef>
+                  </a:pPr>
+                  <a14:m>
+                    <m:oMathPara xmlns:m="http://schemas.openxmlformats.org/officeDocument/2006/math">
+                      <m:oMathParaPr>
+                        <m:jc m:val="centerGroup"/>
+                      </m:oMathParaPr>
+                      <m:oMath xmlns:m="http://schemas.openxmlformats.org/officeDocument/2006/math">
+                        <m:r>
+                          <a:rPr lang="en-US" sz="1100" i="1" smtClean="0">
+                            <a:latin typeface="Cambria Math" panose="02040503050406030204" pitchFamily="18" charset="0"/>
+                          </a:rPr>
+                          <m:t>𝑝</m:t>
+                        </m:r>
+                      </m:oMath>
+                    </m:oMathPara>
+                  </a14:m>
+                  <a:endParaRPr lang="en-US" sz="1100" dirty="0" err="1">
+                    <a:latin typeface="+mn-lt"/>
+                  </a:endParaRPr>
+                </a:p>
+              </p:txBody>
+            </p:sp>
+          </mc:Choice>
+          <mc:Fallback>
+            <p:sp>
+              <p:nvSpPr>
+                <p:cNvPr id="34" name="Tekstfelt 33">
+                  <a:extLst>
+                    <a:ext uri="{FF2B5EF4-FFF2-40B4-BE49-F238E27FC236}">
+                      <a16:creationId xmlns:a16="http://schemas.microsoft.com/office/drawing/2014/main" id="{9623E994-71BD-4143-9E3E-2C3A3F6F22EB}"/>
+                    </a:ext>
+                  </a:extLst>
+                </p:cNvPr>
+                <p:cNvSpPr txBox="1">
+                  <a:spLocks noRot="1" noChangeAspect="1" noMove="1" noResize="1" noEditPoints="1" noAdjustHandles="1" noChangeArrowheads="1" noChangeShapeType="1" noTextEdit="1"/>
+                </p:cNvSpPr>
+                <p:nvPr/>
+              </p:nvSpPr>
+              <p:spPr>
+                <a:xfrm>
+                  <a:off x="8052055" y="5774484"/>
+                  <a:ext cx="118750" cy="169277"/>
+                </a:xfrm>
+                <a:prstGeom prst="rect">
+                  <a:avLst/>
+                </a:prstGeom>
+                <a:blipFill>
+                  <a:blip r:embed="rId8"/>
+                  <a:stretch>
+                    <a:fillRect l="-31579" r="-26316" b="-28571"/>
+                  </a:stretch>
+                </a:blipFill>
+              </p:spPr>
+              <p:txBody>
+                <a:bodyPr/>
+                <a:lstStyle/>
+                <a:p>
+                  <a:r>
+                    <a:rPr lang="en-US">
+                      <a:noFill/>
+                    </a:rPr>
+                    <a:t> </a:t>
+                  </a:r>
+                </a:p>
+              </p:txBody>
+            </p:sp>
+          </mc:Fallback>
+        </mc:AlternateContent>
+      </p:grpSp>
     </p:spTree>
     <p:extLst>
       <p:ext uri="{BB962C8B-B14F-4D97-AF65-F5344CB8AC3E}">
-        <p14:creationId xmlns:p14="http://schemas.microsoft.com/office/powerpoint/2010/main" val="2139668013"/>
+        <p14:creationId xmlns:p14="http://schemas.microsoft.com/office/powerpoint/2010/main" val="2633857991"/>
       </p:ext>
     </p:extLst>
   </p:cSld>
   <p:clrMapOvr>
     <a:masterClrMapping/>
   </p:clrMapOvr>
+  <p:timing>
+    <p:tnLst>
+      <p:par>
+        <p:cTn id="1" dur="indefinite" restart="never" nodeType="tmRoot">
+          <p:childTnLst>
+            <p:seq concurrent="1" nextAc="seek">
+              <p:cTn id="2" dur="indefinite" nodeType="mainSeq">
+                <p:childTnLst>
+                  <p:par>
+                    <p:cTn id="3" fill="hold">
+                      <p:stCondLst>
+                        <p:cond delay="indefinite"/>
+                      </p:stCondLst>
+                      <p:childTnLst>
+                        <p:par>
+                          <p:cTn id="4" fill="hold">
+                            <p:stCondLst>
+                              <p:cond delay="0"/>
+                            </p:stCondLst>
+                            <p:childTnLst>
+                              <p:par>
+                                <p:cTn id="5" presetID="1" presetClass="entr" presetSubtype="0" fill="hold" nodeType="clickEffect">
+                                  <p:stCondLst>
+                                    <p:cond delay="0"/>
+                                  </p:stCondLst>
+                                  <p:childTnLst>
+                                    <p:set>
+                                      <p:cBhvr>
+                                        <p:cTn id="6" dur="1" fill="hold">
+                                          <p:stCondLst>
+                                            <p:cond delay="0"/>
+                                          </p:stCondLst>
+                                        </p:cTn>
+                                        <p:tgtEl>
+                                          <p:spTgt spid="16"/>
+                                        </p:tgtEl>
+                                        <p:attrNameLst>
+                                          <p:attrName>style.visibility</p:attrName>
+                                        </p:attrNameLst>
+                                      </p:cBhvr>
+                                      <p:to>
+                                        <p:strVal val="visible"/>
+                                      </p:to>
+                                    </p:set>
+                                  </p:childTnLst>
+                                </p:cTn>
+                              </p:par>
+                              <p:par>
+                                <p:cTn id="7" presetID="1" presetClass="entr" presetSubtype="0" fill="hold" grpId="0" nodeType="withEffect">
+                                  <p:stCondLst>
+                                    <p:cond delay="0"/>
+                                  </p:stCondLst>
+                                  <p:childTnLst>
+                                    <p:set>
+                                      <p:cBhvr>
+                                        <p:cTn id="8" dur="1" fill="hold">
+                                          <p:stCondLst>
+                                            <p:cond delay="0"/>
+                                          </p:stCondLst>
+                                        </p:cTn>
+                                        <p:tgtEl>
+                                          <p:spTgt spid="17"/>
+                                        </p:tgtEl>
+                                        <p:attrNameLst>
+                                          <p:attrName>style.visibility</p:attrName>
+                                        </p:attrNameLst>
+                                      </p:cBhvr>
+                                      <p:to>
+                                        <p:strVal val="visible"/>
+                                      </p:to>
+                                    </p:set>
+                                  </p:childTnLst>
+                                </p:cTn>
+                              </p:par>
+                            </p:childTnLst>
+                          </p:cTn>
+                        </p:par>
+                      </p:childTnLst>
+                    </p:cTn>
+                  </p:par>
+                  <p:par>
+                    <p:cTn id="9" fill="hold">
+                      <p:stCondLst>
+                        <p:cond delay="indefinite"/>
+                      </p:stCondLst>
+                      <p:childTnLst>
+                        <p:par>
+                          <p:cTn id="10" fill="hold">
+                            <p:stCondLst>
+                              <p:cond delay="0"/>
+                            </p:stCondLst>
+                            <p:childTnLst>
+                              <p:par>
+                                <p:cTn id="11" presetID="1" presetClass="entr" presetSubtype="0" fill="hold" grpId="0" nodeType="clickEffect">
+                                  <p:stCondLst>
+                                    <p:cond delay="0"/>
+                                  </p:stCondLst>
+                                  <p:childTnLst>
+                                    <p:set>
+                                      <p:cBhvr>
+                                        <p:cTn id="12" dur="1" fill="hold">
+                                          <p:stCondLst>
+                                            <p:cond delay="0"/>
+                                          </p:stCondLst>
+                                        </p:cTn>
+                                        <p:tgtEl>
+                                          <p:spTgt spid="19"/>
+                                        </p:tgtEl>
+                                        <p:attrNameLst>
+                                          <p:attrName>style.visibility</p:attrName>
+                                        </p:attrNameLst>
+                                      </p:cBhvr>
+                                      <p:to>
+                                        <p:strVal val="visible"/>
+                                      </p:to>
+                                    </p:set>
+                                  </p:childTnLst>
+                                </p:cTn>
+                              </p:par>
+                              <p:par>
+                                <p:cTn id="13" presetID="1" presetClass="entr" presetSubtype="0" fill="hold" grpId="0" nodeType="withEffect">
+                                  <p:stCondLst>
+                                    <p:cond delay="0"/>
+                                  </p:stCondLst>
+                                  <p:childTnLst>
+                                    <p:set>
+                                      <p:cBhvr>
+                                        <p:cTn id="14" dur="1" fill="hold">
+                                          <p:stCondLst>
+                                            <p:cond delay="0"/>
+                                          </p:stCondLst>
+                                        </p:cTn>
+                                        <p:tgtEl>
+                                          <p:spTgt spid="20"/>
+                                        </p:tgtEl>
+                                        <p:attrNameLst>
+                                          <p:attrName>style.visibility</p:attrName>
+                                        </p:attrNameLst>
+                                      </p:cBhvr>
+                                      <p:to>
+                                        <p:strVal val="visible"/>
+                                      </p:to>
+                                    </p:set>
+                                  </p:childTnLst>
+                                </p:cTn>
+                              </p:par>
+                              <p:par>
+                                <p:cTn id="15" presetID="9" presetClass="emph" presetSubtype="0" nodeType="withEffect">
+                                  <p:stCondLst>
+                                    <p:cond delay="0"/>
+                                  </p:stCondLst>
+                                  <p:childTnLst>
+                                    <p:set>
+                                      <p:cBhvr>
+                                        <p:cTn id="16" dur="indefinite"/>
+                                        <p:tgtEl>
+                                          <p:spTgt spid="16"/>
+                                        </p:tgtEl>
+                                        <p:attrNameLst>
+                                          <p:attrName>style.opacity</p:attrName>
+                                        </p:attrNameLst>
+                                      </p:cBhvr>
+                                      <p:to>
+                                        <p:strVal val="0.2"/>
+                                      </p:to>
+                                    </p:set>
+                                    <p:animEffect filter="image" prLst="opacity: 0.2">
+                                      <p:cBhvr rctx="IE">
+                                        <p:cTn id="17" dur="indefinite"/>
+                                        <p:tgtEl>
+                                          <p:spTgt spid="16"/>
+                                        </p:tgtEl>
+                                      </p:cBhvr>
+                                    </p:animEffect>
+                                  </p:childTnLst>
+                                </p:cTn>
+                              </p:par>
+                              <p:par>
+                                <p:cTn id="18" presetID="9" presetClass="emph" presetSubtype="0" grpId="1" nodeType="withEffect">
+                                  <p:stCondLst>
+                                    <p:cond delay="0"/>
+                                  </p:stCondLst>
+                                  <p:childTnLst>
+                                    <p:set>
+                                      <p:cBhvr>
+                                        <p:cTn id="19" dur="indefinite"/>
+                                        <p:tgtEl>
+                                          <p:spTgt spid="17"/>
+                                        </p:tgtEl>
+                                        <p:attrNameLst>
+                                          <p:attrName>style.opacity</p:attrName>
+                                        </p:attrNameLst>
+                                      </p:cBhvr>
+                                      <p:to>
+                                        <p:strVal val="0.2"/>
+                                      </p:to>
+                                    </p:set>
+                                    <p:animEffect filter="image" prLst="opacity: 0.2">
+                                      <p:cBhvr rctx="IE">
+                                        <p:cTn id="20" dur="indefinite"/>
+                                        <p:tgtEl>
+                                          <p:spTgt spid="17"/>
+                                        </p:tgtEl>
+                                      </p:cBhvr>
+                                    </p:animEffect>
+                                  </p:childTnLst>
+                                </p:cTn>
+                              </p:par>
+                            </p:childTnLst>
+                          </p:cTn>
+                        </p:par>
+                      </p:childTnLst>
+                    </p:cTn>
+                  </p:par>
+                  <p:par>
+                    <p:cTn id="21" fill="hold">
+                      <p:stCondLst>
+                        <p:cond delay="indefinite"/>
+                      </p:stCondLst>
+                      <p:childTnLst>
+                        <p:par>
+                          <p:cTn id="22" fill="hold">
+                            <p:stCondLst>
+                              <p:cond delay="0"/>
+                            </p:stCondLst>
+                            <p:childTnLst>
+                              <p:par>
+                                <p:cTn id="23" presetID="1" presetClass="entr" presetSubtype="0" fill="hold" nodeType="clickEffect">
+                                  <p:stCondLst>
+                                    <p:cond delay="0"/>
+                                  </p:stCondLst>
+                                  <p:childTnLst>
+                                    <p:set>
+                                      <p:cBhvr>
+                                        <p:cTn id="24" dur="1" fill="hold">
+                                          <p:stCondLst>
+                                            <p:cond delay="0"/>
+                                          </p:stCondLst>
+                                        </p:cTn>
+                                        <p:tgtEl>
+                                          <p:spTgt spid="36"/>
+                                        </p:tgtEl>
+                                        <p:attrNameLst>
+                                          <p:attrName>style.visibility</p:attrName>
+                                        </p:attrNameLst>
+                                      </p:cBhvr>
+                                      <p:to>
+                                        <p:strVal val="visible"/>
+                                      </p:to>
+                                    </p:set>
+                                  </p:childTnLst>
+                                </p:cTn>
+                              </p:par>
+                            </p:childTnLst>
+                          </p:cTn>
+                        </p:par>
+                      </p:childTnLst>
+                    </p:cTn>
+                  </p:par>
+                </p:childTnLst>
+              </p:cTn>
+              <p:prevCondLst>
+                <p:cond evt="onPrev" delay="0">
+                  <p:tgtEl>
+                    <p:sldTgt/>
+                  </p:tgtEl>
+                </p:cond>
+              </p:prevCondLst>
+              <p:nextCondLst>
+                <p:cond evt="onNext" delay="0">
+                  <p:tgtEl>
+                    <p:sldTgt/>
+                  </p:tgtEl>
+                </p:cond>
+              </p:nextCondLst>
+            </p:seq>
+          </p:childTnLst>
+        </p:cTn>
+      </p:par>
+    </p:tnLst>
+    <p:bldLst>
+      <p:bldP spid="17" grpId="0" animBg="1"/>
+      <p:bldP spid="17" grpId="1" animBg="1"/>
+      <p:bldP spid="19" grpId="0" animBg="1"/>
+      <p:bldP spid="20" grpId="0"/>
+    </p:bldLst>
+  </p:timing>
 </p:sld>
 </file>
 
-<file path=ppt/slides/slide6.xml><?xml version="1.0" encoding="utf-8"?>
+<file path=ppt/slides/slide7.xml><?xml version="1.0" encoding="utf-8"?>
 <p:sld xmlns:a="http://schemas.openxmlformats.org/drawingml/2006/main" xmlns:r="http://schemas.openxmlformats.org/officeDocument/2006/relationships" xmlns:p="http://schemas.openxmlformats.org/presentationml/2006/main">
   <p:cSld>
     <p:spTree>
@@ -11032,7 +14293,7 @@
           <p:cNvPr id="2" name="Titel 1">
             <a:extLst>
               <a:ext uri="{FF2B5EF4-FFF2-40B4-BE49-F238E27FC236}">
-                <a16:creationId xmlns:a16="http://schemas.microsoft.com/office/drawing/2014/main" id="{38447CF7-4D72-4BEF-A7E8-299A608236A9}"/>
+                <a16:creationId xmlns:a16="http://schemas.microsoft.com/office/drawing/2014/main" id="{B6BEEC1C-6AC4-4F38-ABBD-C8BFDF603A72}"/>
               </a:ext>
             </a:extLst>
           </p:cNvPr>
@@ -11050,8 +14311,16 @@
           <a:p>
             <a:r>
               <a:rPr lang="en-US" dirty="0"/>
-              <a:t>Thesis objective</a:t>
+              <a:t>Background and motivation</a:t>
             </a:r>
+            <a:br>
+              <a:rPr lang="en-US" dirty="0"/>
+            </a:br>
+            <a:r>
+              <a:rPr lang="en-US" sz="1800" b="0" dirty="0"/>
+              <a:t>Probability Weighting – How has it been tested?</a:t>
+            </a:r>
+            <a:endParaRPr lang="en-US" dirty="0"/>
           </a:p>
         </p:txBody>
       </p:sp>
@@ -11060,7 +14329,7 @@
           <p:cNvPr id="3" name="Pladsholder til slidenummer 2">
             <a:extLst>
               <a:ext uri="{FF2B5EF4-FFF2-40B4-BE49-F238E27FC236}">
-                <a16:creationId xmlns:a16="http://schemas.microsoft.com/office/drawing/2014/main" id="{301B138A-0269-4348-9EAC-8035A5096949}"/>
+                <a16:creationId xmlns:a16="http://schemas.microsoft.com/office/drawing/2014/main" id="{43760A49-C42E-4C9E-9629-C88523F087B1}"/>
               </a:ext>
             </a:extLst>
           </p:cNvPr>
@@ -11079,7 +14348,7 @@
             <a:fld id="{103EA872-A674-449B-A120-B97244F8E91D}" type="slidenum">
               <a:rPr lang="da-DK" smtClean="0"/>
               <a:pPr/>
-              <a:t>6</a:t>
+              <a:t>7</a:t>
             </a:fld>
             <a:endParaRPr lang="da-DK" dirty="0"/>
           </a:p>
@@ -11090,7 +14359,7 @@
           <p:cNvPr id="4" name="Picture 2" descr="Studentermedhjælper søges til MR-forskningscenter">
             <a:extLst>
               <a:ext uri="{FF2B5EF4-FFF2-40B4-BE49-F238E27FC236}">
-                <a16:creationId xmlns:a16="http://schemas.microsoft.com/office/drawing/2014/main" id="{844BFE0C-9CA0-4067-B00A-E044FB9B6F4A}"/>
+                <a16:creationId xmlns:a16="http://schemas.microsoft.com/office/drawing/2014/main" id="{EEAD69C4-F6D7-49C1-BC88-C1EFB8B67647}"/>
               </a:ext>
             </a:extLst>
           </p:cNvPr>
@@ -11132,20 +14401,755 @@
           </a:extLst>
         </p:spPr>
       </p:pic>
+      <p:sp>
+        <p:nvSpPr>
+          <p:cNvPr id="21" name="Text Placeholder 2">
+            <a:extLst>
+              <a:ext uri="{FF2B5EF4-FFF2-40B4-BE49-F238E27FC236}">
+                <a16:creationId xmlns:a16="http://schemas.microsoft.com/office/drawing/2014/main" id="{B538C869-42D1-4232-8FDB-335F112A9942}"/>
+              </a:ext>
+            </a:extLst>
+          </p:cNvPr>
+          <p:cNvSpPr txBox="1">
+            <a:spLocks/>
+          </p:cNvSpPr>
+          <p:nvPr/>
+        </p:nvSpPr>
+        <p:spPr>
+          <a:xfrm>
+            <a:off x="2397675" y="1787824"/>
+            <a:ext cx="4040188" cy="639762"/>
+          </a:xfrm>
+          <a:prstGeom prst="rect">
+            <a:avLst/>
+          </a:prstGeom>
+        </p:spPr>
+        <p:txBody>
+          <a:bodyPr/>
+          <a:lstStyle>
+            <a:lvl1pPr marL="198000" indent="-198000" algn="l" rtl="0" eaLnBrk="1" fontAlgn="base" hangingPunct="1">
+              <a:spcBef>
+                <a:spcPct val="20000"/>
+              </a:spcBef>
+              <a:spcAft>
+                <a:spcPct val="0"/>
+              </a:spcAft>
+              <a:buChar char="•"/>
+              <a:defRPr sz="1800">
+                <a:solidFill>
+                  <a:schemeClr val="tx1"/>
+                </a:solidFill>
+                <a:latin typeface="+mn-lt"/>
+                <a:ea typeface="+mn-ea"/>
+                <a:cs typeface="+mn-cs"/>
+              </a:defRPr>
+            </a:lvl1pPr>
+            <a:lvl2pPr marL="414000" indent="-198000" algn="l" rtl="0" eaLnBrk="1" fontAlgn="base" hangingPunct="1">
+              <a:spcBef>
+                <a:spcPct val="20000"/>
+              </a:spcBef>
+              <a:spcAft>
+                <a:spcPct val="0"/>
+              </a:spcAft>
+              <a:buChar char="–"/>
+              <a:defRPr sz="1800">
+                <a:solidFill>
+                  <a:schemeClr val="tx1"/>
+                </a:solidFill>
+                <a:latin typeface="+mn-lt"/>
+                <a:ea typeface="+mn-ea"/>
+              </a:defRPr>
+            </a:lvl2pPr>
+            <a:lvl3pPr marL="615600" indent="-198000" algn="l" rtl="0" eaLnBrk="1" fontAlgn="base" hangingPunct="1">
+              <a:spcBef>
+                <a:spcPct val="20000"/>
+              </a:spcBef>
+              <a:spcAft>
+                <a:spcPct val="0"/>
+              </a:spcAft>
+              <a:buChar char="•"/>
+              <a:defRPr sz="1800">
+                <a:solidFill>
+                  <a:schemeClr val="tx1"/>
+                </a:solidFill>
+                <a:latin typeface="+mn-lt"/>
+                <a:ea typeface="+mn-ea"/>
+              </a:defRPr>
+            </a:lvl3pPr>
+            <a:lvl4pPr marL="828000" indent="-198000" algn="l" rtl="0" eaLnBrk="1" fontAlgn="base" hangingPunct="1">
+              <a:spcBef>
+                <a:spcPct val="20000"/>
+              </a:spcBef>
+              <a:spcAft>
+                <a:spcPct val="0"/>
+              </a:spcAft>
+              <a:buChar char="–"/>
+              <a:defRPr sz="1800">
+                <a:solidFill>
+                  <a:schemeClr val="tx1"/>
+                </a:solidFill>
+                <a:latin typeface="+mn-lt"/>
+                <a:ea typeface="+mn-ea"/>
+              </a:defRPr>
+            </a:lvl4pPr>
+            <a:lvl5pPr marL="1026000" indent="-198000" algn="l" rtl="0" eaLnBrk="1" fontAlgn="base" hangingPunct="1">
+              <a:spcBef>
+                <a:spcPct val="20000"/>
+              </a:spcBef>
+              <a:spcAft>
+                <a:spcPct val="0"/>
+              </a:spcAft>
+              <a:buChar char="»"/>
+              <a:defRPr sz="1800">
+                <a:solidFill>
+                  <a:schemeClr val="tx1"/>
+                </a:solidFill>
+                <a:latin typeface="+mn-lt"/>
+                <a:ea typeface="+mn-ea"/>
+              </a:defRPr>
+            </a:lvl5pPr>
+            <a:lvl6pPr marL="1026000" indent="-198000" algn="l" rtl="0" eaLnBrk="1" fontAlgn="base" hangingPunct="1">
+              <a:spcBef>
+                <a:spcPct val="20000"/>
+              </a:spcBef>
+              <a:spcAft>
+                <a:spcPct val="0"/>
+              </a:spcAft>
+              <a:buChar char="»"/>
+              <a:defRPr sz="1800">
+                <a:solidFill>
+                  <a:schemeClr val="tx1"/>
+                </a:solidFill>
+                <a:latin typeface="+mn-lt"/>
+                <a:ea typeface="+mn-ea"/>
+              </a:defRPr>
+            </a:lvl6pPr>
+            <a:lvl7pPr marL="1026000" indent="-198000" algn="l" rtl="0" eaLnBrk="1" fontAlgn="base" hangingPunct="1">
+              <a:spcBef>
+                <a:spcPct val="20000"/>
+              </a:spcBef>
+              <a:spcAft>
+                <a:spcPct val="0"/>
+              </a:spcAft>
+              <a:buChar char="»"/>
+              <a:defRPr sz="1800">
+                <a:solidFill>
+                  <a:schemeClr val="tx1"/>
+                </a:solidFill>
+                <a:latin typeface="+mn-lt"/>
+                <a:ea typeface="+mn-ea"/>
+              </a:defRPr>
+            </a:lvl7pPr>
+            <a:lvl8pPr marL="1026000" indent="-198000" algn="l" rtl="0" eaLnBrk="1" fontAlgn="base" hangingPunct="1">
+              <a:spcBef>
+                <a:spcPct val="20000"/>
+              </a:spcBef>
+              <a:spcAft>
+                <a:spcPct val="0"/>
+              </a:spcAft>
+              <a:buChar char="»"/>
+              <a:defRPr sz="1800">
+                <a:solidFill>
+                  <a:schemeClr val="tx1"/>
+                </a:solidFill>
+                <a:latin typeface="+mn-lt"/>
+                <a:ea typeface="+mn-ea"/>
+              </a:defRPr>
+            </a:lvl8pPr>
+            <a:lvl9pPr marL="1026000" indent="-198000" algn="l" rtl="0" eaLnBrk="1" fontAlgn="base" hangingPunct="1">
+              <a:spcBef>
+                <a:spcPct val="20000"/>
+              </a:spcBef>
+              <a:spcAft>
+                <a:spcPct val="0"/>
+              </a:spcAft>
+              <a:buChar char="»"/>
+              <a:defRPr sz="1800">
+                <a:solidFill>
+                  <a:schemeClr val="tx1"/>
+                </a:solidFill>
+                <a:latin typeface="+mn-lt"/>
+                <a:ea typeface="+mn-ea"/>
+              </a:defRPr>
+            </a:lvl9pPr>
+          </a:lstStyle>
+          <a:p>
+            <a:pPr marL="0" indent="0">
+              <a:buNone/>
+            </a:pPr>
+            <a:r>
+              <a:rPr lang="en-US" sz="2400" u="sng" kern="0" dirty="0"/>
+              <a:t>Decisions from experience</a:t>
+            </a:r>
+          </a:p>
+        </p:txBody>
+      </p:sp>
+      <p:sp>
+        <p:nvSpPr>
+          <p:cNvPr id="12" name="Tekstfelt 11">
+            <a:extLst>
+              <a:ext uri="{FF2B5EF4-FFF2-40B4-BE49-F238E27FC236}">
+                <a16:creationId xmlns:a16="http://schemas.microsoft.com/office/drawing/2014/main" id="{BB224B1F-D000-456D-909F-1DA77464A98E}"/>
+              </a:ext>
+            </a:extLst>
+          </p:cNvPr>
+          <p:cNvSpPr txBox="1"/>
+          <p:nvPr/>
+        </p:nvSpPr>
+        <p:spPr>
+          <a:xfrm>
+            <a:off x="2710830" y="2376211"/>
+            <a:ext cx="3776335" cy="4078039"/>
+          </a:xfrm>
+          <a:prstGeom prst="rect">
+            <a:avLst/>
+          </a:prstGeom>
+          <a:noFill/>
+        </p:spPr>
+        <p:txBody>
+          <a:bodyPr wrap="square" rtlCol="0">
+            <a:spAutoFit/>
+          </a:bodyPr>
+          <a:lstStyle/>
+          <a:p>
+            <a:r>
+              <a:rPr lang="en-US" sz="1400" dirty="0"/>
+              <a:t>Probabilities and outcomes are not given a priori, but must be learned </a:t>
+            </a:r>
+          </a:p>
+          <a:p>
+            <a:pPr marL="285750" indent="-285750">
+              <a:buFontTx/>
+              <a:buChar char="-"/>
+            </a:pPr>
+            <a:endParaRPr lang="en-US" sz="1400" dirty="0"/>
+          </a:p>
+          <a:p>
+            <a:pPr marL="285750" indent="-285750">
+              <a:buFontTx/>
+              <a:buChar char="-"/>
+            </a:pPr>
+            <a:endParaRPr lang="en-US" sz="1400" dirty="0"/>
+          </a:p>
+          <a:p>
+            <a:pPr marL="285750" indent="-285750">
+              <a:buFontTx/>
+              <a:buChar char="-"/>
+            </a:pPr>
+            <a:endParaRPr lang="en-US" sz="1400" dirty="0"/>
+          </a:p>
+          <a:p>
+            <a:pPr marL="285750" indent="-285750">
+              <a:buFontTx/>
+              <a:buChar char="-"/>
+            </a:pPr>
+            <a:endParaRPr lang="en-US" sz="1400" dirty="0"/>
+          </a:p>
+          <a:p>
+            <a:pPr marL="285750" indent="-285750">
+              <a:buFontTx/>
+              <a:buChar char="-"/>
+            </a:pPr>
+            <a:endParaRPr lang="en-US" sz="1400" dirty="0"/>
+          </a:p>
+          <a:p>
+            <a:pPr marL="285750" indent="-285750">
+              <a:buFontTx/>
+              <a:buChar char="-"/>
+            </a:pPr>
+            <a:endParaRPr lang="en-US" sz="1400" dirty="0"/>
+          </a:p>
+          <a:p>
+            <a:pPr marL="285750" indent="-285750">
+              <a:buFontTx/>
+              <a:buChar char="-"/>
+            </a:pPr>
+            <a:endParaRPr lang="en-US" sz="1400" dirty="0"/>
+          </a:p>
+          <a:p>
+            <a:pPr marL="285750" indent="-285750">
+              <a:buFontTx/>
+              <a:buChar char="-"/>
+            </a:pPr>
+            <a:endParaRPr lang="en-US" sz="1400" dirty="0"/>
+          </a:p>
+          <a:p>
+            <a:pPr marL="285750" indent="-285750">
+              <a:buFontTx/>
+              <a:buChar char="-"/>
+            </a:pPr>
+            <a:endParaRPr lang="en-US" sz="1400" dirty="0"/>
+          </a:p>
+          <a:p>
+            <a:pPr marL="285750" indent="-285750">
+              <a:buFontTx/>
+              <a:buChar char="-"/>
+            </a:pPr>
+            <a:endParaRPr lang="en-US" sz="1400" dirty="0"/>
+          </a:p>
+          <a:p>
+            <a:pPr marL="742950" lvl="1" indent="-285750">
+              <a:buFontTx/>
+              <a:buChar char="-"/>
+            </a:pPr>
+            <a:endParaRPr lang="en-US" sz="1400" dirty="0"/>
+          </a:p>
+        </p:txBody>
+      </p:sp>
+      <p:grpSp>
+        <p:nvGrpSpPr>
+          <p:cNvPr id="13" name="Gruppe 12">
+            <a:extLst>
+              <a:ext uri="{FF2B5EF4-FFF2-40B4-BE49-F238E27FC236}">
+                <a16:creationId xmlns:a16="http://schemas.microsoft.com/office/drawing/2014/main" id="{8510F2EE-6837-4F8A-9972-1663F5819B43}"/>
+              </a:ext>
+            </a:extLst>
+          </p:cNvPr>
+          <p:cNvGrpSpPr/>
+          <p:nvPr/>
+        </p:nvGrpSpPr>
+        <p:grpSpPr>
+          <a:xfrm>
+            <a:off x="3358902" y="2996952"/>
+            <a:ext cx="2135668" cy="3435350"/>
+            <a:chOff x="1308100" y="2921000"/>
+            <a:chExt cx="2135668" cy="3435350"/>
+          </a:xfrm>
+        </p:grpSpPr>
+        <p:pic>
+          <p:nvPicPr>
+            <p:cNvPr id="14" name="Billede 13">
+              <a:extLst>
+                <a:ext uri="{FF2B5EF4-FFF2-40B4-BE49-F238E27FC236}">
+                  <a16:creationId xmlns:a16="http://schemas.microsoft.com/office/drawing/2014/main" id="{29B8F4BD-AF9C-45B5-A3FF-6345AF2EE46F}"/>
+                </a:ext>
+              </a:extLst>
+            </p:cNvPr>
+            <p:cNvPicPr>
+              <a:picLocks noChangeAspect="1"/>
+            </p:cNvPicPr>
+            <p:nvPr/>
+          </p:nvPicPr>
+          <p:blipFill>
+            <a:blip r:embed="rId3"/>
+            <a:stretch>
+              <a:fillRect/>
+            </a:stretch>
+          </p:blipFill>
+          <p:spPr>
+            <a:xfrm>
+              <a:off x="1452794" y="3032363"/>
+              <a:ext cx="1990974" cy="3323987"/>
+            </a:xfrm>
+            <a:prstGeom prst="rect">
+              <a:avLst/>
+            </a:prstGeom>
+          </p:spPr>
+        </p:pic>
+        <p:sp>
+          <p:nvSpPr>
+            <p:cNvPr id="22" name="Rektangel 21">
+              <a:extLst>
+                <a:ext uri="{FF2B5EF4-FFF2-40B4-BE49-F238E27FC236}">
+                  <a16:creationId xmlns:a16="http://schemas.microsoft.com/office/drawing/2014/main" id="{17FD18A0-B852-429A-8980-EDF0134B4D69}"/>
+                </a:ext>
+              </a:extLst>
+            </p:cNvPr>
+            <p:cNvSpPr/>
+            <p:nvPr/>
+          </p:nvSpPr>
+          <p:spPr>
+            <a:xfrm>
+              <a:off x="1308100" y="2921000"/>
+              <a:ext cx="233594" cy="295304"/>
+            </a:xfrm>
+            <a:prstGeom prst="rect">
+              <a:avLst/>
+            </a:prstGeom>
+            <a:solidFill>
+              <a:schemeClr val="bg1"/>
+            </a:solidFill>
+            <a:ln>
+              <a:noFill/>
+            </a:ln>
+            <a:effectLst>
+              <a:outerShdw blurRad="40000" dist="23000" dir="5400000" sx="1000" sy="1000" rotWithShape="0">
+                <a:srgbClr val="000000">
+                  <a:alpha val="35000"/>
+                </a:srgbClr>
+              </a:outerShdw>
+            </a:effectLst>
+          </p:spPr>
+          <p:style>
+            <a:lnRef idx="1">
+              <a:schemeClr val="accent1"/>
+            </a:lnRef>
+            <a:fillRef idx="3">
+              <a:schemeClr val="accent1"/>
+            </a:fillRef>
+            <a:effectRef idx="2">
+              <a:schemeClr val="accent1"/>
+            </a:effectRef>
+            <a:fontRef idx="minor">
+              <a:schemeClr val="lt1"/>
+            </a:fontRef>
+          </p:style>
+          <p:txBody>
+            <a:bodyPr rtlCol="0" anchor="ctr"/>
+            <a:lstStyle/>
+            <a:p>
+              <a:pPr algn="ctr"/>
+              <a:endParaRPr lang="en-US"/>
+            </a:p>
+          </p:txBody>
+        </p:sp>
+      </p:grpSp>
+      <p:sp>
+        <p:nvSpPr>
+          <p:cNvPr id="24" name="Bue 23">
+            <a:extLst>
+              <a:ext uri="{FF2B5EF4-FFF2-40B4-BE49-F238E27FC236}">
+                <a16:creationId xmlns:a16="http://schemas.microsoft.com/office/drawing/2014/main" id="{AE8C707C-DDB5-4BAD-AB2B-A9BB025EA25B}"/>
+              </a:ext>
+            </a:extLst>
+          </p:cNvPr>
+          <p:cNvSpPr/>
+          <p:nvPr/>
+        </p:nvSpPr>
+        <p:spPr>
+          <a:xfrm>
+            <a:off x="4871070" y="3454699"/>
+            <a:ext cx="3600400" cy="659015"/>
+          </a:xfrm>
+          <a:prstGeom prst="arc">
+            <a:avLst>
+              <a:gd name="adj1" fmla="val 12018449"/>
+              <a:gd name="adj2" fmla="val 16373803"/>
+            </a:avLst>
+          </a:prstGeom>
+          <a:ln w="34925">
+            <a:tailEnd type="triangle"/>
+          </a:ln>
+        </p:spPr>
+        <p:style>
+          <a:lnRef idx="2">
+            <a:schemeClr val="accent1"/>
+          </a:lnRef>
+          <a:fillRef idx="0">
+            <a:schemeClr val="accent1"/>
+          </a:fillRef>
+          <a:effectRef idx="1">
+            <a:schemeClr val="accent1"/>
+          </a:effectRef>
+          <a:fontRef idx="minor">
+            <a:schemeClr val="tx1"/>
+          </a:fontRef>
+        </p:style>
+        <p:txBody>
+          <a:bodyPr rtlCol="0" anchor="ctr"/>
+          <a:lstStyle/>
+          <a:p>
+            <a:pPr algn="ctr"/>
+            <a:endParaRPr lang="en-US"/>
+          </a:p>
+        </p:txBody>
+      </p:sp>
+      <p:grpSp>
+        <p:nvGrpSpPr>
+          <p:cNvPr id="26" name="Gruppe 25">
+            <a:extLst>
+              <a:ext uri="{FF2B5EF4-FFF2-40B4-BE49-F238E27FC236}">
+                <a16:creationId xmlns:a16="http://schemas.microsoft.com/office/drawing/2014/main" id="{DDDE5DEF-EDC3-4503-A8C4-F33A6B57C555}"/>
+              </a:ext>
+            </a:extLst>
+          </p:cNvPr>
+          <p:cNvGrpSpPr/>
+          <p:nvPr/>
+        </p:nvGrpSpPr>
+        <p:grpSpPr>
+          <a:xfrm>
+            <a:off x="6887774" y="2924948"/>
+            <a:ext cx="4320000" cy="3226500"/>
+            <a:chOff x="6887774" y="2924948"/>
+            <a:chExt cx="4320000" cy="3226500"/>
+          </a:xfrm>
+        </p:grpSpPr>
+        <p:pic>
+          <p:nvPicPr>
+            <p:cNvPr id="29" name="Billede 28">
+              <a:extLst>
+                <a:ext uri="{FF2B5EF4-FFF2-40B4-BE49-F238E27FC236}">
+                  <a16:creationId xmlns:a16="http://schemas.microsoft.com/office/drawing/2014/main" id="{CBFB3146-19CB-4722-BC81-0EF5870921ED}"/>
+                </a:ext>
+              </a:extLst>
+            </p:cNvPr>
+            <p:cNvPicPr>
+              <a:picLocks noChangeAspect="1"/>
+            </p:cNvPicPr>
+            <p:nvPr/>
+          </p:nvPicPr>
+          <p:blipFill>
+            <a:blip r:embed="rId4">
+              <a:extLst>
+                <a:ext uri="{28A0092B-C50C-407E-A947-70E740481C1C}">
+                  <a14:useLocalDpi xmlns:a14="http://schemas.microsoft.com/office/drawing/2010/main" val="0"/>
+                </a:ext>
+              </a:extLst>
+            </a:blip>
+            <a:srcRect/>
+            <a:stretch/>
+          </p:blipFill>
+          <p:spPr>
+            <a:xfrm>
+              <a:off x="6887774" y="2924948"/>
+              <a:ext cx="4320000" cy="3226500"/>
+            </a:xfrm>
+            <a:prstGeom prst="rect">
+              <a:avLst/>
+            </a:prstGeom>
+          </p:spPr>
+        </p:pic>
+        <p:cxnSp>
+          <p:nvCxnSpPr>
+            <p:cNvPr id="30" name="Lige forbindelse 29">
+              <a:extLst>
+                <a:ext uri="{FF2B5EF4-FFF2-40B4-BE49-F238E27FC236}">
+                  <a16:creationId xmlns:a16="http://schemas.microsoft.com/office/drawing/2014/main" id="{9F627314-48EB-45CF-AE9D-42214F6E1411}"/>
+                </a:ext>
+              </a:extLst>
+            </p:cNvPr>
+            <p:cNvCxnSpPr>
+              <a:cxnSpLocks/>
+            </p:cNvCxnSpPr>
+            <p:nvPr/>
+          </p:nvCxnSpPr>
+          <p:spPr bwMode="auto">
+            <a:xfrm>
+              <a:off x="8100000" y="5445224"/>
+              <a:ext cx="0" cy="341952"/>
+            </a:xfrm>
+            <a:prstGeom prst="line">
+              <a:avLst/>
+            </a:prstGeom>
+            <a:ln w="19050">
+              <a:tailEnd type="none"/>
+            </a:ln>
+          </p:spPr>
+          <p:style>
+            <a:lnRef idx="2">
+              <a:schemeClr val="accent1"/>
+            </a:lnRef>
+            <a:fillRef idx="0">
+              <a:schemeClr val="accent1"/>
+            </a:fillRef>
+            <a:effectRef idx="1">
+              <a:schemeClr val="accent1"/>
+            </a:effectRef>
+            <a:fontRef idx="minor">
+              <a:schemeClr val="tx1"/>
+            </a:fontRef>
+          </p:style>
+        </p:cxnSp>
+        <p:cxnSp>
+          <p:nvCxnSpPr>
+            <p:cNvPr id="31" name="Lige forbindelse 30">
+              <a:extLst>
+                <a:ext uri="{FF2B5EF4-FFF2-40B4-BE49-F238E27FC236}">
+                  <a16:creationId xmlns:a16="http://schemas.microsoft.com/office/drawing/2014/main" id="{8AB6C679-5F5B-4626-A6BF-781F98A24CC8}"/>
+                </a:ext>
+              </a:extLst>
+            </p:cNvPr>
+            <p:cNvCxnSpPr>
+              <a:cxnSpLocks/>
+            </p:cNvCxnSpPr>
+            <p:nvPr/>
+          </p:nvCxnSpPr>
+          <p:spPr bwMode="auto">
+            <a:xfrm flipH="1">
+              <a:off x="7433999" y="5445223"/>
+              <a:ext cx="666000" cy="0"/>
+            </a:xfrm>
+            <a:prstGeom prst="line">
+              <a:avLst/>
+            </a:prstGeom>
+            <a:ln w="19050">
+              <a:tailEnd type="none"/>
+            </a:ln>
+          </p:spPr>
+          <p:style>
+            <a:lnRef idx="2">
+              <a:schemeClr val="accent1"/>
+            </a:lnRef>
+            <a:fillRef idx="0">
+              <a:schemeClr val="accent1"/>
+            </a:fillRef>
+            <a:effectRef idx="1">
+              <a:schemeClr val="accent1"/>
+            </a:effectRef>
+            <a:fontRef idx="minor">
+              <a:schemeClr val="tx1"/>
+            </a:fontRef>
+          </p:style>
+        </p:cxnSp>
+        <p:pic>
+          <p:nvPicPr>
+            <p:cNvPr id="32" name="Grafik 31" descr="Luk">
+              <a:extLst>
+                <a:ext uri="{FF2B5EF4-FFF2-40B4-BE49-F238E27FC236}">
+                  <a16:creationId xmlns:a16="http://schemas.microsoft.com/office/drawing/2014/main" id="{764FBCB0-C907-43D2-BF05-03531B939794}"/>
+                </a:ext>
+              </a:extLst>
+            </p:cNvPr>
+            <p:cNvPicPr>
+              <a:picLocks noChangeAspect="1"/>
+            </p:cNvPicPr>
+            <p:nvPr/>
+          </p:nvPicPr>
+          <p:blipFill>
+            <a:blip r:embed="rId5">
+              <a:extLst>
+                <a:ext uri="{28A0092B-C50C-407E-A947-70E740481C1C}">
+                  <a14:useLocalDpi xmlns:a14="http://schemas.microsoft.com/office/drawing/2010/main" val="0"/>
+                </a:ext>
+                <a:ext uri="{96DAC541-7B7A-43D3-8B79-37D633B846F1}">
+                  <asvg:svgBlip xmlns:asvg="http://schemas.microsoft.com/office/drawing/2016/SVG/main" r:embed="rId6"/>
+                </a:ext>
+              </a:extLst>
+            </a:blip>
+            <a:stretch>
+              <a:fillRect/>
+            </a:stretch>
+          </p:blipFill>
+          <p:spPr>
+            <a:xfrm>
+              <a:off x="8015992" y="5361216"/>
+              <a:ext cx="168015" cy="168015"/>
+            </a:xfrm>
+            <a:prstGeom prst="rect">
+              <a:avLst/>
+            </a:prstGeom>
+          </p:spPr>
+        </p:pic>
+      </p:grpSp>
     </p:spTree>
     <p:extLst>
       <p:ext uri="{BB962C8B-B14F-4D97-AF65-F5344CB8AC3E}">
-        <p14:creationId xmlns:p14="http://schemas.microsoft.com/office/powerpoint/2010/main" val="3737717230"/>
+        <p14:creationId xmlns:p14="http://schemas.microsoft.com/office/powerpoint/2010/main" val="1070172807"/>
       </p:ext>
     </p:extLst>
   </p:cSld>
   <p:clrMapOvr>
     <a:masterClrMapping/>
   </p:clrMapOvr>
+  <p:timing>
+    <p:tnLst>
+      <p:par>
+        <p:cTn id="1" dur="indefinite" restart="never" nodeType="tmRoot">
+          <p:childTnLst>
+            <p:seq concurrent="1" nextAc="seek">
+              <p:cTn id="2" dur="indefinite" nodeType="mainSeq">
+                <p:childTnLst>
+                  <p:par>
+                    <p:cTn id="3" fill="hold">
+                      <p:stCondLst>
+                        <p:cond delay="indefinite"/>
+                      </p:stCondLst>
+                      <p:childTnLst>
+                        <p:par>
+                          <p:cTn id="4" fill="hold">
+                            <p:stCondLst>
+                              <p:cond delay="0"/>
+                            </p:stCondLst>
+                            <p:childTnLst>
+                              <p:par>
+                                <p:cTn id="5" presetID="1" presetClass="entr" presetSubtype="0" fill="hold" grpId="0" nodeType="clickEffect">
+                                  <p:stCondLst>
+                                    <p:cond delay="0"/>
+                                  </p:stCondLst>
+                                  <p:childTnLst>
+                                    <p:set>
+                                      <p:cBhvr>
+                                        <p:cTn id="6" dur="1" fill="hold">
+                                          <p:stCondLst>
+                                            <p:cond delay="0"/>
+                                          </p:stCondLst>
+                                        </p:cTn>
+                                        <p:tgtEl>
+                                          <p:spTgt spid="24"/>
+                                        </p:tgtEl>
+                                        <p:attrNameLst>
+                                          <p:attrName>style.visibility</p:attrName>
+                                        </p:attrNameLst>
+                                      </p:cBhvr>
+                                      <p:to>
+                                        <p:strVal val="visible"/>
+                                      </p:to>
+                                    </p:set>
+                                  </p:childTnLst>
+                                </p:cTn>
+                              </p:par>
+                              <p:par>
+                                <p:cTn id="7" presetID="1" presetClass="entr" presetSubtype="0" fill="hold" nodeType="withEffect">
+                                  <p:stCondLst>
+                                    <p:cond delay="0"/>
+                                  </p:stCondLst>
+                                  <p:childTnLst>
+                                    <p:set>
+                                      <p:cBhvr>
+                                        <p:cTn id="8" dur="1" fill="hold">
+                                          <p:stCondLst>
+                                            <p:cond delay="0"/>
+                                          </p:stCondLst>
+                                        </p:cTn>
+                                        <p:tgtEl>
+                                          <p:spTgt spid="26"/>
+                                        </p:tgtEl>
+                                        <p:attrNameLst>
+                                          <p:attrName>style.visibility</p:attrName>
+                                        </p:attrNameLst>
+                                      </p:cBhvr>
+                                      <p:to>
+                                        <p:strVal val="visible"/>
+                                      </p:to>
+                                    </p:set>
+                                  </p:childTnLst>
+                                </p:cTn>
+                              </p:par>
+                            </p:childTnLst>
+                          </p:cTn>
+                        </p:par>
+                      </p:childTnLst>
+                    </p:cTn>
+                  </p:par>
+                </p:childTnLst>
+              </p:cTn>
+              <p:prevCondLst>
+                <p:cond evt="onPrev" delay="0">
+                  <p:tgtEl>
+                    <p:sldTgt/>
+                  </p:tgtEl>
+                </p:cond>
+              </p:prevCondLst>
+              <p:nextCondLst>
+                <p:cond evt="onNext" delay="0">
+                  <p:tgtEl>
+                    <p:sldTgt/>
+                  </p:tgtEl>
+                </p:cond>
+              </p:nextCondLst>
+            </p:seq>
+          </p:childTnLst>
+        </p:cTn>
+      </p:par>
+    </p:tnLst>
+    <p:bldLst>
+      <p:bldP spid="24" grpId="0" animBg="1"/>
+    </p:bldLst>
+  </p:timing>
 </p:sld>
 </file>
 
-<file path=ppt/slides/slide7.xml><?xml version="1.0" encoding="utf-8"?>
+<file path=ppt/slides/slide8.xml><?xml version="1.0" encoding="utf-8"?>
 <p:sld xmlns:a="http://schemas.openxmlformats.org/drawingml/2006/main" xmlns:r="http://schemas.openxmlformats.org/officeDocument/2006/relationships" xmlns:p="http://schemas.openxmlformats.org/presentationml/2006/main">
   <p:cSld>
     <p:spTree>
@@ -11167,7 +15171,7 @@
           <p:cNvPr id="2" name="Titel 1">
             <a:extLst>
               <a:ext uri="{FF2B5EF4-FFF2-40B4-BE49-F238E27FC236}">
-                <a16:creationId xmlns:a16="http://schemas.microsoft.com/office/drawing/2014/main" id="{38447CF7-4D72-4BEF-A7E8-299A608236A9}"/>
+                <a16:creationId xmlns:a16="http://schemas.microsoft.com/office/drawing/2014/main" id="{B6BEEC1C-6AC4-4F38-ABBD-C8BFDF603A72}"/>
               </a:ext>
             </a:extLst>
           </p:cNvPr>
@@ -11185,14 +15189,14 @@
           <a:p>
             <a:r>
               <a:rPr lang="en-US" dirty="0"/>
-              <a:t>Methods</a:t>
+              <a:t>Background and motivation</a:t>
             </a:r>
             <a:br>
               <a:rPr lang="en-US" dirty="0"/>
             </a:br>
             <a:r>
               <a:rPr lang="en-US" sz="1800" b="0" dirty="0"/>
-              <a:t>Experimental design</a:t>
+              <a:t>Probability Weighting – what is it?</a:t>
             </a:r>
             <a:endParaRPr lang="en-US" dirty="0"/>
           </a:p>
@@ -11203,7 +15207,7 @@
           <p:cNvPr id="3" name="Pladsholder til slidenummer 2">
             <a:extLst>
               <a:ext uri="{FF2B5EF4-FFF2-40B4-BE49-F238E27FC236}">
-                <a16:creationId xmlns:a16="http://schemas.microsoft.com/office/drawing/2014/main" id="{301B138A-0269-4348-9EAC-8035A5096949}"/>
+                <a16:creationId xmlns:a16="http://schemas.microsoft.com/office/drawing/2014/main" id="{43760A49-C42E-4C9E-9629-C88523F087B1}"/>
               </a:ext>
             </a:extLst>
           </p:cNvPr>
@@ -11222,7 +15226,7 @@
             <a:fld id="{103EA872-A674-449B-A120-B97244F8E91D}" type="slidenum">
               <a:rPr lang="da-DK" smtClean="0"/>
               <a:pPr/>
-              <a:t>7</a:t>
+              <a:t>8</a:t>
             </a:fld>
             <a:endParaRPr lang="da-DK" dirty="0"/>
           </a:p>
@@ -11233,7 +15237,7 @@
           <p:cNvPr id="4" name="Picture 2" descr="Studentermedhjælper søges til MR-forskningscenter">
             <a:extLst>
               <a:ext uri="{FF2B5EF4-FFF2-40B4-BE49-F238E27FC236}">
-                <a16:creationId xmlns:a16="http://schemas.microsoft.com/office/drawing/2014/main" id="{6308C93B-DF50-462E-860B-620169CED9CF}"/>
+                <a16:creationId xmlns:a16="http://schemas.microsoft.com/office/drawing/2014/main" id="{EEAD69C4-F6D7-49C1-BC88-C1EFB8B67647}"/>
               </a:ext>
             </a:extLst>
           </p:cNvPr>
@@ -11275,10 +15279,46 @@
           </a:extLst>
         </p:spPr>
       </p:pic>
+      <p:pic>
+        <p:nvPicPr>
+          <p:cNvPr id="8" name="Billede 7">
+            <a:extLst>
+              <a:ext uri="{FF2B5EF4-FFF2-40B4-BE49-F238E27FC236}">
+                <a16:creationId xmlns:a16="http://schemas.microsoft.com/office/drawing/2014/main" id="{BD7E2FC1-0A36-4568-823E-C489C96E7568}"/>
+              </a:ext>
+            </a:extLst>
+          </p:cNvPr>
+          <p:cNvPicPr>
+            <a:picLocks noChangeAspect="1"/>
+          </p:cNvPicPr>
+          <p:nvPr/>
+        </p:nvPicPr>
+        <p:blipFill>
+          <a:blip r:embed="rId3">
+            <a:extLst>
+              <a:ext uri="{28A0092B-C50C-407E-A947-70E740481C1C}">
+                <a14:useLocalDpi xmlns:a14="http://schemas.microsoft.com/office/drawing/2010/main" val="0"/>
+              </a:ext>
+            </a:extLst>
+          </a:blip>
+          <a:stretch>
+            <a:fillRect/>
+          </a:stretch>
+        </p:blipFill>
+        <p:spPr>
+          <a:xfrm>
+            <a:off x="3169120" y="1700808"/>
+            <a:ext cx="5852172" cy="4370841"/>
+          </a:xfrm>
+          <a:prstGeom prst="rect">
+            <a:avLst/>
+          </a:prstGeom>
+        </p:spPr>
+      </p:pic>
     </p:spTree>
     <p:extLst>
       <p:ext uri="{BB962C8B-B14F-4D97-AF65-F5344CB8AC3E}">
-        <p14:creationId xmlns:p14="http://schemas.microsoft.com/office/powerpoint/2010/main" val="3346449363"/>
+        <p14:creationId xmlns:p14="http://schemas.microsoft.com/office/powerpoint/2010/main" val="1603380883"/>
       </p:ext>
     </p:extLst>
   </p:cSld>
@@ -11288,7 +15328,7 @@
 </p:sld>
 </file>
 
-<file path=ppt/slides/slide8.xml><?xml version="1.0" encoding="utf-8"?>
+<file path=ppt/slides/slide9.xml><?xml version="1.0" encoding="utf-8"?>
 <p:sld xmlns:a="http://schemas.openxmlformats.org/drawingml/2006/main" xmlns:r="http://schemas.openxmlformats.org/officeDocument/2006/relationships" xmlns:p="http://schemas.openxmlformats.org/presentationml/2006/main">
   <p:cSld>
     <p:spTree>
@@ -11310,7 +15350,7 @@
           <p:cNvPr id="2" name="Titel 1">
             <a:extLst>
               <a:ext uri="{FF2B5EF4-FFF2-40B4-BE49-F238E27FC236}">
-                <a16:creationId xmlns:a16="http://schemas.microsoft.com/office/drawing/2014/main" id="{B0578DF5-156F-4135-88A9-3DBD6CDBF93E}"/>
+                <a16:creationId xmlns:a16="http://schemas.microsoft.com/office/drawing/2014/main" id="{B6BEEC1C-6AC4-4F38-ABBD-C8BFDF603A72}"/>
               </a:ext>
             </a:extLst>
           </p:cNvPr>
@@ -11328,16 +15368,16 @@
           <a:p>
             <a:r>
               <a:rPr lang="en-US" dirty="0"/>
-              <a:t>Results</a:t>
+              <a:t>Background and motivation</a:t>
             </a:r>
             <a:br>
               <a:rPr lang="en-US" dirty="0"/>
             </a:br>
             <a:r>
               <a:rPr lang="en-US" sz="1800" b="0" dirty="0"/>
-              <a:t>Parameter recovery</a:t>
+              <a:t>Probability Weighting – why does it exit?</a:t>
             </a:r>
-            <a:endParaRPr lang="en-US" b="0" dirty="0"/>
+            <a:endParaRPr lang="en-US" dirty="0"/>
           </a:p>
         </p:txBody>
       </p:sp>
@@ -11346,7 +15386,7 @@
           <p:cNvPr id="3" name="Pladsholder til slidenummer 2">
             <a:extLst>
               <a:ext uri="{FF2B5EF4-FFF2-40B4-BE49-F238E27FC236}">
-                <a16:creationId xmlns:a16="http://schemas.microsoft.com/office/drawing/2014/main" id="{418567B4-AB0C-4696-8212-5DE0FAD0A26F}"/>
+                <a16:creationId xmlns:a16="http://schemas.microsoft.com/office/drawing/2014/main" id="{43760A49-C42E-4C9E-9629-C88523F087B1}"/>
               </a:ext>
             </a:extLst>
           </p:cNvPr>
@@ -11365,7 +15405,7 @@
             <a:fld id="{103EA872-A674-449B-A120-B97244F8E91D}" type="slidenum">
               <a:rPr lang="da-DK" smtClean="0"/>
               <a:pPr/>
-              <a:t>8</a:t>
+              <a:t>9</a:t>
             </a:fld>
             <a:endParaRPr lang="da-DK" dirty="0"/>
           </a:p>
@@ -11376,7 +15416,7 @@
           <p:cNvPr id="4" name="Picture 2" descr="Studentermedhjælper søges til MR-forskningscenter">
             <a:extLst>
               <a:ext uri="{FF2B5EF4-FFF2-40B4-BE49-F238E27FC236}">
-                <a16:creationId xmlns:a16="http://schemas.microsoft.com/office/drawing/2014/main" id="{B7CCD3BF-5D81-4BF6-9ACA-5ADDCEAC9BF6}"/>
+                <a16:creationId xmlns:a16="http://schemas.microsoft.com/office/drawing/2014/main" id="{EEAD69C4-F6D7-49C1-BC88-C1EFB8B67647}"/>
               </a:ext>
             </a:extLst>
           </p:cNvPr>
@@ -11418,152 +15458,631 @@
           </a:extLst>
         </p:spPr>
       </p:pic>
+      <p:sp>
+        <p:nvSpPr>
+          <p:cNvPr id="5" name="Tekstfelt 4">
+            <a:extLst>
+              <a:ext uri="{FF2B5EF4-FFF2-40B4-BE49-F238E27FC236}">
+                <a16:creationId xmlns:a16="http://schemas.microsoft.com/office/drawing/2014/main" id="{51288516-DD80-42BB-96AA-C0E5EEC4EBA5}"/>
+              </a:ext>
+            </a:extLst>
+          </p:cNvPr>
+          <p:cNvSpPr txBox="1"/>
+          <p:nvPr/>
+        </p:nvSpPr>
+        <p:spPr>
+          <a:xfrm>
+            <a:off x="1774726" y="2636912"/>
+            <a:ext cx="6745436" cy="2575064"/>
+          </a:xfrm>
+          <a:prstGeom prst="rect">
+            <a:avLst/>
+          </a:prstGeom>
+          <a:noFill/>
+        </p:spPr>
+        <p:txBody>
+          <a:bodyPr wrap="none" lIns="0" tIns="0" rIns="0" bIns="0" rtlCol="0">
+            <a:spAutoFit/>
+          </a:bodyPr>
+          <a:lstStyle/>
+          <a:p>
+            <a:pPr marL="342900" indent="-342900" algn="l">
+              <a:spcBef>
+                <a:spcPts val="432"/>
+              </a:spcBef>
+              <a:buFont typeface="+mj-lt"/>
+              <a:buAutoNum type="arabicPeriod"/>
+            </a:pPr>
+            <a:r>
+              <a:rPr lang="en-US" sz="1800" dirty="0">
+                <a:latin typeface="+mn-lt"/>
+              </a:rPr>
+              <a:t>Descriptive models</a:t>
+            </a:r>
+          </a:p>
+          <a:p>
+            <a:pPr marL="800100" lvl="1" indent="-342900">
+              <a:spcBef>
+                <a:spcPts val="432"/>
+              </a:spcBef>
+              <a:buFont typeface="Arial" panose="020B0604020202020204" pitchFamily="34" charset="0"/>
+              <a:buChar char="•"/>
+            </a:pPr>
+            <a:r>
+              <a:rPr lang="en-US" sz="1800" dirty="0">
+                <a:latin typeface="+mn-lt"/>
+              </a:rPr>
+              <a:t>Probability weighting is an irrational cognitive bias</a:t>
+            </a:r>
+          </a:p>
+          <a:p>
+            <a:pPr marL="800100" lvl="1" indent="-342900">
+              <a:spcBef>
+                <a:spcPts val="432"/>
+              </a:spcBef>
+              <a:buFont typeface="Arial" panose="020B0604020202020204" pitchFamily="34" charset="0"/>
+              <a:buChar char="•"/>
+            </a:pPr>
+            <a:r>
+              <a:rPr lang="en-US" sz="1800" dirty="0">
+                <a:latin typeface="+mn-lt"/>
+              </a:rPr>
+              <a:t>Cumulative Prospect Theory (CPT;1992)</a:t>
+            </a:r>
+          </a:p>
+          <a:p>
+            <a:pPr marL="342900" indent="-342900" algn="l">
+              <a:spcBef>
+                <a:spcPts val="432"/>
+              </a:spcBef>
+              <a:buFont typeface="+mj-lt"/>
+              <a:buAutoNum type="arabicPeriod"/>
+            </a:pPr>
+            <a:endParaRPr lang="en-US" sz="1800" dirty="0">
+              <a:latin typeface="+mn-lt"/>
+            </a:endParaRPr>
+          </a:p>
+          <a:p>
+            <a:pPr marL="342900" indent="-342900" algn="l">
+              <a:spcBef>
+                <a:spcPts val="432"/>
+              </a:spcBef>
+              <a:buFont typeface="+mj-lt"/>
+              <a:buAutoNum type="arabicPeriod"/>
+            </a:pPr>
+            <a:endParaRPr lang="en-US" sz="1800" dirty="0">
+              <a:latin typeface="+mn-lt"/>
+            </a:endParaRPr>
+          </a:p>
+          <a:p>
+            <a:pPr marL="342900" indent="-342900" algn="l">
+              <a:spcBef>
+                <a:spcPts val="432"/>
+              </a:spcBef>
+              <a:buFont typeface="+mj-lt"/>
+              <a:buAutoNum type="arabicPeriod"/>
+            </a:pPr>
+            <a:r>
+              <a:rPr lang="en-US" sz="1800" dirty="0">
+                <a:latin typeface="+mn-lt"/>
+              </a:rPr>
+              <a:t>Normative models</a:t>
+            </a:r>
+          </a:p>
+          <a:p>
+            <a:pPr marL="800100" lvl="1" indent="-342900">
+              <a:spcBef>
+                <a:spcPts val="432"/>
+              </a:spcBef>
+              <a:buFont typeface="Arial" panose="020B0604020202020204" pitchFamily="34" charset="0"/>
+              <a:buChar char="•"/>
+            </a:pPr>
+            <a:r>
+              <a:rPr lang="en-US" sz="1800" dirty="0">
+                <a:latin typeface="+mn-lt"/>
+              </a:rPr>
+              <a:t>New theories that seek to provide a normative explanation</a:t>
+            </a:r>
+          </a:p>
+          <a:p>
+            <a:pPr marL="800100" lvl="1" indent="-342900">
+              <a:spcBef>
+                <a:spcPts val="432"/>
+              </a:spcBef>
+              <a:buFont typeface="Arial" panose="020B0604020202020204" pitchFamily="34" charset="0"/>
+              <a:buChar char="•"/>
+            </a:pPr>
+            <a:r>
+              <a:rPr lang="en-US" sz="1800" dirty="0">
+                <a:latin typeface="+mn-lt"/>
+              </a:rPr>
+              <a:t>Peters et al. (</a:t>
+            </a:r>
+            <a:r>
+              <a:rPr lang="en-US" sz="1800" dirty="0"/>
+              <a:t>LML;</a:t>
+            </a:r>
+            <a:r>
+              <a:rPr lang="en-US" sz="1800" dirty="0">
+                <a:latin typeface="+mn-lt"/>
+              </a:rPr>
+              <a:t>2020)</a:t>
+            </a:r>
+          </a:p>
+        </p:txBody>
+      </p:sp>
     </p:spTree>
     <p:extLst>
       <p:ext uri="{BB962C8B-B14F-4D97-AF65-F5344CB8AC3E}">
-        <p14:creationId xmlns:p14="http://schemas.microsoft.com/office/powerpoint/2010/main" val="1982187418"/>
+        <p14:creationId xmlns:p14="http://schemas.microsoft.com/office/powerpoint/2010/main" val="2357556229"/>
       </p:ext>
     </p:extLst>
   </p:cSld>
   <p:clrMapOvr>
     <a:masterClrMapping/>
   </p:clrMapOvr>
-</p:sld>
-</file>
-
-<file path=ppt/slides/slide9.xml><?xml version="1.0" encoding="utf-8"?>
-<p:sld xmlns:a="http://schemas.openxmlformats.org/drawingml/2006/main" xmlns:r="http://schemas.openxmlformats.org/officeDocument/2006/relationships" xmlns:p="http://schemas.openxmlformats.org/presentationml/2006/main">
-  <p:cSld>
-    <p:spTree>
-      <p:nvGrpSpPr>
-        <p:cNvPr id="1" name=""/>
-        <p:cNvGrpSpPr/>
-        <p:nvPr/>
-      </p:nvGrpSpPr>
-      <p:grpSpPr>
-        <a:xfrm>
-          <a:off x="0" y="0"/>
-          <a:ext cx="0" cy="0"/>
-          <a:chOff x="0" y="0"/>
-          <a:chExt cx="0" cy="0"/>
-        </a:xfrm>
-      </p:grpSpPr>
-      <p:sp>
-        <p:nvSpPr>
-          <p:cNvPr id="2" name="Titel 1">
-            <a:extLst>
-              <a:ext uri="{FF2B5EF4-FFF2-40B4-BE49-F238E27FC236}">
-                <a16:creationId xmlns:a16="http://schemas.microsoft.com/office/drawing/2014/main" id="{B0578DF5-156F-4135-88A9-3DBD6CDBF93E}"/>
-              </a:ext>
-            </a:extLst>
-          </p:cNvPr>
-          <p:cNvSpPr>
-            <a:spLocks noGrp="1"/>
-          </p:cNvSpPr>
-          <p:nvPr>
-            <p:ph type="title"/>
-          </p:nvPr>
-        </p:nvSpPr>
-        <p:spPr/>
-        <p:txBody>
-          <a:bodyPr/>
-          <a:lstStyle/>
-          <a:p>
-            <a:r>
-              <a:rPr lang="en-US" dirty="0"/>
-              <a:t>Future work</a:t>
-            </a:r>
-            <a:endParaRPr lang="en-US" b="0" dirty="0"/>
-          </a:p>
-        </p:txBody>
-      </p:sp>
-      <p:sp>
-        <p:nvSpPr>
-          <p:cNvPr id="3" name="Pladsholder til slidenummer 2">
-            <a:extLst>
-              <a:ext uri="{FF2B5EF4-FFF2-40B4-BE49-F238E27FC236}">
-                <a16:creationId xmlns:a16="http://schemas.microsoft.com/office/drawing/2014/main" id="{418567B4-AB0C-4696-8212-5DE0FAD0A26F}"/>
-              </a:ext>
-            </a:extLst>
-          </p:cNvPr>
-          <p:cNvSpPr>
-            <a:spLocks noGrp="1"/>
-          </p:cNvSpPr>
-          <p:nvPr>
-            <p:ph type="sldNum" sz="quarter" idx="11"/>
-          </p:nvPr>
-        </p:nvSpPr>
-        <p:spPr/>
-        <p:txBody>
-          <a:bodyPr/>
-          <a:lstStyle/>
-          <a:p>
-            <a:fld id="{103EA872-A674-449B-A120-B97244F8E91D}" type="slidenum">
-              <a:rPr lang="da-DK" smtClean="0"/>
-              <a:pPr/>
-              <a:t>9</a:t>
-            </a:fld>
-            <a:endParaRPr lang="da-DK" dirty="0"/>
-          </a:p>
-        </p:txBody>
-      </p:sp>
-      <p:pic>
-        <p:nvPicPr>
-          <p:cNvPr id="4" name="Picture 2" descr="Studentermedhjælper søges til MR-forskningscenter">
-            <a:extLst>
-              <a:ext uri="{FF2B5EF4-FFF2-40B4-BE49-F238E27FC236}">
-                <a16:creationId xmlns:a16="http://schemas.microsoft.com/office/drawing/2014/main" id="{6383D841-DEB6-499D-B811-20728CF751F4}"/>
-              </a:ext>
-            </a:extLst>
-          </p:cNvPr>
-          <p:cNvPicPr>
-            <a:picLocks noChangeAspect="1" noChangeArrowheads="1"/>
-          </p:cNvPicPr>
-          <p:nvPr/>
-        </p:nvPicPr>
-        <p:blipFill>
-          <a:blip r:embed="rId2" cstate="print">
-            <a:extLst>
-              <a:ext uri="{28A0092B-C50C-407E-A947-70E740481C1C}">
-                <a14:useLocalDpi xmlns:a14="http://schemas.microsoft.com/office/drawing/2010/main" val="0"/>
-              </a:ext>
-            </a:extLst>
-          </a:blip>
-          <a:srcRect/>
-          <a:stretch>
-            <a:fillRect/>
-          </a:stretch>
-        </p:blipFill>
-        <p:spPr bwMode="auto">
-          <a:xfrm>
-            <a:off x="9407574" y="188640"/>
-            <a:ext cx="2448272" cy="685516"/>
-          </a:xfrm>
-          <a:prstGeom prst="rect">
-            <a:avLst/>
-          </a:prstGeom>
-          <a:noFill/>
-          <a:extLst>
-            <a:ext uri="{909E8E84-426E-40DD-AFC4-6F175D3DCCD1}">
-              <a14:hiddenFill xmlns:a14="http://schemas.microsoft.com/office/drawing/2010/main">
-                <a:solidFill>
-                  <a:srgbClr val="FFFFFF"/>
-                </a:solidFill>
-              </a14:hiddenFill>
-            </a:ext>
-          </a:extLst>
-        </p:spPr>
-      </p:pic>
-    </p:spTree>
-    <p:extLst>
-      <p:ext uri="{BB962C8B-B14F-4D97-AF65-F5344CB8AC3E}">
-        <p14:creationId xmlns:p14="http://schemas.microsoft.com/office/powerpoint/2010/main" val="2666414516"/>
-      </p:ext>
-    </p:extLst>
-  </p:cSld>
-  <p:clrMapOvr>
-    <a:masterClrMapping/>
-  </p:clrMapOvr>
+  <p:timing>
+    <p:tnLst>
+      <p:par>
+        <p:cTn id="1" dur="indefinite" restart="never" nodeType="tmRoot">
+          <p:childTnLst>
+            <p:seq concurrent="1" nextAc="seek">
+              <p:cTn id="2" dur="indefinite" nodeType="mainSeq">
+                <p:childTnLst>
+                  <p:par>
+                    <p:cTn id="3" fill="hold">
+                      <p:stCondLst>
+                        <p:cond delay="indefinite"/>
+                        <p:cond evt="onBegin" delay="0">
+                          <p:tn val="2"/>
+                        </p:cond>
+                      </p:stCondLst>
+                      <p:childTnLst>
+                        <p:par>
+                          <p:cTn id="4" fill="hold">
+                            <p:stCondLst>
+                              <p:cond delay="0"/>
+                            </p:stCondLst>
+                            <p:childTnLst>
+                              <p:par>
+                                <p:cTn id="5" presetID="9" presetClass="emph" presetSubtype="0" nodeType="withEffect">
+                                  <p:stCondLst>
+                                    <p:cond delay="0"/>
+                                  </p:stCondLst>
+                                  <p:endCondLst>
+                                    <p:cond evt="onNext" delay="0">
+                                      <p:tgtEl>
+                                        <p:sldTgt/>
+                                      </p:tgtEl>
+                                    </p:cond>
+                                  </p:endCondLst>
+                                  <p:childTnLst>
+                                    <p:set>
+                                      <p:cBhvr>
+                                        <p:cTn id="6" dur="indefinite"/>
+                                        <p:tgtEl>
+                                          <p:spTgt spid="5">
+                                            <p:txEl>
+                                              <p:pRg st="0" end="0"/>
+                                            </p:txEl>
+                                          </p:spTgt>
+                                        </p:tgtEl>
+                                        <p:attrNameLst>
+                                          <p:attrName>style.opacity</p:attrName>
+                                        </p:attrNameLst>
+                                      </p:cBhvr>
+                                      <p:to>
+                                        <p:strVal val="0.5"/>
+                                      </p:to>
+                                    </p:set>
+                                    <p:animEffect filter="image" prLst="opacity: 0.5">
+                                      <p:cBhvr rctx="IE">
+                                        <p:cTn id="7" dur="indefinite"/>
+                                        <p:tgtEl>
+                                          <p:spTgt spid="5">
+                                            <p:txEl>
+                                              <p:pRg st="0" end="0"/>
+                                            </p:txEl>
+                                          </p:spTgt>
+                                        </p:tgtEl>
+                                      </p:cBhvr>
+                                    </p:animEffect>
+                                  </p:childTnLst>
+                                </p:cTn>
+                              </p:par>
+                              <p:par>
+                                <p:cTn id="8" presetID="9" presetClass="emph" presetSubtype="0" nodeType="withEffect">
+                                  <p:stCondLst>
+                                    <p:cond delay="0"/>
+                                  </p:stCondLst>
+                                  <p:endCondLst>
+                                    <p:cond evt="onNext" delay="0">
+                                      <p:tgtEl>
+                                        <p:sldTgt/>
+                                      </p:tgtEl>
+                                    </p:cond>
+                                  </p:endCondLst>
+                                  <p:childTnLst>
+                                    <p:set>
+                                      <p:cBhvr>
+                                        <p:cTn id="9" dur="indefinite"/>
+                                        <p:tgtEl>
+                                          <p:spTgt spid="5">
+                                            <p:txEl>
+                                              <p:pRg st="1" end="1"/>
+                                            </p:txEl>
+                                          </p:spTgt>
+                                        </p:tgtEl>
+                                        <p:attrNameLst>
+                                          <p:attrName>style.opacity</p:attrName>
+                                        </p:attrNameLst>
+                                      </p:cBhvr>
+                                      <p:to>
+                                        <p:strVal val="0.5"/>
+                                      </p:to>
+                                    </p:set>
+                                    <p:animEffect filter="image" prLst="opacity: 0.5">
+                                      <p:cBhvr rctx="IE">
+                                        <p:cTn id="10" dur="indefinite"/>
+                                        <p:tgtEl>
+                                          <p:spTgt spid="5">
+                                            <p:txEl>
+                                              <p:pRg st="1" end="1"/>
+                                            </p:txEl>
+                                          </p:spTgt>
+                                        </p:tgtEl>
+                                      </p:cBhvr>
+                                    </p:animEffect>
+                                  </p:childTnLst>
+                                </p:cTn>
+                              </p:par>
+                              <p:par>
+                                <p:cTn id="11" presetID="9" presetClass="emph" presetSubtype="0" nodeType="withEffect">
+                                  <p:stCondLst>
+                                    <p:cond delay="0"/>
+                                  </p:stCondLst>
+                                  <p:endCondLst>
+                                    <p:cond evt="onNext" delay="0">
+                                      <p:tgtEl>
+                                        <p:sldTgt/>
+                                      </p:tgtEl>
+                                    </p:cond>
+                                  </p:endCondLst>
+                                  <p:childTnLst>
+                                    <p:set>
+                                      <p:cBhvr>
+                                        <p:cTn id="12" dur="indefinite"/>
+                                        <p:tgtEl>
+                                          <p:spTgt spid="5">
+                                            <p:txEl>
+                                              <p:pRg st="2" end="2"/>
+                                            </p:txEl>
+                                          </p:spTgt>
+                                        </p:tgtEl>
+                                        <p:attrNameLst>
+                                          <p:attrName>style.opacity</p:attrName>
+                                        </p:attrNameLst>
+                                      </p:cBhvr>
+                                      <p:to>
+                                        <p:strVal val="0.5"/>
+                                      </p:to>
+                                    </p:set>
+                                    <p:animEffect filter="image" prLst="opacity: 0.5">
+                                      <p:cBhvr rctx="IE">
+                                        <p:cTn id="13" dur="indefinite"/>
+                                        <p:tgtEl>
+                                          <p:spTgt spid="5">
+                                            <p:txEl>
+                                              <p:pRg st="2" end="2"/>
+                                            </p:txEl>
+                                          </p:spTgt>
+                                        </p:tgtEl>
+                                      </p:cBhvr>
+                                    </p:animEffect>
+                                  </p:childTnLst>
+                                </p:cTn>
+                              </p:par>
+                              <p:par>
+                                <p:cTn id="14" presetID="9" presetClass="emph" presetSubtype="0" nodeType="withEffect">
+                                  <p:stCondLst>
+                                    <p:cond delay="0"/>
+                                  </p:stCondLst>
+                                  <p:endCondLst>
+                                    <p:cond evt="onNext" delay="0">
+                                      <p:tgtEl>
+                                        <p:sldTgt/>
+                                      </p:tgtEl>
+                                    </p:cond>
+                                  </p:endCondLst>
+                                  <p:childTnLst>
+                                    <p:set>
+                                      <p:cBhvr>
+                                        <p:cTn id="15" dur="indefinite"/>
+                                        <p:tgtEl>
+                                          <p:spTgt spid="5">
+                                            <p:txEl>
+                                              <p:pRg st="5" end="5"/>
+                                            </p:txEl>
+                                          </p:spTgt>
+                                        </p:tgtEl>
+                                        <p:attrNameLst>
+                                          <p:attrName>style.opacity</p:attrName>
+                                        </p:attrNameLst>
+                                      </p:cBhvr>
+                                      <p:to>
+                                        <p:strVal val="0.5"/>
+                                      </p:to>
+                                    </p:set>
+                                    <p:animEffect filter="image" prLst="opacity: 0.5">
+                                      <p:cBhvr rctx="IE">
+                                        <p:cTn id="16" dur="indefinite"/>
+                                        <p:tgtEl>
+                                          <p:spTgt spid="5">
+                                            <p:txEl>
+                                              <p:pRg st="5" end="5"/>
+                                            </p:txEl>
+                                          </p:spTgt>
+                                        </p:tgtEl>
+                                      </p:cBhvr>
+                                    </p:animEffect>
+                                  </p:childTnLst>
+                                </p:cTn>
+                              </p:par>
+                              <p:par>
+                                <p:cTn id="17" presetID="9" presetClass="emph" presetSubtype="0" nodeType="withEffect">
+                                  <p:stCondLst>
+                                    <p:cond delay="0"/>
+                                  </p:stCondLst>
+                                  <p:endCondLst>
+                                    <p:cond evt="onNext" delay="0">
+                                      <p:tgtEl>
+                                        <p:sldTgt/>
+                                      </p:tgtEl>
+                                    </p:cond>
+                                  </p:endCondLst>
+                                  <p:childTnLst>
+                                    <p:set>
+                                      <p:cBhvr>
+                                        <p:cTn id="18" dur="indefinite"/>
+                                        <p:tgtEl>
+                                          <p:spTgt spid="5">
+                                            <p:txEl>
+                                              <p:pRg st="6" end="6"/>
+                                            </p:txEl>
+                                          </p:spTgt>
+                                        </p:tgtEl>
+                                        <p:attrNameLst>
+                                          <p:attrName>style.opacity</p:attrName>
+                                        </p:attrNameLst>
+                                      </p:cBhvr>
+                                      <p:to>
+                                        <p:strVal val="0.5"/>
+                                      </p:to>
+                                    </p:set>
+                                    <p:animEffect filter="image" prLst="opacity: 0.5">
+                                      <p:cBhvr rctx="IE">
+                                        <p:cTn id="19" dur="indefinite"/>
+                                        <p:tgtEl>
+                                          <p:spTgt spid="5">
+                                            <p:txEl>
+                                              <p:pRg st="6" end="6"/>
+                                            </p:txEl>
+                                          </p:spTgt>
+                                        </p:tgtEl>
+                                      </p:cBhvr>
+                                    </p:animEffect>
+                                  </p:childTnLst>
+                                </p:cTn>
+                              </p:par>
+                              <p:par>
+                                <p:cTn id="20" presetID="9" presetClass="emph" presetSubtype="0" nodeType="withEffect">
+                                  <p:stCondLst>
+                                    <p:cond delay="0"/>
+                                  </p:stCondLst>
+                                  <p:endCondLst>
+                                    <p:cond evt="onNext" delay="0">
+                                      <p:tgtEl>
+                                        <p:sldTgt/>
+                                      </p:tgtEl>
+                                    </p:cond>
+                                  </p:endCondLst>
+                                  <p:childTnLst>
+                                    <p:set>
+                                      <p:cBhvr>
+                                        <p:cTn id="21" dur="indefinite"/>
+                                        <p:tgtEl>
+                                          <p:spTgt spid="5">
+                                            <p:txEl>
+                                              <p:pRg st="7" end="7"/>
+                                            </p:txEl>
+                                          </p:spTgt>
+                                        </p:tgtEl>
+                                        <p:attrNameLst>
+                                          <p:attrName>style.opacity</p:attrName>
+                                        </p:attrNameLst>
+                                      </p:cBhvr>
+                                      <p:to>
+                                        <p:strVal val="0.5"/>
+                                      </p:to>
+                                    </p:set>
+                                    <p:animEffect filter="image" prLst="opacity: 0.5">
+                                      <p:cBhvr rctx="IE">
+                                        <p:cTn id="22" dur="indefinite"/>
+                                        <p:tgtEl>
+                                          <p:spTgt spid="5">
+                                            <p:txEl>
+                                              <p:pRg st="7" end="7"/>
+                                            </p:txEl>
+                                          </p:spTgt>
+                                        </p:tgtEl>
+                                      </p:cBhvr>
+                                    </p:animEffect>
+                                  </p:childTnLst>
+                                </p:cTn>
+                              </p:par>
+                            </p:childTnLst>
+                          </p:cTn>
+                        </p:par>
+                      </p:childTnLst>
+                    </p:cTn>
+                  </p:par>
+                  <p:par>
+                    <p:cTn id="23" fill="hold">
+                      <p:stCondLst>
+                        <p:cond delay="indefinite"/>
+                      </p:stCondLst>
+                      <p:childTnLst>
+                        <p:par>
+                          <p:cTn id="24" fill="hold">
+                            <p:stCondLst>
+                              <p:cond delay="0"/>
+                            </p:stCondLst>
+                            <p:childTnLst>
+                              <p:par>
+                                <p:cTn id="25" presetID="9" presetClass="emph" presetSubtype="0" nodeType="clickEffect">
+                                  <p:stCondLst>
+                                    <p:cond delay="0"/>
+                                  </p:stCondLst>
+                                  <p:childTnLst>
+                                    <p:set>
+                                      <p:cBhvr>
+                                        <p:cTn id="26" dur="indefinite"/>
+                                        <p:tgtEl>
+                                          <p:spTgt spid="5">
+                                            <p:txEl>
+                                              <p:pRg st="0" end="0"/>
+                                            </p:txEl>
+                                          </p:spTgt>
+                                        </p:tgtEl>
+                                        <p:attrNameLst>
+                                          <p:attrName>style.opacity</p:attrName>
+                                        </p:attrNameLst>
+                                      </p:cBhvr>
+                                      <p:to>
+                                        <p:strVal val="0.5"/>
+                                      </p:to>
+                                    </p:set>
+                                    <p:animEffect filter="image" prLst="opacity: 0.5">
+                                      <p:cBhvr rctx="IE">
+                                        <p:cTn id="27" dur="indefinite"/>
+                                        <p:tgtEl>
+                                          <p:spTgt spid="5">
+                                            <p:txEl>
+                                              <p:pRg st="0" end="0"/>
+                                            </p:txEl>
+                                          </p:spTgt>
+                                        </p:tgtEl>
+                                      </p:cBhvr>
+                                    </p:animEffect>
+                                  </p:childTnLst>
+                                </p:cTn>
+                              </p:par>
+                              <p:par>
+                                <p:cTn id="28" presetID="9" presetClass="emph" presetSubtype="0" nodeType="withEffect">
+                                  <p:stCondLst>
+                                    <p:cond delay="0"/>
+                                  </p:stCondLst>
+                                  <p:childTnLst>
+                                    <p:set>
+                                      <p:cBhvr>
+                                        <p:cTn id="29" dur="indefinite"/>
+                                        <p:tgtEl>
+                                          <p:spTgt spid="5">
+                                            <p:txEl>
+                                              <p:pRg st="1" end="1"/>
+                                            </p:txEl>
+                                          </p:spTgt>
+                                        </p:tgtEl>
+                                        <p:attrNameLst>
+                                          <p:attrName>style.opacity</p:attrName>
+                                        </p:attrNameLst>
+                                      </p:cBhvr>
+                                      <p:to>
+                                        <p:strVal val="0.5"/>
+                                      </p:to>
+                                    </p:set>
+                                    <p:animEffect filter="image" prLst="opacity: 0.5">
+                                      <p:cBhvr rctx="IE">
+                                        <p:cTn id="30" dur="indefinite"/>
+                                        <p:tgtEl>
+                                          <p:spTgt spid="5">
+                                            <p:txEl>
+                                              <p:pRg st="1" end="1"/>
+                                            </p:txEl>
+                                          </p:spTgt>
+                                        </p:tgtEl>
+                                      </p:cBhvr>
+                                    </p:animEffect>
+                                  </p:childTnLst>
+                                </p:cTn>
+                              </p:par>
+                              <p:par>
+                                <p:cTn id="31" presetID="9" presetClass="emph" presetSubtype="0" nodeType="withEffect">
+                                  <p:stCondLst>
+                                    <p:cond delay="0"/>
+                                  </p:stCondLst>
+                                  <p:childTnLst>
+                                    <p:set>
+                                      <p:cBhvr>
+                                        <p:cTn id="32" dur="indefinite"/>
+                                        <p:tgtEl>
+                                          <p:spTgt spid="5">
+                                            <p:txEl>
+                                              <p:pRg st="2" end="2"/>
+                                            </p:txEl>
+                                          </p:spTgt>
+                                        </p:tgtEl>
+                                        <p:attrNameLst>
+                                          <p:attrName>style.opacity</p:attrName>
+                                        </p:attrNameLst>
+                                      </p:cBhvr>
+                                      <p:to>
+                                        <p:strVal val="0.5"/>
+                                      </p:to>
+                                    </p:set>
+                                    <p:animEffect filter="image" prLst="opacity: 0.5">
+                                      <p:cBhvr rctx="IE">
+                                        <p:cTn id="33" dur="indefinite"/>
+                                        <p:tgtEl>
+                                          <p:spTgt spid="5">
+                                            <p:txEl>
+                                              <p:pRg st="2" end="2"/>
+                                            </p:txEl>
+                                          </p:spTgt>
+                                        </p:tgtEl>
+                                      </p:cBhvr>
+                                    </p:animEffect>
+                                  </p:childTnLst>
+                                </p:cTn>
+                              </p:par>
+                            </p:childTnLst>
+                          </p:cTn>
+                        </p:par>
+                      </p:childTnLst>
+                    </p:cTn>
+                  </p:par>
+                </p:childTnLst>
+              </p:cTn>
+              <p:prevCondLst>
+                <p:cond evt="onPrev" delay="0">
+                  <p:tgtEl>
+                    <p:sldTgt/>
+                  </p:tgtEl>
+                </p:cond>
+              </p:prevCondLst>
+              <p:nextCondLst>
+                <p:cond evt="onNext" delay="0">
+                  <p:tgtEl>
+                    <p:sldTgt/>
+                  </p:tgtEl>
+                </p:cond>
+              </p:nextCondLst>
+            </p:seq>
+          </p:childTnLst>
+        </p:cTn>
+      </p:par>
+    </p:tnLst>
+  </p:timing>
 </p:sld>
 </file>
 
@@ -12509,61 +17028,61 @@
 </file>
 
 <file path=customXml/item1.xml><?xml version="1.0" encoding="utf-8"?>
+<TemplafyTemplateConfiguration><![CDATA[{"elementsMetadata":[{"type":"shape","id":"f70daa97-d2a7-4f27-b3e4-3e0805dc6446","elementConfiguration":{"binding":"UserProfile.Offices.Workarea_{{DocumentLanguage}}","disableUpdates":false,"type":"text"}},{"type":"shape","id":"5afc5965-8474-4143-8eab-b124e0a01f3d","elementConfiguration":{"format":"{{DateFormats.GeneralDate}}","binding":"Form.Date","disableUpdates":false,"type":"date"}},{"type":"shape","id":"28e5adc8-12e5-44ea-9f55-d58f014d1558","elementConfiguration":{"binding":"Form.PresentationTitle","disableUpdates":false,"type":"text"}}],"transformationConfigurations":[{"language":"{{DocumentLanguage}}","disableUpdates":false,"type":"proofingLanguage"}],"templateName":"DTU Template 16_9 - Corporate red","templateDescription":"","enableDocumentContentUpdater":true,"version":"1.2"}]]></TemplafyTemplateConfiguration>
+</file>
+
+<file path=customXml/item2.xml><?xml version="1.0" encoding="utf-8"?>
+<TemplafyFormConfiguration><![CDATA[{"formFields":[{"required":false,"helpTexts":{"prefix":"","postfix":""},"spacing":{},"type":"datePicker","name":"Date","label":"Date","fullyQualifiedName":"Date"},{"required":false,"placeholder":"","lines":0,"helpTexts":{"prefix":"","postfix":""},"spacing":{},"type":"textBox","name":"PresentationTitle","label":"Presentation title","fullyQualifiedName":"PresentationTitle"}],"formDataEntries":[{"name":"Date","value":"gYYY5p0AW6ZZz+5WJ6voPQ=="}]}]]></TemplafyFormConfiguration>
+</file>
+
+<file path=customXml/item3.xml><?xml version="1.0" encoding="utf-8"?>
+<TemplafySlideTemplateConfiguration><![CDATA[{"documentContentValidatorConfiguration":{"enableDocumentContentValidator":false,"documentContentValidatorVersion":0},"elementsMetadata":[],"slideId":"636957680393236694","enableDocumentContentUpdater":true,"version":"1.2"}]]></TemplafySlideTemplateConfiguration>
+</file>
+
+<file path=customXml/item4.xml><?xml version="1.0" encoding="utf-8"?>
 <TemplafySlideFormConfiguration><![CDATA[{"formFields":[],"formDataEntries":[]}]]></TemplafySlideFormConfiguration>
 </file>
 
-<file path=customXml/item2.xml><?xml version="1.0" encoding="utf-8"?>
+<file path=customXml/item5.xml><?xml version="1.0" encoding="utf-8"?>
 <TemplafySlideFormConfiguration><![CDATA[{"formFields":[],"formDataEntries":[]}]]></TemplafySlideFormConfiguration>
 </file>
 
-<file path=customXml/item3.xml><?xml version="1.0" encoding="utf-8"?>
-<TemplafyFormConfiguration><![CDATA[{"formFields":[{"required":false,"helpTexts":{"prefix":"","postfix":""},"spacing":{},"type":"datePicker","name":"Date","label":"Date","fullyQualifiedName":"Date"},{"required":false,"placeholder":"","lines":0,"helpTexts":{"prefix":"","postfix":""},"spacing":{},"type":"textBox","name":"PresentationTitle","label":"Presentation title","fullyQualifiedName":"PresentationTitle"}],"formDataEntries":[{"name":"Date","value":"gYYY5p0AW6ZZz+5WJ6voPQ=="}]}]]></TemplafyFormConfiguration>
-</file>
-
-<file path=customXml/item4.xml><?xml version="1.0" encoding="utf-8"?>
-<TemplafyTemplateConfiguration><![CDATA[{"elementsMetadata":[{"type":"shape","id":"f70daa97-d2a7-4f27-b3e4-3e0805dc6446","elementConfiguration":{"binding":"UserProfile.Offices.Workarea_{{DocumentLanguage}}","disableUpdates":false,"type":"text"}},{"type":"shape","id":"5afc5965-8474-4143-8eab-b124e0a01f3d","elementConfiguration":{"format":"{{DateFormats.GeneralDate}}","binding":"Form.Date","disableUpdates":false,"type":"date"}},{"type":"shape","id":"28e5adc8-12e5-44ea-9f55-d58f014d1558","elementConfiguration":{"binding":"Form.PresentationTitle","disableUpdates":false,"type":"text"}}],"transformationConfigurations":[{"language":"{{DocumentLanguage}}","disableUpdates":false,"type":"proofingLanguage"}],"templateName":"DTU Template 16_9 - Corporate red","templateDescription":"","enableDocumentContentUpdater":true,"version":"1.2"}]]></TemplafyTemplateConfiguration>
-</file>
-
-<file path=customXml/item5.xml><?xml version="1.0" encoding="utf-8"?>
+<file path=customXml/item6.xml><?xml version="1.0" encoding="utf-8"?>
 <TemplafySlideTemplateConfiguration><![CDATA[{"documentContentValidatorConfiguration":{"enableDocumentContentValidator":false,"documentContentValidatorVersion":0},"elementsMetadata":[],"slideId":"636957680393408391","enableDocumentContentUpdater":true,"version":"1.2"}]]></TemplafySlideTemplateConfiguration>
 </file>
 
-<file path=customXml/item6.xml><?xml version="1.0" encoding="utf-8"?>
-<TemplafySlideTemplateConfiguration><![CDATA[{"documentContentValidatorConfiguration":{"enableDocumentContentValidator":false,"documentContentValidatorVersion":0},"elementsMetadata":[],"slideId":"636957680393236694","enableDocumentContentUpdater":true,"version":"1.2"}]]></TemplafySlideTemplateConfiguration>
+<file path=customXml/itemProps1.xml><?xml version="1.0" encoding="utf-8"?>
+<ds:datastoreItem xmlns:ds="http://schemas.openxmlformats.org/officeDocument/2006/customXml" ds:itemID="{1334258C-C3E7-4029-A615-C886A240FB15}">
+  <ds:schemaRefs/>
+</ds:datastoreItem>
 </file>
 
-<file path=customXml/itemProps1.xml><?xml version="1.0" encoding="utf-8"?>
+<file path=customXml/itemProps2.xml><?xml version="1.0" encoding="utf-8"?>
+<ds:datastoreItem xmlns:ds="http://schemas.openxmlformats.org/officeDocument/2006/customXml" ds:itemID="{43763224-B85A-4B53-A86A-261D26A71C30}">
+  <ds:schemaRefs/>
+</ds:datastoreItem>
+</file>
+
+<file path=customXml/itemProps3.xml><?xml version="1.0" encoding="utf-8"?>
+<ds:datastoreItem xmlns:ds="http://schemas.openxmlformats.org/officeDocument/2006/customXml" ds:itemID="{D27AE696-61B6-4B19-9CED-6F2A3F244FE3}">
+  <ds:schemaRefs/>
+</ds:datastoreItem>
+</file>
+
+<file path=customXml/itemProps4.xml><?xml version="1.0" encoding="utf-8"?>
+<ds:datastoreItem xmlns:ds="http://schemas.openxmlformats.org/officeDocument/2006/customXml" ds:itemID="{9587AFF5-BFB0-40A3-85CA-ADEED7540807}">
+  <ds:schemaRefs/>
+</ds:datastoreItem>
+</file>
+
+<file path=customXml/itemProps5.xml><?xml version="1.0" encoding="utf-8"?>
 <ds:datastoreItem xmlns:ds="http://schemas.openxmlformats.org/officeDocument/2006/customXml" ds:itemID="{5DEE4BEE-00BA-4E32-BD26-AF535B50AC95}">
   <ds:schemaRefs/>
 </ds:datastoreItem>
 </file>
 
-<file path=customXml/itemProps2.xml><?xml version="1.0" encoding="utf-8"?>
-<ds:datastoreItem xmlns:ds="http://schemas.openxmlformats.org/officeDocument/2006/customXml" ds:itemID="{9587AFF5-BFB0-40A3-85CA-ADEED7540807}">
-  <ds:schemaRefs/>
-</ds:datastoreItem>
-</file>
-
-<file path=customXml/itemProps3.xml><?xml version="1.0" encoding="utf-8"?>
-<ds:datastoreItem xmlns:ds="http://schemas.openxmlformats.org/officeDocument/2006/customXml" ds:itemID="{43763224-B85A-4B53-A86A-261D26A71C30}">
-  <ds:schemaRefs/>
-</ds:datastoreItem>
-</file>
-
-<file path=customXml/itemProps4.xml><?xml version="1.0" encoding="utf-8"?>
-<ds:datastoreItem xmlns:ds="http://schemas.openxmlformats.org/officeDocument/2006/customXml" ds:itemID="{1334258C-C3E7-4029-A615-C886A240FB15}">
-  <ds:schemaRefs/>
-</ds:datastoreItem>
-</file>
-
-<file path=customXml/itemProps5.xml><?xml version="1.0" encoding="utf-8"?>
+<file path=customXml/itemProps6.xml><?xml version="1.0" encoding="utf-8"?>
 <ds:datastoreItem xmlns:ds="http://schemas.openxmlformats.org/officeDocument/2006/customXml" ds:itemID="{CA9FC985-930B-40D4-827F-9FAC5D35EA8C}">
   <ds:schemaRefs/>
 </ds:datastoreItem>
-</file>
-
-<file path=customXml/itemProps6.xml><?xml version="1.0" encoding="utf-8"?>
-<ds:datastoreItem xmlns:ds="http://schemas.openxmlformats.org/officeDocument/2006/customXml" ds:itemID="{D27AE696-61B6-4B19-9CED-6F2A3F244FE3}">
-  <ds:schemaRefs/>
-</ds:datastoreItem>
 </file>
--- a/Presentations/Oral defence 07-01-2021.pptx
+++ b/Presentations/Oral defence 07-01-2021.pptx
@@ -197,7 +197,7 @@
 <file path=ppt/revisionInfo.xml><?xml version="1.0" encoding="utf-8"?>
 <p1510:revInfo xmlns:a="http://schemas.openxmlformats.org/drawingml/2006/main" xmlns:r="http://schemas.openxmlformats.org/officeDocument/2006/relationships" xmlns:p1510="http://schemas.microsoft.com/office/powerpoint/2015/10/main">
   <p1510:revLst>
-    <p1510:client id="{977C598A-4D9E-41F6-86F7-5D81D4506CA8}" v="610" dt="2021-01-05T10:40:02.683"/>
+    <p1510:client id="{977C598A-4D9E-41F6-86F7-5D81D4506CA8}" v="612" dt="2021-01-06T14:08:32.002"/>
   </p1510:revLst>
 </p1510:revInfo>
 </file>
@@ -207,7 +207,7 @@
   <pc:docChgLst>
     <pc:chgData name="benjamin Skjold" userId="c95198f139ad621b" providerId="LiveId" clId="{977C598A-4D9E-41F6-86F7-5D81D4506CA8}"/>
     <pc:docChg chg="undo custSel addSld delSld modSld sldOrd">
-      <pc:chgData name="benjamin Skjold" userId="c95198f139ad621b" providerId="LiveId" clId="{977C598A-4D9E-41F6-86F7-5D81D4506CA8}" dt="2021-01-05T10:40:43.172" v="2951" actId="1036"/>
+      <pc:chgData name="benjamin Skjold" userId="c95198f139ad621b" providerId="LiveId" clId="{977C598A-4D9E-41F6-86F7-5D81D4506CA8}" dt="2021-01-06T14:08:32.002" v="2954" actId="207"/>
       <pc:docMkLst>
         <pc:docMk/>
       </pc:docMkLst>
@@ -1252,7 +1252,7 @@
         </pc:cxnChg>
       </pc:sldChg>
       <pc:sldChg chg="delSp modSp add modAnim">
-        <pc:chgData name="benjamin Skjold" userId="c95198f139ad621b" providerId="LiveId" clId="{977C598A-4D9E-41F6-86F7-5D81D4506CA8}" dt="2021-01-05T08:33:11.540" v="1551"/>
+        <pc:chgData name="benjamin Skjold" userId="c95198f139ad621b" providerId="LiveId" clId="{977C598A-4D9E-41F6-86F7-5D81D4506CA8}" dt="2021-01-06T14:08:32.002" v="2954" actId="207"/>
         <pc:sldMkLst>
           <pc:docMk/>
           <pc:sldMk cId="1828641243" sldId="276"/>
@@ -1274,7 +1274,7 @@
           </ac:spMkLst>
         </pc:spChg>
         <pc:spChg chg="mod">
-          <ac:chgData name="benjamin Skjold" userId="c95198f139ad621b" providerId="LiveId" clId="{977C598A-4D9E-41F6-86F7-5D81D4506CA8}" dt="2021-01-05T08:29:27.159" v="1539" actId="1076"/>
+          <ac:chgData name="benjamin Skjold" userId="c95198f139ad621b" providerId="LiveId" clId="{977C598A-4D9E-41F6-86F7-5D81D4506CA8}" dt="2021-01-06T14:08:32.002" v="2954" actId="207"/>
           <ac:spMkLst>
             <pc:docMk/>
             <pc:sldMk cId="1828641243" sldId="276"/>
@@ -10879,8 +10879,8 @@
           </a:p>
         </p:txBody>
       </p:sp>
-      <mc:AlternateContent xmlns:mc="http://schemas.openxmlformats.org/markup-compatibility/2006">
-        <mc:Choice xmlns:a14="http://schemas.microsoft.com/office/drawing/2010/main" Requires="a14">
+      <mc:AlternateContent xmlns:mc="http://schemas.openxmlformats.org/markup-compatibility/2006" xmlns:a14="http://schemas.microsoft.com/office/drawing/2010/main">
+        <mc:Choice Requires="a14">
           <p:sp>
             <p:nvSpPr>
               <p:cNvPr id="7" name="Tekstfelt 6">
@@ -11055,7 +11055,7 @@
             </p:txBody>
           </p:sp>
         </mc:Choice>
-        <mc:Fallback>
+        <mc:Fallback xmlns="">
           <p:sp>
             <p:nvSpPr>
               <p:cNvPr id="7" name="Tekstfelt 6">
@@ -11350,8 +11350,8 @@
           </a:p>
         </p:txBody>
       </p:sp>
-      <mc:AlternateContent xmlns:mc="http://schemas.openxmlformats.org/markup-compatibility/2006">
-        <mc:Choice xmlns:a14="http://schemas.microsoft.com/office/drawing/2010/main" Requires="a14">
+      <mc:AlternateContent xmlns:mc="http://schemas.openxmlformats.org/markup-compatibility/2006" xmlns:a14="http://schemas.microsoft.com/office/drawing/2010/main">
+        <mc:Choice Requires="a14">
           <p:sp>
             <p:nvSpPr>
               <p:cNvPr id="25" name="Tekstfelt 24">
@@ -11591,7 +11591,7 @@
             </p:txBody>
           </p:sp>
         </mc:Choice>
-        <mc:Fallback>
+        <mc:Fallback xmlns="">
           <p:sp>
             <p:nvSpPr>
               <p:cNvPr id="25" name="Tekstfelt 24">
@@ -11636,8 +11636,8 @@
           </p:sp>
         </mc:Fallback>
       </mc:AlternateContent>
-      <mc:AlternateContent xmlns:mc="http://schemas.openxmlformats.org/markup-compatibility/2006">
-        <mc:Choice xmlns:a14="http://schemas.microsoft.com/office/drawing/2010/main" Requires="a14">
+      <mc:AlternateContent xmlns:mc="http://schemas.openxmlformats.org/markup-compatibility/2006" xmlns:a14="http://schemas.microsoft.com/office/drawing/2010/main">
+        <mc:Choice Requires="a14">
           <p:sp>
             <p:nvSpPr>
               <p:cNvPr id="26" name="Tekstfelt 25">
@@ -11842,7 +11842,7 @@
             </p:txBody>
           </p:sp>
         </mc:Choice>
-        <mc:Fallback>
+        <mc:Fallback xmlns="">
           <p:sp>
             <p:nvSpPr>
               <p:cNvPr id="26" name="Tekstfelt 25">
@@ -12293,8 +12293,8 @@
           </a:p>
         </p:txBody>
       </p:sp>
-      <mc:AlternateContent xmlns:mc="http://schemas.openxmlformats.org/markup-compatibility/2006">
-        <mc:Choice xmlns:a14="http://schemas.microsoft.com/office/drawing/2010/main" Requires="a14">
+      <mc:AlternateContent xmlns:mc="http://schemas.openxmlformats.org/markup-compatibility/2006" xmlns:a14="http://schemas.microsoft.com/office/drawing/2010/main">
+        <mc:Choice Requires="a14">
           <p:sp>
             <p:nvSpPr>
               <p:cNvPr id="7" name="Tekstfelt 6">
@@ -12469,7 +12469,7 @@
             </p:txBody>
           </p:sp>
         </mc:Choice>
-        <mc:Fallback>
+        <mc:Fallback xmlns="">
           <p:sp>
             <p:nvSpPr>
               <p:cNvPr id="7" name="Tekstfelt 6">
@@ -12675,8 +12675,8 @@
           </a:p>
         </p:txBody>
       </p:sp>
-      <mc:AlternateContent xmlns:mc="http://schemas.openxmlformats.org/markup-compatibility/2006">
-        <mc:Choice xmlns:a14="http://schemas.microsoft.com/office/drawing/2010/main" Requires="a14">
+      <mc:AlternateContent xmlns:mc="http://schemas.openxmlformats.org/markup-compatibility/2006" xmlns:a14="http://schemas.microsoft.com/office/drawing/2010/main">
+        <mc:Choice Requires="a14">
           <p:sp>
             <p:nvSpPr>
               <p:cNvPr id="26" name="Tekstfelt 25">
@@ -12881,7 +12881,7 @@
             </p:txBody>
           </p:sp>
         </mc:Choice>
-        <mc:Fallback>
+        <mc:Fallback xmlns="">
           <p:sp>
             <p:nvSpPr>
               <p:cNvPr id="26" name="Tekstfelt 25">
@@ -13589,11 +13589,14 @@
             </a:r>
             <a:r>
               <a:rPr lang="en-US" dirty="0">
+                <a:solidFill>
+                  <a:schemeClr val="bg1"/>
+                </a:solidFill>
                 <a:highlight>
                   <a:srgbClr val="0000FF"/>
                 </a:highlight>
               </a:rPr>
-              <a:t>decision maker </a:t>
+              <a:t>decision maker</a:t>
             </a:r>
             <a:r>
               <a:rPr lang="en-US" dirty="0"/>
@@ -13601,6 +13604,9 @@
             </a:r>
             <a:r>
               <a:rPr lang="en-US" dirty="0">
+                <a:solidFill>
+                  <a:schemeClr val="bg1"/>
+                </a:solidFill>
                 <a:highlight>
                   <a:srgbClr val="FF0000"/>
                 </a:highlight>
@@ -14210,8 +14216,8 @@
           </a:p>
         </p:txBody>
       </p:sp>
-      <mc:AlternateContent xmlns:mc="http://schemas.openxmlformats.org/markup-compatibility/2006">
-        <mc:Choice xmlns:a14="http://schemas.microsoft.com/office/drawing/2010/main" Requires="a14">
+      <mc:AlternateContent xmlns:mc="http://schemas.openxmlformats.org/markup-compatibility/2006" xmlns:a14="http://schemas.microsoft.com/office/drawing/2010/main">
+        <mc:Choice Requires="a14">
           <p:sp>
             <p:nvSpPr>
               <p:cNvPr id="11" name="Tekstfelt 10">
@@ -14512,7 +14518,7 @@
             </p:txBody>
           </p:sp>
         </mc:Choice>
-        <mc:Fallback>
+        <mc:Fallback xmlns="">
           <p:sp>
             <p:nvSpPr>
               <p:cNvPr id="11" name="Tekstfelt 10">
@@ -14557,8 +14563,8 @@
           </p:sp>
         </mc:Fallback>
       </mc:AlternateContent>
-      <mc:AlternateContent xmlns:mc="http://schemas.openxmlformats.org/markup-compatibility/2006">
-        <mc:Choice xmlns:a14="http://schemas.microsoft.com/office/drawing/2010/main" Requires="a14">
+      <mc:AlternateContent xmlns:mc="http://schemas.openxmlformats.org/markup-compatibility/2006" xmlns:a14="http://schemas.microsoft.com/office/drawing/2010/main">
+        <mc:Choice Requires="a14">
           <p:sp>
             <p:nvSpPr>
               <p:cNvPr id="12" name="Rektangel 11">
@@ -14586,6 +14592,7 @@
               </a:bodyPr>
               <a:lstStyle/>
               <a:p>
+                <a:pPr/>
                 <a14:m>
                   <m:oMathPara xmlns:m="http://schemas.openxmlformats.org/officeDocument/2006/math">
                     <m:oMathParaPr>
@@ -14835,7 +14842,7 @@
             </p:txBody>
           </p:sp>
         </mc:Choice>
-        <mc:Fallback>
+        <mc:Fallback xmlns="">
           <p:sp>
             <p:nvSpPr>
               <p:cNvPr id="12" name="Rektangel 11">
@@ -15230,8 +15237,8 @@
           </a:p>
         </p:txBody>
       </p:sp>
-      <mc:AlternateContent xmlns:mc="http://schemas.openxmlformats.org/markup-compatibility/2006">
-        <mc:Choice xmlns:a14="http://schemas.microsoft.com/office/drawing/2010/main" Requires="a14">
+      <mc:AlternateContent xmlns:mc="http://schemas.openxmlformats.org/markup-compatibility/2006" xmlns:a14="http://schemas.microsoft.com/office/drawing/2010/main">
+        <mc:Choice Requires="a14">
           <p:sp>
             <p:nvSpPr>
               <p:cNvPr id="11" name="Tekstfelt 10">
@@ -15532,7 +15539,7 @@
             </p:txBody>
           </p:sp>
         </mc:Choice>
-        <mc:Fallback>
+        <mc:Fallback xmlns="">
           <p:sp>
             <p:nvSpPr>
               <p:cNvPr id="11" name="Tekstfelt 10">
@@ -15577,8 +15584,8 @@
           </p:sp>
         </mc:Fallback>
       </mc:AlternateContent>
-      <mc:AlternateContent xmlns:mc="http://schemas.openxmlformats.org/markup-compatibility/2006">
-        <mc:Choice xmlns:a14="http://schemas.microsoft.com/office/drawing/2010/main" Requires="a14">
+      <mc:AlternateContent xmlns:mc="http://schemas.openxmlformats.org/markup-compatibility/2006" xmlns:a14="http://schemas.microsoft.com/office/drawing/2010/main">
+        <mc:Choice Requires="a14">
           <p:sp>
             <p:nvSpPr>
               <p:cNvPr id="12" name="Rektangel 11">
@@ -15606,6 +15613,7 @@
               </a:bodyPr>
               <a:lstStyle/>
               <a:p>
+                <a:pPr/>
                 <a14:m>
                   <m:oMathPara xmlns:m="http://schemas.openxmlformats.org/officeDocument/2006/math">
                     <m:oMathParaPr>
@@ -15855,7 +15863,7 @@
             </p:txBody>
           </p:sp>
         </mc:Choice>
-        <mc:Fallback>
+        <mc:Fallback xmlns="">
           <p:sp>
             <p:nvSpPr>
               <p:cNvPr id="12" name="Rektangel 11">
@@ -28784,11 +28792,11 @@
 </file>
 
 <file path=customXml/item1.xml><?xml version="1.0" encoding="utf-8"?>
-<TemplafyFormConfiguration><![CDATA[{"formFields":[{"required":false,"helpTexts":{"prefix":"","postfix":""},"spacing":{},"type":"datePicker","name":"Date","label":"Date","fullyQualifiedName":"Date"},{"required":false,"placeholder":"","lines":0,"helpTexts":{"prefix":"","postfix":""},"spacing":{},"type":"textBox","name":"PresentationTitle","label":"Presentation title","fullyQualifiedName":"PresentationTitle"}],"formDataEntries":[{"name":"Date","value":"gYYY5p0AW6ZZz+5WJ6voPQ=="}]}]]></TemplafyFormConfiguration>
+<TemplafyTemplateConfiguration><![CDATA[{"elementsMetadata":[{"type":"shape","id":"f70daa97-d2a7-4f27-b3e4-3e0805dc6446","elementConfiguration":{"binding":"UserProfile.Offices.Workarea_{{DocumentLanguage}}","disableUpdates":false,"type":"text"}},{"type":"shape","id":"5afc5965-8474-4143-8eab-b124e0a01f3d","elementConfiguration":{"format":"{{DateFormats.GeneralDate}}","binding":"Form.Date","disableUpdates":false,"type":"date"}},{"type":"shape","id":"28e5adc8-12e5-44ea-9f55-d58f014d1558","elementConfiguration":{"binding":"Form.PresentationTitle","disableUpdates":false,"type":"text"}}],"transformationConfigurations":[{"language":"{{DocumentLanguage}}","disableUpdates":false,"type":"proofingLanguage"}],"templateName":"DTU Template 16_9 - Corporate red","templateDescription":"","enableDocumentContentUpdater":true,"version":"1.2"}]]></TemplafyTemplateConfiguration>
 </file>
 
 <file path=customXml/item2.xml><?xml version="1.0" encoding="utf-8"?>
-<TemplafyTemplateConfiguration><![CDATA[{"elementsMetadata":[{"type":"shape","id":"f70daa97-d2a7-4f27-b3e4-3e0805dc6446","elementConfiguration":{"binding":"UserProfile.Offices.Workarea_{{DocumentLanguage}}","disableUpdates":false,"type":"text"}},{"type":"shape","id":"5afc5965-8474-4143-8eab-b124e0a01f3d","elementConfiguration":{"format":"{{DateFormats.GeneralDate}}","binding":"Form.Date","disableUpdates":false,"type":"date"}},{"type":"shape","id":"28e5adc8-12e5-44ea-9f55-d58f014d1558","elementConfiguration":{"binding":"Form.PresentationTitle","disableUpdates":false,"type":"text"}}],"transformationConfigurations":[{"language":"{{DocumentLanguage}}","disableUpdates":false,"type":"proofingLanguage"}],"templateName":"DTU Template 16_9 - Corporate red","templateDescription":"","enableDocumentContentUpdater":true,"version":"1.2"}]]></TemplafyTemplateConfiguration>
+<TemplafyFormConfiguration><![CDATA[{"formFields":[{"required":false,"helpTexts":{"prefix":"","postfix":""},"spacing":{},"type":"datePicker","name":"Date","label":"Date","fullyQualifiedName":"Date"},{"required":false,"placeholder":"","lines":0,"helpTexts":{"prefix":"","postfix":""},"spacing":{},"type":"textBox","name":"PresentationTitle","label":"Presentation title","fullyQualifiedName":"PresentationTitle"}],"formDataEntries":[{"name":"Date","value":"gYYY5p0AW6ZZz+5WJ6voPQ=="}]}]]></TemplafyFormConfiguration>
 </file>
 
 <file path=customXml/item3.xml><?xml version="1.0" encoding="utf-8"?>
@@ -28816,13 +28824,13 @@
 </file>
 
 <file path=customXml/itemProps1.xml><?xml version="1.0" encoding="utf-8"?>
-<ds:datastoreItem xmlns:ds="http://schemas.openxmlformats.org/officeDocument/2006/customXml" ds:itemID="{43763224-B85A-4B53-A86A-261D26A71C30}">
+<ds:datastoreItem xmlns:ds="http://schemas.openxmlformats.org/officeDocument/2006/customXml" ds:itemID="{1334258C-C3E7-4029-A615-C886A240FB15}">
   <ds:schemaRefs/>
 </ds:datastoreItem>
 </file>
 
 <file path=customXml/itemProps2.xml><?xml version="1.0" encoding="utf-8"?>
-<ds:datastoreItem xmlns:ds="http://schemas.openxmlformats.org/officeDocument/2006/customXml" ds:itemID="{1334258C-C3E7-4029-A615-C886A240FB15}">
+<ds:datastoreItem xmlns:ds="http://schemas.openxmlformats.org/officeDocument/2006/customXml" ds:itemID="{43763224-B85A-4B53-A86A-261D26A71C30}">
   <ds:schemaRefs/>
 </ds:datastoreItem>
 </file>

--- a/Presentations/Oral defence 07-01-2021.pptx
+++ b/Presentations/Oral defence 07-01-2021.pptx
@@ -207,7 +207,7 @@
   <pc:docChgLst>
     <pc:chgData name="benjamin Skjold" userId="c95198f139ad621b" providerId="LiveId" clId="{977C598A-4D9E-41F6-86F7-5D81D4506CA8}"/>
     <pc:docChg chg="undo custSel addSld delSld modSld sldOrd">
-      <pc:chgData name="benjamin Skjold" userId="c95198f139ad621b" providerId="LiveId" clId="{977C598A-4D9E-41F6-86F7-5D81D4506CA8}" dt="2021-01-06T14:08:32.002" v="2954" actId="207"/>
+      <pc:chgData name="benjamin Skjold" userId="c95198f139ad621b" providerId="LiveId" clId="{977C598A-4D9E-41F6-86F7-5D81D4506CA8}" dt="2021-01-06T14:13:28.492" v="2958" actId="20577"/>
       <pc:docMkLst>
         <pc:docMk/>
       </pc:docMkLst>
@@ -1252,7 +1252,7 @@
         </pc:cxnChg>
       </pc:sldChg>
       <pc:sldChg chg="delSp modSp add modAnim">
-        <pc:chgData name="benjamin Skjold" userId="c95198f139ad621b" providerId="LiveId" clId="{977C598A-4D9E-41F6-86F7-5D81D4506CA8}" dt="2021-01-06T14:08:32.002" v="2954" actId="207"/>
+        <pc:chgData name="benjamin Skjold" userId="c95198f139ad621b" providerId="LiveId" clId="{977C598A-4D9E-41F6-86F7-5D81D4506CA8}" dt="2021-01-06T14:13:28.492" v="2958" actId="20577"/>
         <pc:sldMkLst>
           <pc:docMk/>
           <pc:sldMk cId="1828641243" sldId="276"/>
@@ -1274,7 +1274,7 @@
           </ac:spMkLst>
         </pc:spChg>
         <pc:spChg chg="mod">
-          <ac:chgData name="benjamin Skjold" userId="c95198f139ad621b" providerId="LiveId" clId="{977C598A-4D9E-41F6-86F7-5D81D4506CA8}" dt="2021-01-06T14:08:32.002" v="2954" actId="207"/>
+          <ac:chgData name="benjamin Skjold" userId="c95198f139ad621b" providerId="LiveId" clId="{977C598A-4D9E-41F6-86F7-5D81D4506CA8}" dt="2021-01-06T14:13:28.492" v="2958" actId="20577"/>
           <ac:spMkLst>
             <pc:docMk/>
             <pc:sldMk cId="1828641243" sldId="276"/>
@@ -13585,7 +13585,15 @@
             <a:pPr algn="ctr"/>
             <a:r>
               <a:rPr lang="en-US" dirty="0"/>
-              <a:t>Same approximation of p, but </a:t>
+              <a:t>Same approximation </a:t>
+            </a:r>
+            <a:r>
+              <a:rPr lang="en-US"/>
+              <a:t>of x, </a:t>
+            </a:r>
+            <a:r>
+              <a:rPr lang="en-US" dirty="0"/>
+              <a:t>but </a:t>
             </a:r>
             <a:r>
               <a:rPr lang="en-US" dirty="0">
@@ -28792,11 +28800,11 @@
 </file>
 
 <file path=customXml/item1.xml><?xml version="1.0" encoding="utf-8"?>
-<TemplafyTemplateConfiguration><![CDATA[{"elementsMetadata":[{"type":"shape","id":"f70daa97-d2a7-4f27-b3e4-3e0805dc6446","elementConfiguration":{"binding":"UserProfile.Offices.Workarea_{{DocumentLanguage}}","disableUpdates":false,"type":"text"}},{"type":"shape","id":"5afc5965-8474-4143-8eab-b124e0a01f3d","elementConfiguration":{"format":"{{DateFormats.GeneralDate}}","binding":"Form.Date","disableUpdates":false,"type":"date"}},{"type":"shape","id":"28e5adc8-12e5-44ea-9f55-d58f014d1558","elementConfiguration":{"binding":"Form.PresentationTitle","disableUpdates":false,"type":"text"}}],"transformationConfigurations":[{"language":"{{DocumentLanguage}}","disableUpdates":false,"type":"proofingLanguage"}],"templateName":"DTU Template 16_9 - Corporate red","templateDescription":"","enableDocumentContentUpdater":true,"version":"1.2"}]]></TemplafyTemplateConfiguration>
+<TemplafyFormConfiguration><![CDATA[{"formFields":[{"required":false,"helpTexts":{"prefix":"","postfix":""},"spacing":{},"type":"datePicker","name":"Date","label":"Date","fullyQualifiedName":"Date"},{"required":false,"placeholder":"","lines":0,"helpTexts":{"prefix":"","postfix":""},"spacing":{},"type":"textBox","name":"PresentationTitle","label":"Presentation title","fullyQualifiedName":"PresentationTitle"}],"formDataEntries":[{"name":"Date","value":"gYYY5p0AW6ZZz+5WJ6voPQ=="}]}]]></TemplafyFormConfiguration>
 </file>
 
 <file path=customXml/item2.xml><?xml version="1.0" encoding="utf-8"?>
-<TemplafyFormConfiguration><![CDATA[{"formFields":[{"required":false,"helpTexts":{"prefix":"","postfix":""},"spacing":{},"type":"datePicker","name":"Date","label":"Date","fullyQualifiedName":"Date"},{"required":false,"placeholder":"","lines":0,"helpTexts":{"prefix":"","postfix":""},"spacing":{},"type":"textBox","name":"PresentationTitle","label":"Presentation title","fullyQualifiedName":"PresentationTitle"}],"formDataEntries":[{"name":"Date","value":"gYYY5p0AW6ZZz+5WJ6voPQ=="}]}]]></TemplafyFormConfiguration>
+<TemplafyTemplateConfiguration><![CDATA[{"elementsMetadata":[{"type":"shape","id":"f70daa97-d2a7-4f27-b3e4-3e0805dc6446","elementConfiguration":{"binding":"UserProfile.Offices.Workarea_{{DocumentLanguage}}","disableUpdates":false,"type":"text"}},{"type":"shape","id":"5afc5965-8474-4143-8eab-b124e0a01f3d","elementConfiguration":{"format":"{{DateFormats.GeneralDate}}","binding":"Form.Date","disableUpdates":false,"type":"date"}},{"type":"shape","id":"28e5adc8-12e5-44ea-9f55-d58f014d1558","elementConfiguration":{"binding":"Form.PresentationTitle","disableUpdates":false,"type":"text"}}],"transformationConfigurations":[{"language":"{{DocumentLanguage}}","disableUpdates":false,"type":"proofingLanguage"}],"templateName":"DTU Template 16_9 - Corporate red","templateDescription":"","enableDocumentContentUpdater":true,"version":"1.2"}]]></TemplafyTemplateConfiguration>
 </file>
 
 <file path=customXml/item3.xml><?xml version="1.0" encoding="utf-8"?>
@@ -28824,13 +28832,13 @@
 </file>
 
 <file path=customXml/itemProps1.xml><?xml version="1.0" encoding="utf-8"?>
-<ds:datastoreItem xmlns:ds="http://schemas.openxmlformats.org/officeDocument/2006/customXml" ds:itemID="{1334258C-C3E7-4029-A615-C886A240FB15}">
+<ds:datastoreItem xmlns:ds="http://schemas.openxmlformats.org/officeDocument/2006/customXml" ds:itemID="{43763224-B85A-4B53-A86A-261D26A71C30}">
   <ds:schemaRefs/>
 </ds:datastoreItem>
 </file>
 
 <file path=customXml/itemProps2.xml><?xml version="1.0" encoding="utf-8"?>
-<ds:datastoreItem xmlns:ds="http://schemas.openxmlformats.org/officeDocument/2006/customXml" ds:itemID="{43763224-B85A-4B53-A86A-261D26A71C30}">
+<ds:datastoreItem xmlns:ds="http://schemas.openxmlformats.org/officeDocument/2006/customXml" ds:itemID="{1334258C-C3E7-4029-A615-C886A240FB15}">
   <ds:schemaRefs/>
 </ds:datastoreItem>
 </file>
